--- a/Applied-Data-Science-Capstone-Presentation.pptx
+++ b/Applied-Data-Science-Capstone-Presentation.pptx
@@ -2,7 +2,7 @@
 <file path=ppt/presentation.xml><?xml version="1.0" encoding="utf-8"?>
 <p:presentation xmlns:a="http://schemas.openxmlformats.org/drawingml/2006/main" xmlns:r="http://schemas.openxmlformats.org/officeDocument/2006/relationships" xmlns:p="http://schemas.openxmlformats.org/presentationml/2006/main" saveSubsetFonts="1">
   <p:sldMasterIdLst>
-    <p:sldMasterId id="2147484110" r:id="rId1"/>
+    <p:sldMasterId id="2147484230" r:id="rId1"/>
   </p:sldMasterIdLst>
   <p:sldIdLst>
     <p:sldId id="256" r:id="rId2"/>
@@ -135,7 +135,7 @@
 </file>
 
 <file path=ppt/slideLayouts/slideLayout1.xml><?xml version="1.0" encoding="utf-8"?>
-<p:sldLayout xmlns:a="http://schemas.openxmlformats.org/drawingml/2006/main" xmlns:r="http://schemas.openxmlformats.org/officeDocument/2006/relationships" xmlns:p="http://schemas.openxmlformats.org/presentationml/2006/main" type="title" preserve="1">
+<p:sldLayout xmlns:a="http://schemas.openxmlformats.org/drawingml/2006/main" xmlns:r="http://schemas.openxmlformats.org/officeDocument/2006/relationships" xmlns:p="http://schemas.openxmlformats.org/presentationml/2006/main" showMasterSp="0" type="title" preserve="1">
   <p:cSld name="Title Slide">
     <p:spTree>
       <p:nvGrpSpPr>
@@ -151,36 +151,196 @@
           <a:chExt cx="0" cy="0"/>
         </a:xfrm>
       </p:grpSpPr>
-      <p:pic>
-        <p:nvPicPr>
-          <p:cNvPr id="8" name="Picture 7" descr="Droplets-SD-Title-R1d.png"/>
-          <p:cNvPicPr>
-            <a:picLocks noChangeAspect="1"/>
-          </p:cNvPicPr>
+      <p:grpSp>
+        <p:nvGrpSpPr>
+          <p:cNvPr id="16" name="Group 15"/>
+          <p:cNvGrpSpPr/>
           <p:nvPr/>
-        </p:nvPicPr>
-        <p:blipFill>
-          <a:blip r:embed="rId2">
-            <a:extLst>
-              <a:ext uri="{28A0092B-C50C-407E-A947-70E740481C1C}">
-                <a14:useLocalDpi xmlns:a14="http://schemas.microsoft.com/office/drawing/2010/main" val="0"/>
-              </a:ext>
-            </a:extLst>
-          </a:blip>
-          <a:stretch>
-            <a:fillRect/>
-          </a:stretch>
-        </p:blipFill>
-        <p:spPr>
+        </p:nvGrpSpPr>
+        <p:grpSpPr>
           <a:xfrm>
-            <a:off x="0" y="0"/>
-            <a:ext cx="10058400" cy="7772400"/>
+            <a:off x="4768427" y="1325922"/>
+            <a:ext cx="5296319" cy="5659642"/>
+            <a:chOff x="4334933" y="1169931"/>
+            <a:chExt cx="4814835" cy="4993802"/>
           </a:xfrm>
-          <a:prstGeom prst="rect">
-            <a:avLst/>
-          </a:prstGeom>
-        </p:spPr>
-      </p:pic>
+        </p:grpSpPr>
+        <p:cxnSp>
+          <p:nvCxnSpPr>
+            <p:cNvPr id="17" name="Straight Connector 16"/>
+            <p:cNvCxnSpPr/>
+            <p:nvPr/>
+          </p:nvCxnSpPr>
+          <p:spPr>
+            <a:xfrm flipH="1">
+              <a:off x="6009259" y="1169931"/>
+              <a:ext cx="3134741" cy="3134741"/>
+            </a:xfrm>
+            <a:prstGeom prst="line">
+              <a:avLst/>
+            </a:prstGeom>
+            <a:ln w="12700">
+              <a:solidFill>
+                <a:schemeClr val="tx1"/>
+              </a:solidFill>
+            </a:ln>
+          </p:spPr>
+          <p:style>
+            <a:lnRef idx="2">
+              <a:schemeClr val="accent1"/>
+            </a:lnRef>
+            <a:fillRef idx="0">
+              <a:schemeClr val="accent1"/>
+            </a:fillRef>
+            <a:effectRef idx="1">
+              <a:schemeClr val="accent1"/>
+            </a:effectRef>
+            <a:fontRef idx="minor">
+              <a:schemeClr val="tx1"/>
+            </a:fontRef>
+          </p:style>
+        </p:cxnSp>
+        <p:cxnSp>
+          <p:nvCxnSpPr>
+            <p:cNvPr id="19" name="Straight Connector 18"/>
+            <p:cNvCxnSpPr/>
+            <p:nvPr/>
+          </p:nvCxnSpPr>
+          <p:spPr>
+            <a:xfrm flipH="1">
+              <a:off x="4334933" y="1348898"/>
+              <a:ext cx="4814835" cy="4814835"/>
+            </a:xfrm>
+            <a:prstGeom prst="line">
+              <a:avLst/>
+            </a:prstGeom>
+            <a:ln w="12700">
+              <a:solidFill>
+                <a:schemeClr val="tx1"/>
+              </a:solidFill>
+            </a:ln>
+          </p:spPr>
+          <p:style>
+            <a:lnRef idx="2">
+              <a:schemeClr val="accent1"/>
+            </a:lnRef>
+            <a:fillRef idx="0">
+              <a:schemeClr val="accent1"/>
+            </a:fillRef>
+            <a:effectRef idx="1">
+              <a:schemeClr val="accent1"/>
+            </a:effectRef>
+            <a:fontRef idx="minor">
+              <a:schemeClr val="tx1"/>
+            </a:fontRef>
+          </p:style>
+        </p:cxnSp>
+        <p:cxnSp>
+          <p:nvCxnSpPr>
+            <p:cNvPr id="21" name="Straight Connector 20"/>
+            <p:cNvCxnSpPr/>
+            <p:nvPr/>
+          </p:nvCxnSpPr>
+          <p:spPr>
+            <a:xfrm flipH="1">
+              <a:off x="5225595" y="1469269"/>
+              <a:ext cx="3912054" cy="3912054"/>
+            </a:xfrm>
+            <a:prstGeom prst="line">
+              <a:avLst/>
+            </a:prstGeom>
+            <a:ln w="12700">
+              <a:solidFill>
+                <a:schemeClr val="tx1"/>
+              </a:solidFill>
+            </a:ln>
+          </p:spPr>
+          <p:style>
+            <a:lnRef idx="2">
+              <a:schemeClr val="accent1"/>
+            </a:lnRef>
+            <a:fillRef idx="0">
+              <a:schemeClr val="accent1"/>
+            </a:fillRef>
+            <a:effectRef idx="1">
+              <a:schemeClr val="accent1"/>
+            </a:effectRef>
+            <a:fontRef idx="minor">
+              <a:schemeClr val="tx1"/>
+            </a:fontRef>
+          </p:style>
+        </p:cxnSp>
+        <p:cxnSp>
+          <p:nvCxnSpPr>
+            <p:cNvPr id="22" name="Straight Connector 21"/>
+            <p:cNvCxnSpPr/>
+            <p:nvPr/>
+          </p:nvCxnSpPr>
+          <p:spPr>
+            <a:xfrm flipH="1">
+              <a:off x="5304588" y="1307856"/>
+              <a:ext cx="3839412" cy="3839412"/>
+            </a:xfrm>
+            <a:prstGeom prst="line">
+              <a:avLst/>
+            </a:prstGeom>
+            <a:ln w="31750">
+              <a:solidFill>
+                <a:schemeClr val="tx1"/>
+              </a:solidFill>
+            </a:ln>
+          </p:spPr>
+          <p:style>
+            <a:lnRef idx="2">
+              <a:schemeClr val="accent1"/>
+            </a:lnRef>
+            <a:fillRef idx="0">
+              <a:schemeClr val="accent1"/>
+            </a:fillRef>
+            <a:effectRef idx="1">
+              <a:schemeClr val="accent1"/>
+            </a:effectRef>
+            <a:fontRef idx="minor">
+              <a:schemeClr val="tx1"/>
+            </a:fontRef>
+          </p:style>
+        </p:cxnSp>
+        <p:cxnSp>
+          <p:nvCxnSpPr>
+            <p:cNvPr id="23" name="Straight Connector 22"/>
+            <p:cNvCxnSpPr/>
+            <p:nvPr/>
+          </p:nvCxnSpPr>
+          <p:spPr>
+            <a:xfrm flipH="1">
+              <a:off x="5707078" y="1770196"/>
+              <a:ext cx="3430571" cy="3430570"/>
+            </a:xfrm>
+            <a:prstGeom prst="line">
+              <a:avLst/>
+            </a:prstGeom>
+            <a:ln w="31750">
+              <a:solidFill>
+                <a:schemeClr val="tx1"/>
+              </a:solidFill>
+            </a:ln>
+          </p:spPr>
+          <p:style>
+            <a:lnRef idx="2">
+              <a:schemeClr val="accent1"/>
+            </a:lnRef>
+            <a:fillRef idx="0">
+              <a:schemeClr val="accent1"/>
+            </a:fillRef>
+            <a:effectRef idx="1">
+              <a:schemeClr val="accent1"/>
+            </a:effectRef>
+            <a:fontRef idx="minor">
+              <a:schemeClr val="tx1"/>
+            </a:fontRef>
+          </p:style>
+        </p:cxnSp>
+      </p:grpSp>
       <p:sp>
         <p:nvSpPr>
           <p:cNvPr id="2" name="Title 1"/>
@@ -193,8 +353,8 @@
         </p:nvSpPr>
         <p:spPr>
           <a:xfrm>
-            <a:off x="1444585" y="1474225"/>
-            <a:ext cx="7169230" cy="2843775"/>
+            <a:off x="586741" y="604521"/>
+            <a:ext cx="6770184" cy="3540761"/>
           </a:xfrm>
         </p:spPr>
         <p:txBody>
@@ -202,13 +362,15 @@
             <a:normAutofit/>
           </a:bodyPr>
           <a:lstStyle>
-            <a:lvl1pPr algn="ctr">
-              <a:defRPr sz="5280"/>
+            <a:lvl1pPr algn="l">
+              <a:defRPr sz="4840">
+                <a:effectLst/>
+              </a:defRPr>
             </a:lvl1pPr>
           </a:lstStyle>
           <a:p>
             <a:r>
-              <a:rPr lang="en-US"/>
+              <a:rPr lang="en-US" smtClean="0"/>
               <a:t>Click to edit Master title style</a:t>
             </a:r>
             <a:endParaRPr lang="en-US" dirty="0"/>
@@ -227,61 +389,109 @@
         </p:nvSpPr>
         <p:spPr>
           <a:xfrm>
-            <a:off x="1444585" y="4404362"/>
-            <a:ext cx="7169230" cy="1554479"/>
+            <a:off x="586740" y="4356384"/>
+            <a:ext cx="5449675" cy="2168595"/>
           </a:xfrm>
         </p:spPr>
         <p:txBody>
-          <a:bodyPr>
+          <a:bodyPr anchor="t">
             <a:normAutofit/>
           </a:bodyPr>
           <a:lstStyle>
-            <a:lvl1pPr marL="0" indent="0" algn="ctr">
+            <a:lvl1pPr marL="0" indent="0" algn="l">
               <a:buNone/>
-              <a:defRPr sz="2420">
-                <a:solidFill>
-                  <a:schemeClr val="bg1">
-                    <a:lumMod val="50000"/>
+              <a:defRPr sz="2200">
+                <a:solidFill>
+                  <a:schemeClr val="bg2">
+                    <a:lumMod val="75000"/>
                   </a:schemeClr>
                 </a:solidFill>
               </a:defRPr>
             </a:lvl1pPr>
             <a:lvl2pPr marL="502920" indent="0" algn="ctr">
               <a:buNone/>
-              <a:defRPr sz="2200"/>
+              <a:defRPr>
+                <a:solidFill>
+                  <a:schemeClr val="tx1">
+                    <a:tint val="75000"/>
+                  </a:schemeClr>
+                </a:solidFill>
+              </a:defRPr>
             </a:lvl2pPr>
             <a:lvl3pPr marL="1005840" indent="0" algn="ctr">
               <a:buNone/>
-              <a:defRPr sz="1980"/>
+              <a:defRPr>
+                <a:solidFill>
+                  <a:schemeClr val="tx1">
+                    <a:tint val="75000"/>
+                  </a:schemeClr>
+                </a:solidFill>
+              </a:defRPr>
             </a:lvl3pPr>
             <a:lvl4pPr marL="1508760" indent="0" algn="ctr">
               <a:buNone/>
-              <a:defRPr sz="1760"/>
+              <a:defRPr>
+                <a:solidFill>
+                  <a:schemeClr val="tx1">
+                    <a:tint val="75000"/>
+                  </a:schemeClr>
+                </a:solidFill>
+              </a:defRPr>
             </a:lvl4pPr>
             <a:lvl5pPr marL="2011680" indent="0" algn="ctr">
               <a:buNone/>
-              <a:defRPr sz="1760"/>
+              <a:defRPr>
+                <a:solidFill>
+                  <a:schemeClr val="tx1">
+                    <a:tint val="75000"/>
+                  </a:schemeClr>
+                </a:solidFill>
+              </a:defRPr>
             </a:lvl5pPr>
             <a:lvl6pPr marL="2514600" indent="0" algn="ctr">
               <a:buNone/>
-              <a:defRPr sz="1760"/>
+              <a:defRPr>
+                <a:solidFill>
+                  <a:schemeClr val="tx1">
+                    <a:tint val="75000"/>
+                  </a:schemeClr>
+                </a:solidFill>
+              </a:defRPr>
             </a:lvl6pPr>
             <a:lvl7pPr marL="3017520" indent="0" algn="ctr">
               <a:buNone/>
-              <a:defRPr sz="1760"/>
+              <a:defRPr>
+                <a:solidFill>
+                  <a:schemeClr val="tx1">
+                    <a:tint val="75000"/>
+                  </a:schemeClr>
+                </a:solidFill>
+              </a:defRPr>
             </a:lvl7pPr>
             <a:lvl8pPr marL="3520440" indent="0" algn="ctr">
               <a:buNone/>
-              <a:defRPr sz="1760"/>
+              <a:defRPr>
+                <a:solidFill>
+                  <a:schemeClr val="tx1">
+                    <a:tint val="75000"/>
+                  </a:schemeClr>
+                </a:solidFill>
+              </a:defRPr>
             </a:lvl8pPr>
             <a:lvl9pPr marL="4023360" indent="0" algn="ctr">
               <a:buNone/>
-              <a:defRPr sz="1760"/>
+              <a:defRPr>
+                <a:solidFill>
+                  <a:schemeClr val="tx1">
+                    <a:tint val="75000"/>
+                  </a:schemeClr>
+                </a:solidFill>
+              </a:defRPr>
             </a:lvl9pPr>
           </a:lstStyle>
           <a:p>
             <a:r>
-              <a:rPr lang="en-US"/>
+              <a:rPr lang="en-US" smtClean="0"/>
               <a:t>Click to edit Master subtitle style</a:t>
             </a:r>
             <a:endParaRPr lang="en-US" dirty="0"/>
@@ -305,7 +515,7 @@
           <a:p>
             <a:fld id="{1D8BD707-D9CF-40AE-B4C6-C98DA3205C09}" type="datetimeFigureOut">
               <a:rPr lang="en-US" smtClean="0"/>
-              <a:t>3/6/2020</a:t>
+              <a:t>5/30/2020</a:t>
             </a:fld>
             <a:endParaRPr lang="en-US"/>
           </a:p>
@@ -356,7 +566,7 @@
     </p:spTree>
     <p:extLst>
       <p:ext uri="{BB962C8B-B14F-4D97-AF65-F5344CB8AC3E}">
-        <p14:creationId xmlns:p14="http://schemas.microsoft.com/office/powerpoint/2010/main" val="3213460526"/>
+        <p14:creationId xmlns:p14="http://schemas.microsoft.com/office/powerpoint/2010/main" val="1176735103"/>
       </p:ext>
     </p:extLst>
   </p:cSld>
@@ -383,36 +593,6 @@
           <a:chExt cx="0" cy="0"/>
         </a:xfrm>
       </p:grpSpPr>
-      <p:pic>
-        <p:nvPicPr>
-          <p:cNvPr id="9" name="Picture 8" descr="Droplets-SD-Content-R1d.png"/>
-          <p:cNvPicPr>
-            <a:picLocks noChangeAspect="1"/>
-          </p:cNvPicPr>
-          <p:nvPr/>
-        </p:nvPicPr>
-        <p:blipFill>
-          <a:blip r:embed="rId2">
-            <a:extLst>
-              <a:ext uri="{28A0092B-C50C-407E-A947-70E740481C1C}">
-                <a14:useLocalDpi xmlns:a14="http://schemas.microsoft.com/office/drawing/2010/main" val="0"/>
-              </a:ext>
-            </a:extLst>
-          </a:blip>
-          <a:stretch>
-            <a:fillRect/>
-          </a:stretch>
-        </p:blipFill>
-        <p:spPr>
-          <a:xfrm>
-            <a:off x="0" y="0"/>
-            <a:ext cx="10058400" cy="7772400"/>
-          </a:xfrm>
-          <a:prstGeom prst="rect">
-            <a:avLst/>
-          </a:prstGeom>
-        </p:spPr>
-      </p:pic>
       <p:sp>
         <p:nvSpPr>
           <p:cNvPr id="2" name="Title 1"/>
@@ -425,1290 +605,8 @@
         </p:nvSpPr>
         <p:spPr>
           <a:xfrm>
-            <a:off x="753881" y="4861290"/>
-            <a:ext cx="8550656" cy="919825"/>
-          </a:xfrm>
-        </p:spPr>
-        <p:txBody>
-          <a:bodyPr anchor="b"/>
-          <a:lstStyle>
-            <a:lvl1pPr>
-              <a:defRPr sz="3520"/>
-            </a:lvl1pPr>
-          </a:lstStyle>
-          <a:p>
-            <a:r>
-              <a:rPr lang="en-US"/>
-              <a:t>Click to edit Master title style</a:t>
-            </a:r>
-            <a:endParaRPr lang="en-US" dirty="0"/>
-          </a:p>
-        </p:txBody>
-      </p:sp>
-      <p:sp>
-        <p:nvSpPr>
-          <p:cNvPr id="3" name="Picture Placeholder 2"/>
-          <p:cNvSpPr>
-            <a:spLocks noGrp="1" noChangeAspect="1"/>
-          </p:cNvSpPr>
-          <p:nvPr>
-            <p:ph type="pic" idx="1"/>
-          </p:nvPr>
-        </p:nvSpPr>
-        <p:spPr>
-          <a:xfrm>
-            <a:off x="977414" y="791363"/>
-            <a:ext cx="8103589" cy="3642687"/>
-          </a:xfrm>
-          <a:prstGeom prst="roundRect">
-            <a:avLst>
-              <a:gd name="adj" fmla="val 4944"/>
-            </a:avLst>
-          </a:prstGeom>
-          <a:noFill/>
-          <a:ln w="82550" cap="sq">
-            <a:solidFill>
-              <a:schemeClr val="bg2">
-                <a:lumMod val="60000"/>
-                <a:lumOff val="40000"/>
-              </a:schemeClr>
-            </a:solidFill>
-            <a:miter lim="800000"/>
-          </a:ln>
-          <a:effectLst/>
-          <a:scene3d>
-            <a:camera prst="orthographicFront"/>
-            <a:lightRig rig="threePt" dir="t">
-              <a:rot lat="0" lon="0" rev="2700000"/>
-            </a:lightRig>
-          </a:scene3d>
-          <a:sp3d contourW="6350">
-            <a:bevelT h="38100"/>
-            <a:contourClr>
-              <a:srgbClr val="C0C0C0"/>
-            </a:contourClr>
-          </a:sp3d>
-        </p:spPr>
-        <p:txBody>
-          <a:bodyPr anchor="t"/>
-          <a:lstStyle>
-            <a:lvl1pPr marL="0" indent="0" algn="ctr">
-              <a:buNone/>
-              <a:defRPr sz="3520"/>
-            </a:lvl1pPr>
-            <a:lvl2pPr marL="502920" indent="0">
-              <a:buNone/>
-              <a:defRPr sz="3080"/>
-            </a:lvl2pPr>
-            <a:lvl3pPr marL="1005840" indent="0">
-              <a:buNone/>
-              <a:defRPr sz="2640"/>
-            </a:lvl3pPr>
-            <a:lvl4pPr marL="1508760" indent="0">
-              <a:buNone/>
-              <a:defRPr sz="2200"/>
-            </a:lvl4pPr>
-            <a:lvl5pPr marL="2011680" indent="0">
-              <a:buNone/>
-              <a:defRPr sz="2200"/>
-            </a:lvl5pPr>
-            <a:lvl6pPr marL="2514600" indent="0">
-              <a:buNone/>
-              <a:defRPr sz="2200"/>
-            </a:lvl6pPr>
-            <a:lvl7pPr marL="3017520" indent="0">
-              <a:buNone/>
-              <a:defRPr sz="2200"/>
-            </a:lvl7pPr>
-            <a:lvl8pPr marL="3520440" indent="0">
-              <a:buNone/>
-              <a:defRPr sz="2200"/>
-            </a:lvl8pPr>
-            <a:lvl9pPr marL="4023360" indent="0">
-              <a:buNone/>
-              <a:defRPr sz="2200"/>
-            </a:lvl9pPr>
-          </a:lstStyle>
-          <a:p>
-            <a:r>
-              <a:rPr lang="en-US"/>
-              <a:t>Click icon to add picture</a:t>
-            </a:r>
-            <a:endParaRPr lang="en-US" dirty="0"/>
-          </a:p>
-        </p:txBody>
-      </p:sp>
-      <p:sp>
-        <p:nvSpPr>
-          <p:cNvPr id="4" name="Text Placeholder 3"/>
-          <p:cNvSpPr>
-            <a:spLocks noGrp="1"/>
-          </p:cNvSpPr>
-          <p:nvPr>
-            <p:ph type="body" sz="half" idx="2"/>
-          </p:nvPr>
-        </p:nvSpPr>
-        <p:spPr>
-          <a:xfrm>
-            <a:off x="753865" y="5789892"/>
-            <a:ext cx="8550673" cy="773468"/>
-          </a:xfrm>
-        </p:spPr>
-        <p:txBody>
-          <a:bodyPr/>
-          <a:lstStyle>
-            <a:lvl1pPr marL="0" indent="0" algn="ctr">
-              <a:buNone/>
-              <a:defRPr sz="1760"/>
-            </a:lvl1pPr>
-            <a:lvl2pPr marL="502920" indent="0">
-              <a:buNone/>
-              <a:defRPr sz="1540"/>
-            </a:lvl2pPr>
-            <a:lvl3pPr marL="1005840" indent="0">
-              <a:buNone/>
-              <a:defRPr sz="1320"/>
-            </a:lvl3pPr>
-            <a:lvl4pPr marL="1508760" indent="0">
-              <a:buNone/>
-              <a:defRPr sz="1100"/>
-            </a:lvl4pPr>
-            <a:lvl5pPr marL="2011680" indent="0">
-              <a:buNone/>
-              <a:defRPr sz="1100"/>
-            </a:lvl5pPr>
-            <a:lvl6pPr marL="2514600" indent="0">
-              <a:buNone/>
-              <a:defRPr sz="1100"/>
-            </a:lvl6pPr>
-            <a:lvl7pPr marL="3017520" indent="0">
-              <a:buNone/>
-              <a:defRPr sz="1100"/>
-            </a:lvl7pPr>
-            <a:lvl8pPr marL="3520440" indent="0">
-              <a:buNone/>
-              <a:defRPr sz="1100"/>
-            </a:lvl8pPr>
-            <a:lvl9pPr marL="4023360" indent="0">
-              <a:buNone/>
-              <a:defRPr sz="1100"/>
-            </a:lvl9pPr>
-          </a:lstStyle>
-          <a:p>
-            <a:pPr lvl="0"/>
-            <a:r>
-              <a:rPr lang="en-US"/>
-              <a:t>Edit Master text styles</a:t>
-            </a:r>
-          </a:p>
-        </p:txBody>
-      </p:sp>
-      <p:sp>
-        <p:nvSpPr>
-          <p:cNvPr id="5" name="Date Placeholder 4"/>
-          <p:cNvSpPr>
-            <a:spLocks noGrp="1"/>
-          </p:cNvSpPr>
-          <p:nvPr>
-            <p:ph type="dt" sz="half" idx="10"/>
-          </p:nvPr>
-        </p:nvSpPr>
-        <p:spPr/>
-        <p:txBody>
-          <a:bodyPr/>
-          <a:lstStyle/>
-          <a:p>
-            <a:fld id="{1D8BD707-D9CF-40AE-B4C6-C98DA3205C09}" type="datetimeFigureOut">
-              <a:rPr lang="en-US" smtClean="0"/>
-              <a:t>3/6/2020</a:t>
-            </a:fld>
-            <a:endParaRPr lang="en-US"/>
-          </a:p>
-        </p:txBody>
-      </p:sp>
-      <p:sp>
-        <p:nvSpPr>
-          <p:cNvPr id="6" name="Footer Placeholder 5"/>
-          <p:cNvSpPr>
-            <a:spLocks noGrp="1"/>
-          </p:cNvSpPr>
-          <p:nvPr>
-            <p:ph type="ftr" sz="quarter" idx="11"/>
-          </p:nvPr>
-        </p:nvSpPr>
-        <p:spPr/>
-        <p:txBody>
-          <a:bodyPr/>
-          <a:lstStyle/>
-          <a:p>
-            <a:endParaRPr lang="en-US"/>
-          </a:p>
-        </p:txBody>
-      </p:sp>
-      <p:sp>
-        <p:nvSpPr>
-          <p:cNvPr id="7" name="Slide Number Placeholder 6"/>
-          <p:cNvSpPr>
-            <a:spLocks noGrp="1"/>
-          </p:cNvSpPr>
-          <p:nvPr>
-            <p:ph type="sldNum" sz="quarter" idx="12"/>
-          </p:nvPr>
-        </p:nvSpPr>
-        <p:spPr/>
-        <p:txBody>
-          <a:bodyPr/>
-          <a:lstStyle/>
-          <a:p>
-            <a:fld id="{B6F15528-21DE-4FAA-801E-634DDDAF4B2B}" type="slidenum">
-              <a:rPr lang="en-US" smtClean="0"/>
-              <a:t>‹#›</a:t>
-            </a:fld>
-            <a:endParaRPr lang="en-US"/>
-          </a:p>
-        </p:txBody>
-      </p:sp>
-    </p:spTree>
-    <p:extLst>
-      <p:ext uri="{BB962C8B-B14F-4D97-AF65-F5344CB8AC3E}">
-        <p14:creationId xmlns:p14="http://schemas.microsoft.com/office/powerpoint/2010/main" val="1146042815"/>
-      </p:ext>
-    </p:extLst>
-  </p:cSld>
-  <p:clrMapOvr>
-    <a:masterClrMapping/>
-  </p:clrMapOvr>
-</p:sldLayout>
-</file>
-
-<file path=ppt/slideLayouts/slideLayout11.xml><?xml version="1.0" encoding="utf-8"?>
-<p:sldLayout xmlns:a="http://schemas.openxmlformats.org/drawingml/2006/main" xmlns:r="http://schemas.openxmlformats.org/officeDocument/2006/relationships" xmlns:p="http://schemas.openxmlformats.org/presentationml/2006/main" preserve="1">
-  <p:cSld name="Title and Caption">
-    <p:spTree>
-      <p:nvGrpSpPr>
-        <p:cNvPr id="1" name=""/>
-        <p:cNvGrpSpPr/>
-        <p:nvPr/>
-      </p:nvGrpSpPr>
-      <p:grpSpPr>
-        <a:xfrm>
-          <a:off x="0" y="0"/>
-          <a:ext cx="0" cy="0"/>
-          <a:chOff x="0" y="0"/>
-          <a:chExt cx="0" cy="0"/>
-        </a:xfrm>
-      </p:grpSpPr>
-      <p:pic>
-        <p:nvPicPr>
-          <p:cNvPr id="9" name="Picture 8" descr="Droplets-SD-Content-R1d.png"/>
-          <p:cNvPicPr>
-            <a:picLocks noChangeAspect="1"/>
-          </p:cNvPicPr>
-          <p:nvPr/>
-        </p:nvPicPr>
-        <p:blipFill>
-          <a:blip r:embed="rId2">
-            <a:extLst>
-              <a:ext uri="{28A0092B-C50C-407E-A947-70E740481C1C}">
-                <a14:useLocalDpi xmlns:a14="http://schemas.microsoft.com/office/drawing/2010/main" val="0"/>
-              </a:ext>
-            </a:extLst>
-          </a:blip>
-          <a:stretch>
-            <a:fillRect/>
-          </a:stretch>
-        </p:blipFill>
-        <p:spPr>
-          <a:xfrm>
-            <a:off x="0" y="0"/>
-            <a:ext cx="10058400" cy="7772400"/>
-          </a:xfrm>
-          <a:prstGeom prst="rect">
-            <a:avLst/>
-          </a:prstGeom>
-        </p:spPr>
-      </p:pic>
-      <p:sp>
-        <p:nvSpPr>
-          <p:cNvPr id="2" name="Title 1"/>
-          <p:cNvSpPr>
-            <a:spLocks noGrp="1"/>
-          </p:cNvSpPr>
-          <p:nvPr>
-            <p:ph type="title"/>
-          </p:nvPr>
-        </p:nvSpPr>
-        <p:spPr>
-          <a:xfrm>
-            <a:off x="753865" y="690881"/>
-            <a:ext cx="8550673" cy="3884211"/>
-          </a:xfrm>
-        </p:spPr>
-        <p:txBody>
-          <a:bodyPr anchor="ctr"/>
-          <a:lstStyle>
-            <a:lvl1pPr algn="ctr">
-              <a:defRPr sz="3520"/>
-            </a:lvl1pPr>
-          </a:lstStyle>
-          <a:p>
-            <a:r>
-              <a:rPr lang="en-US"/>
-              <a:t>Click to edit Master title style</a:t>
-            </a:r>
-            <a:endParaRPr lang="en-US" dirty="0"/>
-          </a:p>
-        </p:txBody>
-      </p:sp>
-      <p:sp>
-        <p:nvSpPr>
-          <p:cNvPr id="4" name="Text Placeholder 3"/>
-          <p:cNvSpPr>
-            <a:spLocks noGrp="1"/>
-          </p:cNvSpPr>
-          <p:nvPr>
-            <p:ph type="body" sz="half" idx="2"/>
-          </p:nvPr>
-        </p:nvSpPr>
-        <p:spPr>
-          <a:xfrm>
-            <a:off x="753865" y="4765464"/>
-            <a:ext cx="8550673" cy="1797897"/>
-          </a:xfrm>
-        </p:spPr>
-        <p:txBody>
-          <a:bodyPr anchor="ctr"/>
-          <a:lstStyle>
-            <a:lvl1pPr marL="0" indent="0" algn="ctr">
-              <a:buNone/>
-              <a:defRPr sz="1760"/>
-            </a:lvl1pPr>
-            <a:lvl2pPr marL="502920" indent="0">
-              <a:buNone/>
-              <a:defRPr sz="1540"/>
-            </a:lvl2pPr>
-            <a:lvl3pPr marL="1005840" indent="0">
-              <a:buNone/>
-              <a:defRPr sz="1320"/>
-            </a:lvl3pPr>
-            <a:lvl4pPr marL="1508760" indent="0">
-              <a:buNone/>
-              <a:defRPr sz="1100"/>
-            </a:lvl4pPr>
-            <a:lvl5pPr marL="2011680" indent="0">
-              <a:buNone/>
-              <a:defRPr sz="1100"/>
-            </a:lvl5pPr>
-            <a:lvl6pPr marL="2514600" indent="0">
-              <a:buNone/>
-              <a:defRPr sz="1100"/>
-            </a:lvl6pPr>
-            <a:lvl7pPr marL="3017520" indent="0">
-              <a:buNone/>
-              <a:defRPr sz="1100"/>
-            </a:lvl7pPr>
-            <a:lvl8pPr marL="3520440" indent="0">
-              <a:buNone/>
-              <a:defRPr sz="1100"/>
-            </a:lvl8pPr>
-            <a:lvl9pPr marL="4023360" indent="0">
-              <a:buNone/>
-              <a:defRPr sz="1100"/>
-            </a:lvl9pPr>
-          </a:lstStyle>
-          <a:p>
-            <a:pPr lvl="0"/>
-            <a:r>
-              <a:rPr lang="en-US"/>
-              <a:t>Edit Master text styles</a:t>
-            </a:r>
-          </a:p>
-        </p:txBody>
-      </p:sp>
-      <p:sp>
-        <p:nvSpPr>
-          <p:cNvPr id="5" name="Date Placeholder 4"/>
-          <p:cNvSpPr>
-            <a:spLocks noGrp="1"/>
-          </p:cNvSpPr>
-          <p:nvPr>
-            <p:ph type="dt" sz="half" idx="10"/>
-          </p:nvPr>
-        </p:nvSpPr>
-        <p:spPr/>
-        <p:txBody>
-          <a:bodyPr/>
-          <a:lstStyle/>
-          <a:p>
-            <a:fld id="{1D8BD707-D9CF-40AE-B4C6-C98DA3205C09}" type="datetimeFigureOut">
-              <a:rPr lang="en-US" smtClean="0"/>
-              <a:t>3/6/2020</a:t>
-            </a:fld>
-            <a:endParaRPr lang="en-US"/>
-          </a:p>
-        </p:txBody>
-      </p:sp>
-      <p:sp>
-        <p:nvSpPr>
-          <p:cNvPr id="6" name="Footer Placeholder 5"/>
-          <p:cNvSpPr>
-            <a:spLocks noGrp="1"/>
-          </p:cNvSpPr>
-          <p:nvPr>
-            <p:ph type="ftr" sz="quarter" idx="11"/>
-          </p:nvPr>
-        </p:nvSpPr>
-        <p:spPr/>
-        <p:txBody>
-          <a:bodyPr/>
-          <a:lstStyle/>
-          <a:p>
-            <a:endParaRPr lang="en-US"/>
-          </a:p>
-        </p:txBody>
-      </p:sp>
-      <p:sp>
-        <p:nvSpPr>
-          <p:cNvPr id="7" name="Slide Number Placeholder 6"/>
-          <p:cNvSpPr>
-            <a:spLocks noGrp="1"/>
-          </p:cNvSpPr>
-          <p:nvPr>
-            <p:ph type="sldNum" sz="quarter" idx="12"/>
-          </p:nvPr>
-        </p:nvSpPr>
-        <p:spPr/>
-        <p:txBody>
-          <a:bodyPr/>
-          <a:lstStyle/>
-          <a:p>
-            <a:fld id="{B6F15528-21DE-4FAA-801E-634DDDAF4B2B}" type="slidenum">
-              <a:rPr lang="en-US" smtClean="0"/>
-              <a:t>‹#›</a:t>
-            </a:fld>
-            <a:endParaRPr lang="en-US"/>
-          </a:p>
-        </p:txBody>
-      </p:sp>
-    </p:spTree>
-    <p:extLst>
-      <p:ext uri="{BB962C8B-B14F-4D97-AF65-F5344CB8AC3E}">
-        <p14:creationId xmlns:p14="http://schemas.microsoft.com/office/powerpoint/2010/main" val="4261436767"/>
-      </p:ext>
-    </p:extLst>
-  </p:cSld>
-  <p:clrMapOvr>
-    <a:masterClrMapping/>
-  </p:clrMapOvr>
-</p:sldLayout>
-</file>
-
-<file path=ppt/slideLayouts/slideLayout12.xml><?xml version="1.0" encoding="utf-8"?>
-<p:sldLayout xmlns:a="http://schemas.openxmlformats.org/drawingml/2006/main" xmlns:r="http://schemas.openxmlformats.org/officeDocument/2006/relationships" xmlns:p="http://schemas.openxmlformats.org/presentationml/2006/main" preserve="1">
-  <p:cSld name="Quote with Caption">
-    <p:spTree>
-      <p:nvGrpSpPr>
-        <p:cNvPr id="1" name=""/>
-        <p:cNvGrpSpPr/>
-        <p:nvPr/>
-      </p:nvGrpSpPr>
-      <p:grpSpPr>
-        <a:xfrm>
-          <a:off x="0" y="0"/>
-          <a:ext cx="0" cy="0"/>
-          <a:chOff x="0" y="0"/>
-          <a:chExt cx="0" cy="0"/>
-        </a:xfrm>
-      </p:grpSpPr>
-      <p:pic>
-        <p:nvPicPr>
-          <p:cNvPr id="13" name="Picture 12" descr="Droplets-SD-Content-R1d.png"/>
-          <p:cNvPicPr>
-            <a:picLocks noChangeAspect="1"/>
-          </p:cNvPicPr>
-          <p:nvPr/>
-        </p:nvPicPr>
-        <p:blipFill>
-          <a:blip r:embed="rId2">
-            <a:extLst>
-              <a:ext uri="{28A0092B-C50C-407E-A947-70E740481C1C}">
-                <a14:useLocalDpi xmlns:a14="http://schemas.microsoft.com/office/drawing/2010/main" val="0"/>
-              </a:ext>
-            </a:extLst>
-          </a:blip>
-          <a:stretch>
-            <a:fillRect/>
-          </a:stretch>
-        </p:blipFill>
-        <p:spPr>
-          <a:xfrm>
-            <a:off x="0" y="0"/>
-            <a:ext cx="10058400" cy="7772400"/>
-          </a:xfrm>
-          <a:prstGeom prst="rect">
-            <a:avLst/>
-          </a:prstGeom>
-        </p:spPr>
-      </p:pic>
-      <p:sp>
-        <p:nvSpPr>
-          <p:cNvPr id="2" name="Title 1"/>
-          <p:cNvSpPr>
-            <a:spLocks noGrp="1"/>
-          </p:cNvSpPr>
-          <p:nvPr>
-            <p:ph type="title"/>
-          </p:nvPr>
-        </p:nvSpPr>
-        <p:spPr>
-          <a:xfrm>
-            <a:off x="1193125" y="988933"/>
-            <a:ext cx="7674770" cy="3093904"/>
-          </a:xfrm>
-        </p:spPr>
-        <p:txBody>
-          <a:bodyPr anchor="ctr"/>
-          <a:lstStyle>
-            <a:lvl1pPr>
-              <a:defRPr sz="3520"/>
-            </a:lvl1pPr>
-          </a:lstStyle>
-          <a:p>
-            <a:r>
-              <a:rPr lang="en-US"/>
-              <a:t>Click to edit Master title style</a:t>
-            </a:r>
-            <a:endParaRPr lang="en-US" dirty="0"/>
-          </a:p>
-        </p:txBody>
-      </p:sp>
-      <p:sp>
-        <p:nvSpPr>
-          <p:cNvPr id="12" name="Text Placeholder 3"/>
-          <p:cNvSpPr>
-            <a:spLocks noGrp="1"/>
-          </p:cNvSpPr>
-          <p:nvPr>
-            <p:ph type="body" sz="half" idx="13"/>
-          </p:nvPr>
-        </p:nvSpPr>
-        <p:spPr>
-          <a:xfrm>
-            <a:off x="1419533" y="4091370"/>
-            <a:ext cx="7220646" cy="674093"/>
-          </a:xfrm>
-        </p:spPr>
-        <p:txBody>
-          <a:bodyPr anchor="t">
-            <a:normAutofit/>
-          </a:bodyPr>
-          <a:lstStyle>
-            <a:lvl1pPr marL="0" indent="0">
-              <a:buNone/>
-              <a:defRPr sz="1540"/>
-            </a:lvl1pPr>
-            <a:lvl2pPr marL="502920" indent="0">
-              <a:buNone/>
-              <a:defRPr sz="1540"/>
-            </a:lvl2pPr>
-            <a:lvl3pPr marL="1005840" indent="0">
-              <a:buNone/>
-              <a:defRPr sz="1320"/>
-            </a:lvl3pPr>
-            <a:lvl4pPr marL="1508760" indent="0">
-              <a:buNone/>
-              <a:defRPr sz="1100"/>
-            </a:lvl4pPr>
-            <a:lvl5pPr marL="2011680" indent="0">
-              <a:buNone/>
-              <a:defRPr sz="1100"/>
-            </a:lvl5pPr>
-            <a:lvl6pPr marL="2514600" indent="0">
-              <a:buNone/>
-              <a:defRPr sz="1100"/>
-            </a:lvl6pPr>
-            <a:lvl7pPr marL="3017520" indent="0">
-              <a:buNone/>
-              <a:defRPr sz="1100"/>
-            </a:lvl7pPr>
-            <a:lvl8pPr marL="3520440" indent="0">
-              <a:buNone/>
-              <a:defRPr sz="1100"/>
-            </a:lvl8pPr>
-            <a:lvl9pPr marL="4023360" indent="0">
-              <a:buNone/>
-              <a:defRPr sz="1100"/>
-            </a:lvl9pPr>
-          </a:lstStyle>
-          <a:p>
-            <a:pPr lvl="0"/>
-            <a:r>
-              <a:rPr lang="en-US"/>
-              <a:t>Edit Master text styles</a:t>
-            </a:r>
-          </a:p>
-        </p:txBody>
-      </p:sp>
-      <p:sp>
-        <p:nvSpPr>
-          <p:cNvPr id="4" name="Text Placeholder 3"/>
-          <p:cNvSpPr>
-            <a:spLocks noGrp="1"/>
-          </p:cNvSpPr>
-          <p:nvPr>
-            <p:ph type="body" sz="half" idx="2"/>
-          </p:nvPr>
-        </p:nvSpPr>
-        <p:spPr>
-          <a:xfrm>
-            <a:off x="753865" y="4955837"/>
-            <a:ext cx="8550673" cy="1610527"/>
-          </a:xfrm>
-        </p:spPr>
-        <p:txBody>
-          <a:bodyPr anchor="ctr">
-            <a:normAutofit/>
-          </a:bodyPr>
-          <a:lstStyle>
-            <a:lvl1pPr marL="0" indent="0" algn="ctr">
-              <a:buNone/>
-              <a:defRPr sz="1760"/>
-            </a:lvl1pPr>
-            <a:lvl2pPr marL="502920" indent="0">
-              <a:buNone/>
-              <a:defRPr sz="1540"/>
-            </a:lvl2pPr>
-            <a:lvl3pPr marL="1005840" indent="0">
-              <a:buNone/>
-              <a:defRPr sz="1320"/>
-            </a:lvl3pPr>
-            <a:lvl4pPr marL="1508760" indent="0">
-              <a:buNone/>
-              <a:defRPr sz="1100"/>
-            </a:lvl4pPr>
-            <a:lvl5pPr marL="2011680" indent="0">
-              <a:buNone/>
-              <a:defRPr sz="1100"/>
-            </a:lvl5pPr>
-            <a:lvl6pPr marL="2514600" indent="0">
-              <a:buNone/>
-              <a:defRPr sz="1100"/>
-            </a:lvl6pPr>
-            <a:lvl7pPr marL="3017520" indent="0">
-              <a:buNone/>
-              <a:defRPr sz="1100"/>
-            </a:lvl7pPr>
-            <a:lvl8pPr marL="3520440" indent="0">
-              <a:buNone/>
-              <a:defRPr sz="1100"/>
-            </a:lvl8pPr>
-            <a:lvl9pPr marL="4023360" indent="0">
-              <a:buNone/>
-              <a:defRPr sz="1100"/>
-            </a:lvl9pPr>
-          </a:lstStyle>
-          <a:p>
-            <a:pPr lvl="0"/>
-            <a:r>
-              <a:rPr lang="en-US"/>
-              <a:t>Edit Master text styles</a:t>
-            </a:r>
-          </a:p>
-        </p:txBody>
-      </p:sp>
-      <p:sp>
-        <p:nvSpPr>
-          <p:cNvPr id="5" name="Date Placeholder 4"/>
-          <p:cNvSpPr>
-            <a:spLocks noGrp="1"/>
-          </p:cNvSpPr>
-          <p:nvPr>
-            <p:ph type="dt" sz="half" idx="10"/>
-          </p:nvPr>
-        </p:nvSpPr>
-        <p:spPr/>
-        <p:txBody>
-          <a:bodyPr/>
-          <a:lstStyle/>
-          <a:p>
-            <a:fld id="{1D8BD707-D9CF-40AE-B4C6-C98DA3205C09}" type="datetimeFigureOut">
-              <a:rPr lang="en-US" smtClean="0"/>
-              <a:t>3/6/2020</a:t>
-            </a:fld>
-            <a:endParaRPr lang="en-US"/>
-          </a:p>
-        </p:txBody>
-      </p:sp>
-      <p:sp>
-        <p:nvSpPr>
-          <p:cNvPr id="6" name="Footer Placeholder 5"/>
-          <p:cNvSpPr>
-            <a:spLocks noGrp="1"/>
-          </p:cNvSpPr>
-          <p:nvPr>
-            <p:ph type="ftr" sz="quarter" idx="11"/>
-          </p:nvPr>
-        </p:nvSpPr>
-        <p:spPr/>
-        <p:txBody>
-          <a:bodyPr/>
-          <a:lstStyle/>
-          <a:p>
-            <a:endParaRPr lang="en-US"/>
-          </a:p>
-        </p:txBody>
-      </p:sp>
-      <p:sp>
-        <p:nvSpPr>
-          <p:cNvPr id="7" name="Slide Number Placeholder 6"/>
-          <p:cNvSpPr>
-            <a:spLocks noGrp="1"/>
-          </p:cNvSpPr>
-          <p:nvPr>
-            <p:ph type="sldNum" sz="quarter" idx="12"/>
-          </p:nvPr>
-        </p:nvSpPr>
-        <p:spPr/>
-        <p:txBody>
-          <a:bodyPr/>
-          <a:lstStyle/>
-          <a:p>
-            <a:fld id="{B6F15528-21DE-4FAA-801E-634DDDAF4B2B}" type="slidenum">
-              <a:rPr lang="en-US" smtClean="0"/>
-              <a:t>‹#›</a:t>
-            </a:fld>
-            <a:endParaRPr lang="en-US"/>
-          </a:p>
-        </p:txBody>
-      </p:sp>
-      <p:sp>
-        <p:nvSpPr>
-          <p:cNvPr id="11" name="TextBox 10"/>
-          <p:cNvSpPr txBox="1"/>
-          <p:nvPr/>
-        </p:nvSpPr>
-        <p:spPr>
-          <a:xfrm>
-            <a:off x="811389" y="1006240"/>
-            <a:ext cx="601577" cy="662746"/>
-          </a:xfrm>
-          <a:prstGeom prst="rect">
-            <a:avLst/>
-          </a:prstGeom>
-        </p:spPr>
-        <p:txBody>
-          <a:bodyPr vert="horz" lIns="100584" tIns="50292" rIns="100584" bIns="50292" rtlCol="0" anchor="ctr">
-            <a:noAutofit/>
-          </a:bodyPr>
-          <a:lstStyle>
-            <a:lvl1pPr>
-              <a:spcBef>
-                <a:spcPct val="0"/>
-              </a:spcBef>
-              <a:buNone/>
-              <a:defRPr sz="3200" b="0" cap="all">
-                <a:ln w="3175" cmpd="sng">
-                  <a:noFill/>
-                </a:ln>
-                <a:effectLst>
-                  <a:glow rad="38100">
-                    <a:schemeClr val="bg1">
-                      <a:lumMod val="65000"/>
-                      <a:lumOff val="35000"/>
-                      <a:alpha val="40000"/>
-                    </a:schemeClr>
-                  </a:glow>
-                  <a:outerShdw blurRad="28575" dist="38100" dir="14040000" algn="tl" rotWithShape="0">
-                    <a:srgbClr val="000000">
-                      <a:alpha val="25000"/>
-                    </a:srgbClr>
-                  </a:outerShdw>
-                </a:effectLst>
-              </a:defRPr>
-            </a:lvl1pPr>
-            <a:lvl2pPr>
-              <a:defRPr>
-                <a:solidFill>
-                  <a:schemeClr val="tx2"/>
-                </a:solidFill>
-              </a:defRPr>
-            </a:lvl2pPr>
-            <a:lvl3pPr>
-              <a:defRPr>
-                <a:solidFill>
-                  <a:schemeClr val="tx2"/>
-                </a:solidFill>
-              </a:defRPr>
-            </a:lvl3pPr>
-            <a:lvl4pPr>
-              <a:defRPr>
-                <a:solidFill>
-                  <a:schemeClr val="tx2"/>
-                </a:solidFill>
-              </a:defRPr>
-            </a:lvl4pPr>
-            <a:lvl5pPr>
-              <a:defRPr>
-                <a:solidFill>
-                  <a:schemeClr val="tx2"/>
-                </a:solidFill>
-              </a:defRPr>
-            </a:lvl5pPr>
-            <a:lvl6pPr>
-              <a:defRPr>
-                <a:solidFill>
-                  <a:schemeClr val="tx2"/>
-                </a:solidFill>
-              </a:defRPr>
-            </a:lvl6pPr>
-            <a:lvl7pPr>
-              <a:defRPr>
-                <a:solidFill>
-                  <a:schemeClr val="tx2"/>
-                </a:solidFill>
-              </a:defRPr>
-            </a:lvl7pPr>
-            <a:lvl8pPr>
-              <a:defRPr>
-                <a:solidFill>
-                  <a:schemeClr val="tx2"/>
-                </a:solidFill>
-              </a:defRPr>
-            </a:lvl8pPr>
-            <a:lvl9pPr>
-              <a:defRPr>
-                <a:solidFill>
-                  <a:schemeClr val="tx2"/>
-                </a:solidFill>
-              </a:defRPr>
-            </a:lvl9pPr>
-          </a:lstStyle>
-          <a:p>
-            <a:pPr lvl="0"/>
-            <a:r>
-              <a:rPr lang="en-US" sz="8800" dirty="0">
-                <a:solidFill>
-                  <a:schemeClr val="tx1"/>
-                </a:solidFill>
-                <a:effectLst/>
-              </a:rPr>
-              <a:t>“</a:t>
-            </a:r>
-          </a:p>
-        </p:txBody>
-      </p:sp>
-      <p:sp>
-        <p:nvSpPr>
-          <p:cNvPr id="14" name="TextBox 13"/>
-          <p:cNvSpPr txBox="1"/>
-          <p:nvPr/>
-        </p:nvSpPr>
-        <p:spPr>
-          <a:xfrm>
-            <a:off x="8635144" y="3536017"/>
-            <a:ext cx="609005" cy="662746"/>
-          </a:xfrm>
-          <a:prstGeom prst="rect">
-            <a:avLst/>
-          </a:prstGeom>
-        </p:spPr>
-        <p:txBody>
-          <a:bodyPr vert="horz" lIns="100584" tIns="50292" rIns="100584" bIns="50292" rtlCol="0" anchor="ctr">
-            <a:noAutofit/>
-          </a:bodyPr>
-          <a:lstStyle>
-            <a:lvl1pPr>
-              <a:spcBef>
-                <a:spcPct val="0"/>
-              </a:spcBef>
-              <a:buNone/>
-              <a:defRPr sz="3200" b="0" cap="all">
-                <a:ln w="3175" cmpd="sng">
-                  <a:noFill/>
-                </a:ln>
-                <a:effectLst>
-                  <a:glow rad="38100">
-                    <a:schemeClr val="bg1">
-                      <a:lumMod val="65000"/>
-                      <a:lumOff val="35000"/>
-                      <a:alpha val="40000"/>
-                    </a:schemeClr>
-                  </a:glow>
-                  <a:outerShdw blurRad="28575" dist="38100" dir="14040000" algn="tl" rotWithShape="0">
-                    <a:srgbClr val="000000">
-                      <a:alpha val="25000"/>
-                    </a:srgbClr>
-                  </a:outerShdw>
-                </a:effectLst>
-              </a:defRPr>
-            </a:lvl1pPr>
-            <a:lvl2pPr>
-              <a:defRPr>
-                <a:solidFill>
-                  <a:schemeClr val="tx2"/>
-                </a:solidFill>
-              </a:defRPr>
-            </a:lvl2pPr>
-            <a:lvl3pPr>
-              <a:defRPr>
-                <a:solidFill>
-                  <a:schemeClr val="tx2"/>
-                </a:solidFill>
-              </a:defRPr>
-            </a:lvl3pPr>
-            <a:lvl4pPr>
-              <a:defRPr>
-                <a:solidFill>
-                  <a:schemeClr val="tx2"/>
-                </a:solidFill>
-              </a:defRPr>
-            </a:lvl4pPr>
-            <a:lvl5pPr>
-              <a:defRPr>
-                <a:solidFill>
-                  <a:schemeClr val="tx2"/>
-                </a:solidFill>
-              </a:defRPr>
-            </a:lvl5pPr>
-            <a:lvl6pPr>
-              <a:defRPr>
-                <a:solidFill>
-                  <a:schemeClr val="tx2"/>
-                </a:solidFill>
-              </a:defRPr>
-            </a:lvl6pPr>
-            <a:lvl7pPr>
-              <a:defRPr>
-                <a:solidFill>
-                  <a:schemeClr val="tx2"/>
-                </a:solidFill>
-              </a:defRPr>
-            </a:lvl7pPr>
-            <a:lvl8pPr>
-              <a:defRPr>
-                <a:solidFill>
-                  <a:schemeClr val="tx2"/>
-                </a:solidFill>
-              </a:defRPr>
-            </a:lvl8pPr>
-            <a:lvl9pPr>
-              <a:defRPr>
-                <a:solidFill>
-                  <a:schemeClr val="tx2"/>
-                </a:solidFill>
-              </a:defRPr>
-            </a:lvl9pPr>
-          </a:lstStyle>
-          <a:p>
-            <a:pPr lvl="0" algn="r"/>
-            <a:r>
-              <a:rPr lang="en-US" sz="8800" dirty="0">
-                <a:solidFill>
-                  <a:schemeClr val="tx1"/>
-                </a:solidFill>
-                <a:effectLst/>
-              </a:rPr>
-              <a:t>”</a:t>
-            </a:r>
-          </a:p>
-        </p:txBody>
-      </p:sp>
-    </p:spTree>
-    <p:extLst>
-      <p:ext uri="{BB962C8B-B14F-4D97-AF65-F5344CB8AC3E}">
-        <p14:creationId xmlns:p14="http://schemas.microsoft.com/office/powerpoint/2010/main" val="666600061"/>
-      </p:ext>
-    </p:extLst>
-  </p:cSld>
-  <p:clrMapOvr>
-    <a:masterClrMapping/>
-  </p:clrMapOvr>
-</p:sldLayout>
-</file>
-
-<file path=ppt/slideLayouts/slideLayout13.xml><?xml version="1.0" encoding="utf-8"?>
-<p:sldLayout xmlns:a="http://schemas.openxmlformats.org/drawingml/2006/main" xmlns:r="http://schemas.openxmlformats.org/officeDocument/2006/relationships" xmlns:p="http://schemas.openxmlformats.org/presentationml/2006/main" preserve="1">
-  <p:cSld name="Name Card">
-    <p:spTree>
-      <p:nvGrpSpPr>
-        <p:cNvPr id="1" name=""/>
-        <p:cNvGrpSpPr/>
-        <p:nvPr/>
-      </p:nvGrpSpPr>
-      <p:grpSpPr>
-        <a:xfrm>
-          <a:off x="0" y="0"/>
-          <a:ext cx="0" cy="0"/>
-          <a:chOff x="0" y="0"/>
-          <a:chExt cx="0" cy="0"/>
-        </a:xfrm>
-      </p:grpSpPr>
-      <p:pic>
-        <p:nvPicPr>
-          <p:cNvPr id="9" name="Picture 8" descr="Droplets-SD-Content-R1d.png"/>
-          <p:cNvPicPr>
-            <a:picLocks noChangeAspect="1"/>
-          </p:cNvPicPr>
-          <p:nvPr/>
-        </p:nvPicPr>
-        <p:blipFill>
-          <a:blip r:embed="rId2">
-            <a:extLst>
-              <a:ext uri="{28A0092B-C50C-407E-A947-70E740481C1C}">
-                <a14:useLocalDpi xmlns:a14="http://schemas.microsoft.com/office/drawing/2010/main" val="0"/>
-              </a:ext>
-            </a:extLst>
-          </a:blip>
-          <a:stretch>
-            <a:fillRect/>
-          </a:stretch>
-        </p:blipFill>
-        <p:spPr>
-          <a:xfrm>
-            <a:off x="0" y="0"/>
-            <a:ext cx="10058400" cy="7772400"/>
-          </a:xfrm>
-          <a:prstGeom prst="rect">
-            <a:avLst/>
-          </a:prstGeom>
-        </p:spPr>
-      </p:pic>
-      <p:sp>
-        <p:nvSpPr>
-          <p:cNvPr id="2" name="Title 1"/>
-          <p:cNvSpPr>
-            <a:spLocks noGrp="1"/>
-          </p:cNvSpPr>
-          <p:nvPr>
-            <p:ph type="title"/>
-          </p:nvPr>
-        </p:nvSpPr>
-        <p:spPr>
-          <a:xfrm>
-            <a:off x="753865" y="2423886"/>
-            <a:ext cx="8550673" cy="2846746"/>
-          </a:xfrm>
-        </p:spPr>
-        <p:txBody>
-          <a:bodyPr anchor="b"/>
-          <a:lstStyle>
-            <a:lvl1pPr algn="ctr">
-              <a:defRPr sz="3520"/>
-            </a:lvl1pPr>
-          </a:lstStyle>
-          <a:p>
-            <a:r>
-              <a:rPr lang="en-US"/>
-              <a:t>Click to edit Master title style</a:t>
-            </a:r>
-            <a:endParaRPr lang="en-US" dirty="0"/>
-          </a:p>
-        </p:txBody>
-      </p:sp>
-      <p:sp>
-        <p:nvSpPr>
-          <p:cNvPr id="4" name="Text Placeholder 3"/>
-          <p:cNvSpPr>
-            <a:spLocks noGrp="1"/>
-          </p:cNvSpPr>
-          <p:nvPr>
-            <p:ph type="body" sz="half" idx="2"/>
-          </p:nvPr>
-        </p:nvSpPr>
-        <p:spPr>
-          <a:xfrm>
-            <a:off x="753865" y="5283980"/>
-            <a:ext cx="8550673" cy="1292730"/>
-          </a:xfrm>
-        </p:spPr>
-        <p:txBody>
-          <a:bodyPr anchor="t"/>
-          <a:lstStyle>
-            <a:lvl1pPr marL="0" indent="0" algn="ctr">
-              <a:buNone/>
-              <a:defRPr sz="1760"/>
-            </a:lvl1pPr>
-            <a:lvl2pPr marL="502920" indent="0">
-              <a:buNone/>
-              <a:defRPr sz="1540"/>
-            </a:lvl2pPr>
-            <a:lvl3pPr marL="1005840" indent="0">
-              <a:buNone/>
-              <a:defRPr sz="1320"/>
-            </a:lvl3pPr>
-            <a:lvl4pPr marL="1508760" indent="0">
-              <a:buNone/>
-              <a:defRPr sz="1100"/>
-            </a:lvl4pPr>
-            <a:lvl5pPr marL="2011680" indent="0">
-              <a:buNone/>
-              <a:defRPr sz="1100"/>
-            </a:lvl5pPr>
-            <a:lvl6pPr marL="2514600" indent="0">
-              <a:buNone/>
-              <a:defRPr sz="1100"/>
-            </a:lvl6pPr>
-            <a:lvl7pPr marL="3017520" indent="0">
-              <a:buNone/>
-              <a:defRPr sz="1100"/>
-            </a:lvl7pPr>
-            <a:lvl8pPr marL="3520440" indent="0">
-              <a:buNone/>
-              <a:defRPr sz="1100"/>
-            </a:lvl8pPr>
-            <a:lvl9pPr marL="4023360" indent="0">
-              <a:buNone/>
-              <a:defRPr sz="1100"/>
-            </a:lvl9pPr>
-          </a:lstStyle>
-          <a:p>
-            <a:pPr lvl="0"/>
-            <a:r>
-              <a:rPr lang="en-US"/>
-              <a:t>Edit Master text styles</a:t>
-            </a:r>
-          </a:p>
-        </p:txBody>
-      </p:sp>
-      <p:sp>
-        <p:nvSpPr>
-          <p:cNvPr id="5" name="Date Placeholder 4"/>
-          <p:cNvSpPr>
-            <a:spLocks noGrp="1"/>
-          </p:cNvSpPr>
-          <p:nvPr>
-            <p:ph type="dt" sz="half" idx="10"/>
-          </p:nvPr>
-        </p:nvSpPr>
-        <p:spPr/>
-        <p:txBody>
-          <a:bodyPr/>
-          <a:lstStyle/>
-          <a:p>
-            <a:fld id="{1D8BD707-D9CF-40AE-B4C6-C98DA3205C09}" type="datetimeFigureOut">
-              <a:rPr lang="en-US" smtClean="0"/>
-              <a:t>3/6/2020</a:t>
-            </a:fld>
-            <a:endParaRPr lang="en-US"/>
-          </a:p>
-        </p:txBody>
-      </p:sp>
-      <p:sp>
-        <p:nvSpPr>
-          <p:cNvPr id="6" name="Footer Placeholder 5"/>
-          <p:cNvSpPr>
-            <a:spLocks noGrp="1"/>
-          </p:cNvSpPr>
-          <p:nvPr>
-            <p:ph type="ftr" sz="quarter" idx="11"/>
-          </p:nvPr>
-        </p:nvSpPr>
-        <p:spPr/>
-        <p:txBody>
-          <a:bodyPr/>
-          <a:lstStyle/>
-          <a:p>
-            <a:endParaRPr lang="en-US"/>
-          </a:p>
-        </p:txBody>
-      </p:sp>
-      <p:sp>
-        <p:nvSpPr>
-          <p:cNvPr id="7" name="Slide Number Placeholder 6"/>
-          <p:cNvSpPr>
-            <a:spLocks noGrp="1"/>
-          </p:cNvSpPr>
-          <p:nvPr>
-            <p:ph type="sldNum" sz="quarter" idx="12"/>
-          </p:nvPr>
-        </p:nvSpPr>
-        <p:spPr/>
-        <p:txBody>
-          <a:bodyPr/>
-          <a:lstStyle/>
-          <a:p>
-            <a:fld id="{B6F15528-21DE-4FAA-801E-634DDDAF4B2B}" type="slidenum">
-              <a:rPr lang="en-US" smtClean="0"/>
-              <a:t>‹#›</a:t>
-            </a:fld>
-            <a:endParaRPr lang="en-US"/>
-          </a:p>
-        </p:txBody>
-      </p:sp>
-    </p:spTree>
-    <p:extLst>
-      <p:ext uri="{BB962C8B-B14F-4D97-AF65-F5344CB8AC3E}">
-        <p14:creationId xmlns:p14="http://schemas.microsoft.com/office/powerpoint/2010/main" val="4055078487"/>
-      </p:ext>
-    </p:extLst>
-  </p:cSld>
-  <p:clrMapOvr>
-    <a:masterClrMapping/>
-  </p:clrMapOvr>
-</p:sldLayout>
-</file>
-
-<file path=ppt/slideLayouts/slideLayout14.xml><?xml version="1.0" encoding="utf-8"?>
-<p:sldLayout xmlns:a="http://schemas.openxmlformats.org/drawingml/2006/main" xmlns:r="http://schemas.openxmlformats.org/officeDocument/2006/relationships" xmlns:p="http://schemas.openxmlformats.org/presentationml/2006/main" preserve="1">
-  <p:cSld name="3 Column">
-    <p:spTree>
-      <p:nvGrpSpPr>
-        <p:cNvPr id="1" name=""/>
-        <p:cNvGrpSpPr/>
-        <p:nvPr/>
-      </p:nvGrpSpPr>
-      <p:grpSpPr>
-        <a:xfrm>
-          <a:off x="0" y="0"/>
-          <a:ext cx="0" cy="0"/>
-          <a:chOff x="0" y="0"/>
-          <a:chExt cx="0" cy="0"/>
-        </a:xfrm>
-      </p:grpSpPr>
-      <p:pic>
-        <p:nvPicPr>
-          <p:cNvPr id="14" name="Picture 13" descr="Droplets-SD-Content-R1d.png"/>
-          <p:cNvPicPr>
-            <a:picLocks noChangeAspect="1"/>
-          </p:cNvPicPr>
-          <p:nvPr/>
-        </p:nvPicPr>
-        <p:blipFill>
-          <a:blip r:embed="rId2">
-            <a:extLst>
-              <a:ext uri="{28A0092B-C50C-407E-A947-70E740481C1C}">
-                <a14:useLocalDpi xmlns:a14="http://schemas.microsoft.com/office/drawing/2010/main" val="0"/>
-              </a:ext>
-            </a:extLst>
-          </a:blip>
-          <a:stretch>
-            <a:fillRect/>
-          </a:stretch>
-        </p:blipFill>
-        <p:spPr>
-          <a:xfrm>
-            <a:off x="0" y="0"/>
-            <a:ext cx="10058400" cy="7772400"/>
-          </a:xfrm>
-          <a:prstGeom prst="rect">
-            <a:avLst/>
-          </a:prstGeom>
-        </p:spPr>
-      </p:pic>
-      <p:sp>
-        <p:nvSpPr>
-          <p:cNvPr id="15" name="Title 1"/>
-          <p:cNvSpPr>
-            <a:spLocks noGrp="1"/>
-          </p:cNvSpPr>
-          <p:nvPr>
-            <p:ph type="title"/>
-          </p:nvPr>
-        </p:nvSpPr>
-        <p:spPr>
-          <a:xfrm>
-            <a:off x="753865" y="690880"/>
-            <a:ext cx="8550673" cy="1819107"/>
+            <a:off x="586740" y="5095240"/>
+            <a:ext cx="7210354" cy="1727200"/>
           </a:xfrm>
         </p:spPr>
         <p:txBody>
@@ -1716,7 +614,7 @@
           <a:lstStyle/>
           <a:p>
             <a:r>
-              <a:rPr lang="en-US"/>
+              <a:rPr lang="en-US" smtClean="0"/>
               <a:t>Click to edit Master title style</a:t>
             </a:r>
             <a:endParaRPr lang="en-US" dirty="0"/>
@@ -1725,697 +623,39 @@
       </p:sp>
       <p:sp>
         <p:nvSpPr>
-          <p:cNvPr id="7" name="Text Placeholder 2"/>
+          <p:cNvPr id="6" name="Picture Placeholder 2"/>
           <p:cNvSpPr>
-            <a:spLocks noGrp="1"/>
+            <a:spLocks noGrp="1" noChangeAspect="1"/>
           </p:cNvSpPr>
           <p:nvPr>
-            <p:ph type="body" idx="1"/>
+            <p:ph type="pic" idx="13"/>
           </p:nvPr>
         </p:nvSpPr>
         <p:spPr>
           <a:xfrm>
-            <a:off x="753864" y="2682705"/>
-            <a:ext cx="2721655" cy="653097"/>
+            <a:off x="586740" y="604520"/>
+            <a:ext cx="8884920" cy="3540760"/>
           </a:xfrm>
-        </p:spPr>
-        <p:txBody>
-          <a:bodyPr anchor="b">
-            <a:noAutofit/>
-          </a:bodyPr>
-          <a:lstStyle>
-            <a:lvl1pPr marL="0" indent="0" algn="ctr">
-              <a:lnSpc>
-                <a:spcPct val="75000"/>
-              </a:lnSpc>
-              <a:buNone/>
-              <a:defRPr sz="2640" b="0">
-                <a:solidFill>
-                  <a:schemeClr val="tx1"/>
-                </a:solidFill>
-              </a:defRPr>
-            </a:lvl1pPr>
-            <a:lvl2pPr marL="502920" indent="0">
-              <a:buNone/>
-              <a:defRPr sz="2200" b="1"/>
-            </a:lvl2pPr>
-            <a:lvl3pPr marL="1005840" indent="0">
-              <a:buNone/>
-              <a:defRPr sz="1980" b="1"/>
-            </a:lvl3pPr>
-            <a:lvl4pPr marL="1508760" indent="0">
-              <a:buNone/>
-              <a:defRPr sz="1760" b="1"/>
-            </a:lvl4pPr>
-            <a:lvl5pPr marL="2011680" indent="0">
-              <a:buNone/>
-              <a:defRPr sz="1760" b="1"/>
-            </a:lvl5pPr>
-            <a:lvl6pPr marL="2514600" indent="0">
-              <a:buNone/>
-              <a:defRPr sz="1760" b="1"/>
-            </a:lvl6pPr>
-            <a:lvl7pPr marL="3017520" indent="0">
-              <a:buNone/>
-              <a:defRPr sz="1760" b="1"/>
-            </a:lvl7pPr>
-            <a:lvl8pPr marL="3520440" indent="0">
-              <a:buNone/>
-              <a:defRPr sz="1760" b="1"/>
-            </a:lvl8pPr>
-            <a:lvl9pPr marL="4023360" indent="0">
-              <a:buNone/>
-              <a:defRPr sz="1760" b="1"/>
-            </a:lvl9pPr>
-          </a:lstStyle>
-          <a:p>
-            <a:pPr lvl="0"/>
-            <a:r>
-              <a:rPr lang="en-US"/>
-              <a:t>Edit Master text styles</a:t>
-            </a:r>
-          </a:p>
-        </p:txBody>
-      </p:sp>
-      <p:sp>
-        <p:nvSpPr>
-          <p:cNvPr id="8" name="Text Placeholder 3"/>
-          <p:cNvSpPr>
-            <a:spLocks noGrp="1"/>
-          </p:cNvSpPr>
-          <p:nvPr>
-            <p:ph type="body" sz="half" idx="15"/>
-          </p:nvPr>
-        </p:nvSpPr>
-        <p:spPr>
-          <a:xfrm>
-            <a:off x="753864" y="3335804"/>
-            <a:ext cx="2721655" cy="3227558"/>
-          </a:xfrm>
-        </p:spPr>
-        <p:txBody>
-          <a:bodyPr anchor="t">
-            <a:normAutofit/>
-          </a:bodyPr>
-          <a:lstStyle>
-            <a:lvl1pPr marL="0" indent="0" algn="ctr">
-              <a:buNone/>
-              <a:defRPr sz="1540"/>
-            </a:lvl1pPr>
-            <a:lvl2pPr marL="502920" indent="0">
-              <a:buNone/>
-              <a:defRPr sz="1320"/>
-            </a:lvl2pPr>
-            <a:lvl3pPr marL="1005840" indent="0">
-              <a:buNone/>
-              <a:defRPr sz="1100"/>
-            </a:lvl3pPr>
-            <a:lvl4pPr marL="1508760" indent="0">
-              <a:buNone/>
-              <a:defRPr sz="990"/>
-            </a:lvl4pPr>
-            <a:lvl5pPr marL="2011680" indent="0">
-              <a:buNone/>
-              <a:defRPr sz="990"/>
-            </a:lvl5pPr>
-            <a:lvl6pPr marL="2514600" indent="0">
-              <a:buNone/>
-              <a:defRPr sz="990"/>
-            </a:lvl6pPr>
-            <a:lvl7pPr marL="3017520" indent="0">
-              <a:buNone/>
-              <a:defRPr sz="990"/>
-            </a:lvl7pPr>
-            <a:lvl8pPr marL="3520440" indent="0">
-              <a:buNone/>
-              <a:defRPr sz="990"/>
-            </a:lvl8pPr>
-            <a:lvl9pPr marL="4023360" indent="0">
-              <a:buNone/>
-              <a:defRPr sz="990"/>
-            </a:lvl9pPr>
-          </a:lstStyle>
-          <a:p>
-            <a:pPr lvl="0"/>
-            <a:r>
-              <a:rPr lang="en-US"/>
-              <a:t>Edit Master text styles</a:t>
-            </a:r>
-          </a:p>
-        </p:txBody>
-      </p:sp>
-      <p:sp>
-        <p:nvSpPr>
-          <p:cNvPr id="9" name="Text Placeholder 4"/>
-          <p:cNvSpPr>
-            <a:spLocks noGrp="1"/>
-          </p:cNvSpPr>
-          <p:nvPr>
-            <p:ph type="body" sz="quarter" idx="3"/>
-          </p:nvPr>
-        </p:nvSpPr>
-        <p:spPr>
-          <a:xfrm>
-            <a:off x="3673222" y="2682705"/>
-            <a:ext cx="2715505" cy="653097"/>
-          </a:xfrm>
-        </p:spPr>
-        <p:txBody>
-          <a:bodyPr anchor="b">
-            <a:noAutofit/>
-          </a:bodyPr>
-          <a:lstStyle>
-            <a:lvl1pPr marL="0" indent="0" algn="ctr">
-              <a:lnSpc>
-                <a:spcPct val="75000"/>
-              </a:lnSpc>
-              <a:buNone/>
-              <a:defRPr sz="2640" b="0">
-                <a:solidFill>
-                  <a:schemeClr val="tx1"/>
-                </a:solidFill>
-              </a:defRPr>
-            </a:lvl1pPr>
-            <a:lvl2pPr marL="502920" indent="0">
-              <a:buNone/>
-              <a:defRPr sz="2200" b="1"/>
-            </a:lvl2pPr>
-            <a:lvl3pPr marL="1005840" indent="0">
-              <a:buNone/>
-              <a:defRPr sz="1980" b="1"/>
-            </a:lvl3pPr>
-            <a:lvl4pPr marL="1508760" indent="0">
-              <a:buNone/>
-              <a:defRPr sz="1760" b="1"/>
-            </a:lvl4pPr>
-            <a:lvl5pPr marL="2011680" indent="0">
-              <a:buNone/>
-              <a:defRPr sz="1760" b="1"/>
-            </a:lvl5pPr>
-            <a:lvl6pPr marL="2514600" indent="0">
-              <a:buNone/>
-              <a:defRPr sz="1760" b="1"/>
-            </a:lvl6pPr>
-            <a:lvl7pPr marL="3017520" indent="0">
-              <a:buNone/>
-              <a:defRPr sz="1760" b="1"/>
-            </a:lvl7pPr>
-            <a:lvl8pPr marL="3520440" indent="0">
-              <a:buNone/>
-              <a:defRPr sz="1760" b="1"/>
-            </a:lvl8pPr>
-            <a:lvl9pPr marL="4023360" indent="0">
-              <a:buNone/>
-              <a:defRPr sz="1760" b="1"/>
-            </a:lvl9pPr>
-          </a:lstStyle>
-          <a:p>
-            <a:pPr lvl="0"/>
-            <a:r>
-              <a:rPr lang="en-US"/>
-              <a:t>Edit Master text styles</a:t>
-            </a:r>
-          </a:p>
-        </p:txBody>
-      </p:sp>
-      <p:sp>
-        <p:nvSpPr>
-          <p:cNvPr id="10" name="Text Placeholder 3"/>
-          <p:cNvSpPr>
-            <a:spLocks noGrp="1"/>
-          </p:cNvSpPr>
-          <p:nvPr>
-            <p:ph type="body" sz="half" idx="16"/>
-          </p:nvPr>
-        </p:nvSpPr>
-        <p:spPr>
-          <a:xfrm>
-            <a:off x="3664114" y="3335804"/>
-            <a:ext cx="2725264" cy="3227558"/>
-          </a:xfrm>
-        </p:spPr>
-        <p:txBody>
-          <a:bodyPr anchor="t">
-            <a:normAutofit/>
-          </a:bodyPr>
-          <a:lstStyle>
-            <a:lvl1pPr marL="0" indent="0" algn="ctr">
-              <a:buNone/>
-              <a:defRPr sz="1540"/>
-            </a:lvl1pPr>
-            <a:lvl2pPr marL="502920" indent="0">
-              <a:buNone/>
-              <a:defRPr sz="1320"/>
-            </a:lvl2pPr>
-            <a:lvl3pPr marL="1005840" indent="0">
-              <a:buNone/>
-              <a:defRPr sz="1100"/>
-            </a:lvl3pPr>
-            <a:lvl4pPr marL="1508760" indent="0">
-              <a:buNone/>
-              <a:defRPr sz="990"/>
-            </a:lvl4pPr>
-            <a:lvl5pPr marL="2011680" indent="0">
-              <a:buNone/>
-              <a:defRPr sz="990"/>
-            </a:lvl5pPr>
-            <a:lvl6pPr marL="2514600" indent="0">
-              <a:buNone/>
-              <a:defRPr sz="990"/>
-            </a:lvl6pPr>
-            <a:lvl7pPr marL="3017520" indent="0">
-              <a:buNone/>
-              <a:defRPr sz="990"/>
-            </a:lvl7pPr>
-            <a:lvl8pPr marL="3520440" indent="0">
-              <a:buNone/>
-              <a:defRPr sz="990"/>
-            </a:lvl8pPr>
-            <a:lvl9pPr marL="4023360" indent="0">
-              <a:buNone/>
-              <a:defRPr sz="990"/>
-            </a:lvl9pPr>
-          </a:lstStyle>
-          <a:p>
-            <a:pPr lvl="0"/>
-            <a:r>
-              <a:rPr lang="en-US"/>
-              <a:t>Edit Master text styles</a:t>
-            </a:r>
-          </a:p>
-        </p:txBody>
-      </p:sp>
-      <p:sp>
-        <p:nvSpPr>
-          <p:cNvPr id="11" name="Text Placeholder 4"/>
-          <p:cNvSpPr>
-            <a:spLocks noGrp="1"/>
-          </p:cNvSpPr>
-          <p:nvPr>
-            <p:ph type="body" sz="quarter" idx="13"/>
-          </p:nvPr>
-        </p:nvSpPr>
-        <p:spPr>
-          <a:xfrm>
-            <a:off x="6577971" y="2682705"/>
-            <a:ext cx="2726566" cy="653097"/>
-          </a:xfrm>
-        </p:spPr>
-        <p:txBody>
-          <a:bodyPr anchor="b">
-            <a:noAutofit/>
-          </a:bodyPr>
-          <a:lstStyle>
-            <a:lvl1pPr marL="0" indent="0" algn="ctr">
-              <a:lnSpc>
-                <a:spcPct val="75000"/>
-              </a:lnSpc>
-              <a:buNone/>
-              <a:defRPr sz="2640" b="0">
-                <a:solidFill>
-                  <a:schemeClr val="tx1"/>
-                </a:solidFill>
-              </a:defRPr>
-            </a:lvl1pPr>
-            <a:lvl2pPr marL="502920" indent="0">
-              <a:buNone/>
-              <a:defRPr sz="2200" b="1"/>
-            </a:lvl2pPr>
-            <a:lvl3pPr marL="1005840" indent="0">
-              <a:buNone/>
-              <a:defRPr sz="1980" b="1"/>
-            </a:lvl3pPr>
-            <a:lvl4pPr marL="1508760" indent="0">
-              <a:buNone/>
-              <a:defRPr sz="1760" b="1"/>
-            </a:lvl4pPr>
-            <a:lvl5pPr marL="2011680" indent="0">
-              <a:buNone/>
-              <a:defRPr sz="1760" b="1"/>
-            </a:lvl5pPr>
-            <a:lvl6pPr marL="2514600" indent="0">
-              <a:buNone/>
-              <a:defRPr sz="1760" b="1"/>
-            </a:lvl6pPr>
-            <a:lvl7pPr marL="3017520" indent="0">
-              <a:buNone/>
-              <a:defRPr sz="1760" b="1"/>
-            </a:lvl7pPr>
-            <a:lvl8pPr marL="3520440" indent="0">
-              <a:buNone/>
-              <a:defRPr sz="1760" b="1"/>
-            </a:lvl8pPr>
-            <a:lvl9pPr marL="4023360" indent="0">
-              <a:buNone/>
-              <a:defRPr sz="1760" b="1"/>
-            </a:lvl9pPr>
-          </a:lstStyle>
-          <a:p>
-            <a:pPr lvl="0"/>
-            <a:r>
-              <a:rPr lang="en-US"/>
-              <a:t>Edit Master text styles</a:t>
-            </a:r>
-          </a:p>
-        </p:txBody>
-      </p:sp>
-      <p:sp>
-        <p:nvSpPr>
-          <p:cNvPr id="12" name="Text Placeholder 3"/>
-          <p:cNvSpPr>
-            <a:spLocks noGrp="1"/>
-          </p:cNvSpPr>
-          <p:nvPr>
-            <p:ph type="body" sz="half" idx="17"/>
-          </p:nvPr>
-        </p:nvSpPr>
-        <p:spPr>
-          <a:xfrm>
-            <a:off x="6577971" y="3335804"/>
-            <a:ext cx="2726566" cy="3227558"/>
-          </a:xfrm>
-        </p:spPr>
-        <p:txBody>
-          <a:bodyPr anchor="t">
-            <a:normAutofit/>
-          </a:bodyPr>
-          <a:lstStyle>
-            <a:lvl1pPr marL="0" indent="0" algn="ctr">
-              <a:buNone/>
-              <a:defRPr sz="1540"/>
-            </a:lvl1pPr>
-            <a:lvl2pPr marL="502920" indent="0">
-              <a:buNone/>
-              <a:defRPr sz="1320"/>
-            </a:lvl2pPr>
-            <a:lvl3pPr marL="1005840" indent="0">
-              <a:buNone/>
-              <a:defRPr sz="1100"/>
-            </a:lvl3pPr>
-            <a:lvl4pPr marL="1508760" indent="0">
-              <a:buNone/>
-              <a:defRPr sz="990"/>
-            </a:lvl4pPr>
-            <a:lvl5pPr marL="2011680" indent="0">
-              <a:buNone/>
-              <a:defRPr sz="990"/>
-            </a:lvl5pPr>
-            <a:lvl6pPr marL="2514600" indent="0">
-              <a:buNone/>
-              <a:defRPr sz="990"/>
-            </a:lvl6pPr>
-            <a:lvl7pPr marL="3017520" indent="0">
-              <a:buNone/>
-              <a:defRPr sz="990"/>
-            </a:lvl7pPr>
-            <a:lvl8pPr marL="3520440" indent="0">
-              <a:buNone/>
-              <a:defRPr sz="990"/>
-            </a:lvl8pPr>
-            <a:lvl9pPr marL="4023360" indent="0">
-              <a:buNone/>
-              <a:defRPr sz="990"/>
-            </a:lvl9pPr>
-          </a:lstStyle>
-          <a:p>
-            <a:pPr lvl="0"/>
-            <a:r>
-              <a:rPr lang="en-US"/>
-              <a:t>Edit Master text styles</a:t>
-            </a:r>
-          </a:p>
-        </p:txBody>
-      </p:sp>
-      <p:sp>
-        <p:nvSpPr>
-          <p:cNvPr id="3" name="Date Placeholder 2"/>
-          <p:cNvSpPr>
-            <a:spLocks noGrp="1"/>
-          </p:cNvSpPr>
-          <p:nvPr>
-            <p:ph type="dt" sz="half" idx="10"/>
-          </p:nvPr>
-        </p:nvSpPr>
-        <p:spPr/>
-        <p:txBody>
-          <a:bodyPr/>
-          <a:lstStyle/>
-          <a:p>
-            <a:fld id="{1D8BD707-D9CF-40AE-B4C6-C98DA3205C09}" type="datetimeFigureOut">
-              <a:rPr lang="en-US" smtClean="0"/>
-              <a:t>3/6/2020</a:t>
-            </a:fld>
-            <a:endParaRPr lang="en-US"/>
-          </a:p>
-        </p:txBody>
-      </p:sp>
-      <p:sp>
-        <p:nvSpPr>
-          <p:cNvPr id="4" name="Footer Placeholder 3"/>
-          <p:cNvSpPr>
-            <a:spLocks noGrp="1"/>
-          </p:cNvSpPr>
-          <p:nvPr>
-            <p:ph type="ftr" sz="quarter" idx="11"/>
-          </p:nvPr>
-        </p:nvSpPr>
-        <p:spPr/>
-        <p:txBody>
-          <a:bodyPr/>
-          <a:lstStyle/>
-          <a:p>
-            <a:endParaRPr lang="en-US"/>
-          </a:p>
-        </p:txBody>
-      </p:sp>
-      <p:sp>
-        <p:nvSpPr>
-          <p:cNvPr id="5" name="Slide Number Placeholder 4"/>
-          <p:cNvSpPr>
-            <a:spLocks noGrp="1"/>
-          </p:cNvSpPr>
-          <p:nvPr>
-            <p:ph type="sldNum" sz="quarter" idx="12"/>
-          </p:nvPr>
-        </p:nvSpPr>
-        <p:spPr/>
-        <p:txBody>
-          <a:bodyPr/>
-          <a:lstStyle/>
-          <a:p>
-            <a:fld id="{B6F15528-21DE-4FAA-801E-634DDDAF4B2B}" type="slidenum">
-              <a:rPr lang="en-US" smtClean="0"/>
-              <a:t>‹#›</a:t>
-            </a:fld>
-            <a:endParaRPr lang="en-US"/>
-          </a:p>
-        </p:txBody>
-      </p:sp>
-    </p:spTree>
-    <p:extLst>
-      <p:ext uri="{BB962C8B-B14F-4D97-AF65-F5344CB8AC3E}">
-        <p14:creationId xmlns:p14="http://schemas.microsoft.com/office/powerpoint/2010/main" val="3434529024"/>
-      </p:ext>
-    </p:extLst>
-  </p:cSld>
-  <p:clrMapOvr>
-    <a:masterClrMapping/>
-  </p:clrMapOvr>
-</p:sldLayout>
-</file>
-
-<file path=ppt/slideLayouts/slideLayout15.xml><?xml version="1.0" encoding="utf-8"?>
-<p:sldLayout xmlns:a="http://schemas.openxmlformats.org/drawingml/2006/main" xmlns:r="http://schemas.openxmlformats.org/officeDocument/2006/relationships" xmlns:p="http://schemas.openxmlformats.org/presentationml/2006/main" preserve="1">
-  <p:cSld name="3 Picture Column">
-    <p:spTree>
-      <p:nvGrpSpPr>
-        <p:cNvPr id="1" name=""/>
-        <p:cNvGrpSpPr/>
-        <p:nvPr/>
-      </p:nvGrpSpPr>
-      <p:grpSpPr>
-        <a:xfrm>
-          <a:off x="0" y="0"/>
-          <a:ext cx="0" cy="0"/>
-          <a:chOff x="0" y="0"/>
-          <a:chExt cx="0" cy="0"/>
-        </a:xfrm>
-      </p:grpSpPr>
-      <p:pic>
-        <p:nvPicPr>
-          <p:cNvPr id="17" name="Picture 16" descr="Droplets-SD-Content-R1d.png"/>
-          <p:cNvPicPr>
-            <a:picLocks noChangeAspect="1"/>
-          </p:cNvPicPr>
-          <p:nvPr/>
-        </p:nvPicPr>
-        <p:blipFill>
-          <a:blip r:embed="rId2">
-            <a:extLst>
-              <a:ext uri="{28A0092B-C50C-407E-A947-70E740481C1C}">
-                <a14:useLocalDpi xmlns:a14="http://schemas.microsoft.com/office/drawing/2010/main" val="0"/>
-              </a:ext>
-            </a:extLst>
-          </a:blip>
-          <a:stretch>
-            <a:fillRect/>
-          </a:stretch>
-        </p:blipFill>
-        <p:spPr>
-          <a:xfrm>
-            <a:off x="0" y="0"/>
-            <a:ext cx="10058400" cy="7772400"/>
-          </a:xfrm>
-          <a:prstGeom prst="rect">
-            <a:avLst/>
-          </a:prstGeom>
-        </p:spPr>
-      </p:pic>
-      <p:sp>
-        <p:nvSpPr>
-          <p:cNvPr id="30" name="Title 1"/>
-          <p:cNvSpPr>
-            <a:spLocks noGrp="1"/>
-          </p:cNvSpPr>
-          <p:nvPr>
-            <p:ph type="title"/>
-          </p:nvPr>
-        </p:nvSpPr>
-        <p:spPr>
-          <a:xfrm>
-            <a:off x="753865" y="692208"/>
-            <a:ext cx="8550673" cy="1817778"/>
-          </a:xfrm>
-        </p:spPr>
-        <p:txBody>
-          <a:bodyPr/>
-          <a:lstStyle/>
-          <a:p>
-            <a:r>
-              <a:rPr lang="en-US"/>
-              <a:t>Click to edit Master title style</a:t>
-            </a:r>
-            <a:endParaRPr lang="en-US" dirty="0"/>
-          </a:p>
-        </p:txBody>
-      </p:sp>
-      <p:sp>
-        <p:nvSpPr>
-          <p:cNvPr id="19" name="Text Placeholder 2"/>
-          <p:cNvSpPr>
-            <a:spLocks noGrp="1"/>
-          </p:cNvSpPr>
-          <p:nvPr>
-            <p:ph type="body" idx="1"/>
-          </p:nvPr>
-        </p:nvSpPr>
-        <p:spPr>
-          <a:xfrm>
-            <a:off x="753865" y="4765463"/>
-            <a:ext cx="2719538" cy="653097"/>
-          </a:xfrm>
-        </p:spPr>
-        <p:txBody>
-          <a:bodyPr anchor="b">
-            <a:noAutofit/>
-          </a:bodyPr>
-          <a:lstStyle>
-            <a:lvl1pPr marL="0" indent="0" algn="ctr">
-              <a:lnSpc>
-                <a:spcPct val="75000"/>
-              </a:lnSpc>
-              <a:buNone/>
-              <a:defRPr sz="2420" b="0">
-                <a:solidFill>
-                  <a:schemeClr val="tx1"/>
-                </a:solidFill>
-              </a:defRPr>
-            </a:lvl1pPr>
-            <a:lvl2pPr marL="502920" indent="0">
-              <a:buNone/>
-              <a:defRPr sz="2200" b="1"/>
-            </a:lvl2pPr>
-            <a:lvl3pPr marL="1005840" indent="0">
-              <a:buNone/>
-              <a:defRPr sz="1980" b="1"/>
-            </a:lvl3pPr>
-            <a:lvl4pPr marL="1508760" indent="0">
-              <a:buNone/>
-              <a:defRPr sz="1760" b="1"/>
-            </a:lvl4pPr>
-            <a:lvl5pPr marL="2011680" indent="0">
-              <a:buNone/>
-              <a:defRPr sz="1760" b="1"/>
-            </a:lvl5pPr>
-            <a:lvl6pPr marL="2514600" indent="0">
-              <a:buNone/>
-              <a:defRPr sz="1760" b="1"/>
-            </a:lvl6pPr>
-            <a:lvl7pPr marL="3017520" indent="0">
-              <a:buNone/>
-              <a:defRPr sz="1760" b="1"/>
-            </a:lvl7pPr>
-            <a:lvl8pPr marL="3520440" indent="0">
-              <a:buNone/>
-              <a:defRPr sz="1760" b="1"/>
-            </a:lvl8pPr>
-            <a:lvl9pPr marL="4023360" indent="0">
-              <a:buNone/>
-              <a:defRPr sz="1760" b="1"/>
-            </a:lvl9pPr>
-          </a:lstStyle>
-          <a:p>
-            <a:pPr lvl="0"/>
-            <a:r>
-              <a:rPr lang="en-US"/>
-              <a:t>Edit Master text styles</a:t>
-            </a:r>
-          </a:p>
-        </p:txBody>
-      </p:sp>
-      <p:sp>
-        <p:nvSpPr>
-          <p:cNvPr id="20" name="Picture Placeholder 2"/>
-          <p:cNvSpPr>
-            <a:spLocks noGrp="1" noChangeAspect="1"/>
-          </p:cNvSpPr>
-          <p:nvPr>
-            <p:ph type="pic" idx="15"/>
-          </p:nvPr>
-        </p:nvSpPr>
-        <p:spPr>
-          <a:xfrm>
-            <a:off x="753865" y="2682705"/>
-            <a:ext cx="2719538" cy="1727200"/>
-          </a:xfrm>
-          <a:prstGeom prst="roundRect">
+          <a:prstGeom prst="snip2DiagRect">
             <a:avLst>
-              <a:gd name="adj" fmla="val 9363"/>
+              <a:gd name="adj1" fmla="val 10815"/>
+              <a:gd name="adj2" fmla="val 0"/>
             </a:avLst>
           </a:prstGeom>
-          <a:noFill/>
-          <a:ln w="82550" cap="sq">
+          <a:ln w="15875">
             <a:solidFill>
-              <a:schemeClr val="bg2">
-                <a:lumMod val="60000"/>
-                <a:lumOff val="40000"/>
+              <a:schemeClr val="tx1">
+                <a:alpha val="40000"/>
               </a:schemeClr>
             </a:solidFill>
-            <a:miter lim="800000"/>
           </a:ln>
-          <a:effectLst/>
-          <a:scene3d>
-            <a:camera prst="orthographicFront"/>
-            <a:lightRig rig="threePt" dir="t">
-              <a:rot lat="0" lon="0" rev="2700000"/>
-            </a:lightRig>
-          </a:scene3d>
-          <a:sp3d contourW="6350">
-            <a:bevelT h="38100"/>
-            <a:contourClr>
-              <a:srgbClr val="C0C0C0"/>
-            </a:contourClr>
-          </a:sp3d>
+          <a:effectLst>
+            <a:innerShdw blurRad="57150" dist="38100" dir="14460000">
+              <a:srgbClr val="000000">
+                <a:alpha val="70000"/>
+              </a:srgbClr>
+            </a:innerShdw>
+          </a:effectLst>
         </p:spPr>
         <p:txBody>
           <a:bodyPr anchor="t">
@@ -2461,7 +701,7 @@
           </a:lstStyle>
           <a:p>
             <a:r>
-              <a:rPr lang="en-US"/>
+              <a:rPr lang="en-US" smtClean="0"/>
               <a:t>Click icon to add picture</a:t>
             </a:r>
             <a:endParaRPr lang="en-US" dirty="0"/>
@@ -2470,18 +710,18 @@
       </p:sp>
       <p:sp>
         <p:nvSpPr>
-          <p:cNvPr id="21" name="Text Placeholder 3"/>
+          <p:cNvPr id="9" name="Text Placeholder 9"/>
           <p:cNvSpPr>
             <a:spLocks noGrp="1"/>
           </p:cNvSpPr>
           <p:nvPr>
-            <p:ph type="body" sz="half" idx="18"/>
+            <p:ph type="body" sz="quarter" idx="14"/>
           </p:nvPr>
         </p:nvSpPr>
         <p:spPr>
           <a:xfrm>
-            <a:off x="753865" y="5418560"/>
-            <a:ext cx="2719538" cy="1144800"/>
+            <a:off x="838202" y="4356383"/>
+            <a:ext cx="8009465" cy="518160"/>
           </a:xfrm>
         </p:spPr>
         <p:txBody>
@@ -2489,519 +729,36 @@
             <a:normAutofit/>
           </a:bodyPr>
           <a:lstStyle>
-            <a:lvl1pPr marL="0" indent="0" algn="ctr">
-              <a:buNone/>
-              <a:defRPr sz="1540"/>
-            </a:lvl1pPr>
-            <a:lvl2pPr marL="502920" indent="0">
-              <a:buNone/>
-              <a:defRPr sz="1320"/>
-            </a:lvl2pPr>
-            <a:lvl3pPr marL="1005840" indent="0">
-              <a:buNone/>
-              <a:defRPr sz="1100"/>
-            </a:lvl3pPr>
-            <a:lvl4pPr marL="1508760" indent="0">
-              <a:buNone/>
-              <a:defRPr sz="990"/>
-            </a:lvl4pPr>
-            <a:lvl5pPr marL="2011680" indent="0">
-              <a:buNone/>
-              <a:defRPr sz="990"/>
-            </a:lvl5pPr>
-            <a:lvl6pPr marL="2514600" indent="0">
-              <a:buNone/>
-              <a:defRPr sz="990"/>
-            </a:lvl6pPr>
-            <a:lvl7pPr marL="3017520" indent="0">
-              <a:buNone/>
-              <a:defRPr sz="990"/>
-            </a:lvl7pPr>
-            <a:lvl8pPr marL="3520440" indent="0">
-              <a:buNone/>
-              <a:defRPr sz="990"/>
-            </a:lvl8pPr>
-            <a:lvl9pPr marL="4023360" indent="0">
-              <a:buNone/>
-              <a:defRPr sz="990"/>
-            </a:lvl9pPr>
-          </a:lstStyle>
-          <a:p>
-            <a:pPr lvl="0"/>
-            <a:r>
-              <a:rPr lang="en-US"/>
-              <a:t>Edit Master text styles</a:t>
-            </a:r>
-          </a:p>
-        </p:txBody>
-      </p:sp>
-      <p:sp>
-        <p:nvSpPr>
-          <p:cNvPr id="22" name="Text Placeholder 4"/>
-          <p:cNvSpPr>
-            <a:spLocks noGrp="1"/>
-          </p:cNvSpPr>
-          <p:nvPr>
-            <p:ph type="body" sz="quarter" idx="3"/>
-          </p:nvPr>
-        </p:nvSpPr>
-        <p:spPr>
-          <a:xfrm>
-            <a:off x="3665277" y="4765463"/>
-            <a:ext cx="2724008" cy="653097"/>
-          </a:xfrm>
-        </p:spPr>
-        <p:txBody>
-          <a:bodyPr anchor="b">
-            <a:noAutofit/>
-          </a:bodyPr>
-          <a:lstStyle>
-            <a:lvl1pPr marL="0" indent="0" algn="ctr">
-              <a:lnSpc>
-                <a:spcPct val="75000"/>
-              </a:lnSpc>
-              <a:buNone/>
-              <a:defRPr sz="2420" b="0">
-                <a:solidFill>
-                  <a:schemeClr val="tx1"/>
-                </a:solidFill>
-              </a:defRPr>
-            </a:lvl1pPr>
-            <a:lvl2pPr marL="502920" indent="0">
-              <a:buNone/>
-              <a:defRPr sz="2200" b="1"/>
-            </a:lvl2pPr>
-            <a:lvl3pPr marL="1005840" indent="0">
-              <a:buNone/>
-              <a:defRPr sz="1980" b="1"/>
-            </a:lvl3pPr>
-            <a:lvl4pPr marL="1508760" indent="0">
-              <a:buNone/>
-              <a:defRPr sz="1760" b="1"/>
-            </a:lvl4pPr>
-            <a:lvl5pPr marL="2011680" indent="0">
-              <a:buNone/>
-              <a:defRPr sz="1760" b="1"/>
-            </a:lvl5pPr>
-            <a:lvl6pPr marL="2514600" indent="0">
-              <a:buNone/>
-              <a:defRPr sz="1760" b="1"/>
-            </a:lvl6pPr>
-            <a:lvl7pPr marL="3017520" indent="0">
-              <a:buNone/>
-              <a:defRPr sz="1760" b="1"/>
-            </a:lvl7pPr>
-            <a:lvl8pPr marL="3520440" indent="0">
-              <a:buNone/>
-              <a:defRPr sz="1760" b="1"/>
-            </a:lvl8pPr>
-            <a:lvl9pPr marL="4023360" indent="0">
-              <a:buNone/>
-              <a:defRPr sz="1760" b="1"/>
-            </a:lvl9pPr>
-          </a:lstStyle>
-          <a:p>
-            <a:pPr lvl="0"/>
-            <a:r>
-              <a:rPr lang="en-US"/>
-              <a:t>Edit Master text styles</a:t>
-            </a:r>
-          </a:p>
-        </p:txBody>
-      </p:sp>
-      <p:sp>
-        <p:nvSpPr>
-          <p:cNvPr id="23" name="Picture Placeholder 2"/>
-          <p:cNvSpPr>
-            <a:spLocks noGrp="1" noChangeAspect="1"/>
-          </p:cNvSpPr>
-          <p:nvPr>
-            <p:ph type="pic" idx="21"/>
-          </p:nvPr>
-        </p:nvSpPr>
-        <p:spPr>
-          <a:xfrm>
-            <a:off x="3664112" y="2682705"/>
-            <a:ext cx="2725265" cy="1727200"/>
-          </a:xfrm>
-          <a:prstGeom prst="roundRect">
-            <a:avLst>
-              <a:gd name="adj" fmla="val 8841"/>
-            </a:avLst>
-          </a:prstGeom>
-          <a:noFill/>
-          <a:ln w="82550" cap="sq">
-            <a:solidFill>
-              <a:schemeClr val="bg2">
-                <a:lumMod val="60000"/>
-                <a:lumOff val="40000"/>
-              </a:schemeClr>
-            </a:solidFill>
-            <a:miter lim="800000"/>
-          </a:ln>
-          <a:effectLst/>
-          <a:scene3d>
-            <a:camera prst="orthographicFront"/>
-            <a:lightRig rig="threePt" dir="t">
-              <a:rot lat="0" lon="0" rev="2700000"/>
-            </a:lightRig>
-          </a:scene3d>
-          <a:sp3d contourW="6350">
-            <a:bevelT h="38100"/>
-            <a:contourClr>
-              <a:srgbClr val="C0C0C0"/>
-            </a:contourClr>
-          </a:sp3d>
-        </p:spPr>
-        <p:txBody>
-          <a:bodyPr anchor="t">
-            <a:normAutofit/>
-          </a:bodyPr>
-          <a:lstStyle>
-            <a:lvl1pPr marL="0" indent="0" algn="ctr">
+            <a:lvl1pPr marL="0" indent="0">
+              <a:buFontTx/>
               <a:buNone/>
               <a:defRPr sz="1760"/>
             </a:lvl1pPr>
             <a:lvl2pPr marL="502920" indent="0">
+              <a:buFontTx/>
               <a:buNone/>
-              <a:defRPr sz="1760"/>
+              <a:defRPr/>
             </a:lvl2pPr>
             <a:lvl3pPr marL="1005840" indent="0">
+              <a:buFontTx/>
               <a:buNone/>
-              <a:defRPr sz="1760"/>
+              <a:defRPr/>
             </a:lvl3pPr>
             <a:lvl4pPr marL="1508760" indent="0">
+              <a:buFontTx/>
               <a:buNone/>
-              <a:defRPr sz="1760"/>
+              <a:defRPr/>
             </a:lvl4pPr>
             <a:lvl5pPr marL="2011680" indent="0">
+              <a:buFontTx/>
               <a:buNone/>
-              <a:defRPr sz="1760"/>
+              <a:defRPr/>
             </a:lvl5pPr>
-            <a:lvl6pPr marL="2514600" indent="0">
-              <a:buNone/>
-              <a:defRPr sz="1760"/>
-            </a:lvl6pPr>
-            <a:lvl7pPr marL="3017520" indent="0">
-              <a:buNone/>
-              <a:defRPr sz="1760"/>
-            </a:lvl7pPr>
-            <a:lvl8pPr marL="3520440" indent="0">
-              <a:buNone/>
-              <a:defRPr sz="1760"/>
-            </a:lvl8pPr>
-            <a:lvl9pPr marL="4023360" indent="0">
-              <a:buNone/>
-              <a:defRPr sz="1760"/>
-            </a:lvl9pPr>
           </a:lstStyle>
           <a:p>
-            <a:r>
-              <a:rPr lang="en-US"/>
-              <a:t>Click icon to add picture</a:t>
-            </a:r>
-            <a:endParaRPr lang="en-US" dirty="0"/>
-          </a:p>
-        </p:txBody>
-      </p:sp>
-      <p:sp>
-        <p:nvSpPr>
-          <p:cNvPr id="24" name="Text Placeholder 3"/>
-          <p:cNvSpPr>
-            <a:spLocks noGrp="1"/>
-          </p:cNvSpPr>
-          <p:nvPr>
-            <p:ph type="body" sz="half" idx="19"/>
-          </p:nvPr>
-        </p:nvSpPr>
-        <p:spPr>
-          <a:xfrm>
-            <a:off x="3664112" y="5418559"/>
-            <a:ext cx="2725265" cy="1144802"/>
-          </a:xfrm>
-        </p:spPr>
-        <p:txBody>
-          <a:bodyPr anchor="t">
-            <a:normAutofit/>
-          </a:bodyPr>
-          <a:lstStyle>
-            <a:lvl1pPr marL="0" indent="0" algn="ctr">
-              <a:buNone/>
-              <a:defRPr sz="1540"/>
-            </a:lvl1pPr>
-            <a:lvl2pPr marL="502920" indent="0">
-              <a:buNone/>
-              <a:defRPr sz="1320"/>
-            </a:lvl2pPr>
-            <a:lvl3pPr marL="1005840" indent="0">
-              <a:buNone/>
-              <a:defRPr sz="1100"/>
-            </a:lvl3pPr>
-            <a:lvl4pPr marL="1508760" indent="0">
-              <a:buNone/>
-              <a:defRPr sz="990"/>
-            </a:lvl4pPr>
-            <a:lvl5pPr marL="2011680" indent="0">
-              <a:buNone/>
-              <a:defRPr sz="990"/>
-            </a:lvl5pPr>
-            <a:lvl6pPr marL="2514600" indent="0">
-              <a:buNone/>
-              <a:defRPr sz="990"/>
-            </a:lvl6pPr>
-            <a:lvl7pPr marL="3017520" indent="0">
-              <a:buNone/>
-              <a:defRPr sz="990"/>
-            </a:lvl7pPr>
-            <a:lvl8pPr marL="3520440" indent="0">
-              <a:buNone/>
-              <a:defRPr sz="990"/>
-            </a:lvl8pPr>
-            <a:lvl9pPr marL="4023360" indent="0">
-              <a:buNone/>
-              <a:defRPr sz="990"/>
-            </a:lvl9pPr>
-          </a:lstStyle>
-          <a:p>
             <a:pPr lvl="0"/>
             <a:r>
-              <a:rPr lang="en-US"/>
-              <a:t>Edit Master text styles</a:t>
-            </a:r>
-          </a:p>
-        </p:txBody>
-      </p:sp>
-      <p:sp>
-        <p:nvSpPr>
-          <p:cNvPr id="25" name="Text Placeholder 4"/>
-          <p:cNvSpPr>
-            <a:spLocks noGrp="1"/>
-          </p:cNvSpPr>
-          <p:nvPr>
-            <p:ph type="body" sz="quarter" idx="13"/>
-          </p:nvPr>
-        </p:nvSpPr>
-        <p:spPr>
-          <a:xfrm>
-            <a:off x="6577972" y="4765463"/>
-            <a:ext cx="2723062" cy="653097"/>
-          </a:xfrm>
-        </p:spPr>
-        <p:txBody>
-          <a:bodyPr anchor="b">
-            <a:noAutofit/>
-          </a:bodyPr>
-          <a:lstStyle>
-            <a:lvl1pPr marL="0" indent="0" algn="ctr">
-              <a:lnSpc>
-                <a:spcPct val="75000"/>
-              </a:lnSpc>
-              <a:buNone/>
-              <a:defRPr sz="2420" b="0">
-                <a:solidFill>
-                  <a:schemeClr val="tx1"/>
-                </a:solidFill>
-              </a:defRPr>
-            </a:lvl1pPr>
-            <a:lvl2pPr marL="502920" indent="0">
-              <a:buNone/>
-              <a:defRPr sz="2200" b="1"/>
-            </a:lvl2pPr>
-            <a:lvl3pPr marL="1005840" indent="0">
-              <a:buNone/>
-              <a:defRPr sz="1980" b="1"/>
-            </a:lvl3pPr>
-            <a:lvl4pPr marL="1508760" indent="0">
-              <a:buNone/>
-              <a:defRPr sz="1760" b="1"/>
-            </a:lvl4pPr>
-            <a:lvl5pPr marL="2011680" indent="0">
-              <a:buNone/>
-              <a:defRPr sz="1760" b="1"/>
-            </a:lvl5pPr>
-            <a:lvl6pPr marL="2514600" indent="0">
-              <a:buNone/>
-              <a:defRPr sz="1760" b="1"/>
-            </a:lvl6pPr>
-            <a:lvl7pPr marL="3017520" indent="0">
-              <a:buNone/>
-              <a:defRPr sz="1760" b="1"/>
-            </a:lvl7pPr>
-            <a:lvl8pPr marL="3520440" indent="0">
-              <a:buNone/>
-              <a:defRPr sz="1760" b="1"/>
-            </a:lvl8pPr>
-            <a:lvl9pPr marL="4023360" indent="0">
-              <a:buNone/>
-              <a:defRPr sz="1760" b="1"/>
-            </a:lvl9pPr>
-          </a:lstStyle>
-          <a:p>
-            <a:pPr lvl="0"/>
-            <a:r>
-              <a:rPr lang="en-US"/>
-              <a:t>Edit Master text styles</a:t>
-            </a:r>
-          </a:p>
-        </p:txBody>
-      </p:sp>
-      <p:sp>
-        <p:nvSpPr>
-          <p:cNvPr id="26" name="Picture Placeholder 2"/>
-          <p:cNvSpPr>
-            <a:spLocks noGrp="1" noChangeAspect="1"/>
-          </p:cNvSpPr>
-          <p:nvPr>
-            <p:ph type="pic" idx="22"/>
-          </p:nvPr>
-        </p:nvSpPr>
-        <p:spPr>
-          <a:xfrm>
-            <a:off x="6577971" y="2682705"/>
-            <a:ext cx="2726566" cy="1727200"/>
-          </a:xfrm>
-          <a:prstGeom prst="roundRect">
-            <a:avLst>
-              <a:gd name="adj" fmla="val 8841"/>
-            </a:avLst>
-          </a:prstGeom>
-          <a:noFill/>
-          <a:ln w="82550" cap="sq">
-            <a:solidFill>
-              <a:schemeClr val="bg2">
-                <a:lumMod val="60000"/>
-                <a:lumOff val="40000"/>
-              </a:schemeClr>
-            </a:solidFill>
-            <a:miter lim="800000"/>
-          </a:ln>
-          <a:effectLst/>
-          <a:scene3d>
-            <a:camera prst="orthographicFront"/>
-            <a:lightRig rig="threePt" dir="t">
-              <a:rot lat="0" lon="0" rev="2700000"/>
-            </a:lightRig>
-          </a:scene3d>
-          <a:sp3d contourW="6350">
-            <a:bevelT h="38100"/>
-            <a:contourClr>
-              <a:srgbClr val="C0C0C0"/>
-            </a:contourClr>
-          </a:sp3d>
-        </p:spPr>
-        <p:txBody>
-          <a:bodyPr anchor="t">
-            <a:normAutofit/>
-          </a:bodyPr>
-          <a:lstStyle>
-            <a:lvl1pPr marL="0" indent="0" algn="ctr">
-              <a:buNone/>
-              <a:defRPr sz="1760"/>
-            </a:lvl1pPr>
-            <a:lvl2pPr marL="502920" indent="0">
-              <a:buNone/>
-              <a:defRPr sz="1760"/>
-            </a:lvl2pPr>
-            <a:lvl3pPr marL="1005840" indent="0">
-              <a:buNone/>
-              <a:defRPr sz="1760"/>
-            </a:lvl3pPr>
-            <a:lvl4pPr marL="1508760" indent="0">
-              <a:buNone/>
-              <a:defRPr sz="1760"/>
-            </a:lvl4pPr>
-            <a:lvl5pPr marL="2011680" indent="0">
-              <a:buNone/>
-              <a:defRPr sz="1760"/>
-            </a:lvl5pPr>
-            <a:lvl6pPr marL="2514600" indent="0">
-              <a:buNone/>
-              <a:defRPr sz="1760"/>
-            </a:lvl6pPr>
-            <a:lvl7pPr marL="3017520" indent="0">
-              <a:buNone/>
-              <a:defRPr sz="1760"/>
-            </a:lvl7pPr>
-            <a:lvl8pPr marL="3520440" indent="0">
-              <a:buNone/>
-              <a:defRPr sz="1760"/>
-            </a:lvl8pPr>
-            <a:lvl9pPr marL="4023360" indent="0">
-              <a:buNone/>
-              <a:defRPr sz="1760"/>
-            </a:lvl9pPr>
-          </a:lstStyle>
-          <a:p>
-            <a:r>
-              <a:rPr lang="en-US"/>
-              <a:t>Click icon to add picture</a:t>
-            </a:r>
-            <a:endParaRPr lang="en-US" dirty="0"/>
-          </a:p>
-        </p:txBody>
-      </p:sp>
-      <p:sp>
-        <p:nvSpPr>
-          <p:cNvPr id="27" name="Text Placeholder 3"/>
-          <p:cNvSpPr>
-            <a:spLocks noGrp="1"/>
-          </p:cNvSpPr>
-          <p:nvPr>
-            <p:ph type="body" sz="half" idx="20"/>
-          </p:nvPr>
-        </p:nvSpPr>
-        <p:spPr>
-          <a:xfrm>
-            <a:off x="6577868" y="5418557"/>
-            <a:ext cx="2726669" cy="1144804"/>
-          </a:xfrm>
-        </p:spPr>
-        <p:txBody>
-          <a:bodyPr anchor="t">
-            <a:normAutofit/>
-          </a:bodyPr>
-          <a:lstStyle>
-            <a:lvl1pPr marL="0" indent="0" algn="ctr">
-              <a:buNone/>
-              <a:defRPr sz="1540"/>
-            </a:lvl1pPr>
-            <a:lvl2pPr marL="502920" indent="0">
-              <a:buNone/>
-              <a:defRPr sz="1320"/>
-            </a:lvl2pPr>
-            <a:lvl3pPr marL="1005840" indent="0">
-              <a:buNone/>
-              <a:defRPr sz="1100"/>
-            </a:lvl3pPr>
-            <a:lvl4pPr marL="1508760" indent="0">
-              <a:buNone/>
-              <a:defRPr sz="990"/>
-            </a:lvl4pPr>
-            <a:lvl5pPr marL="2011680" indent="0">
-              <a:buNone/>
-              <a:defRPr sz="990"/>
-            </a:lvl5pPr>
-            <a:lvl6pPr marL="2514600" indent="0">
-              <a:buNone/>
-              <a:defRPr sz="990"/>
-            </a:lvl6pPr>
-            <a:lvl7pPr marL="3017520" indent="0">
-              <a:buNone/>
-              <a:defRPr sz="990"/>
-            </a:lvl7pPr>
-            <a:lvl8pPr marL="3520440" indent="0">
-              <a:buNone/>
-              <a:defRPr sz="990"/>
-            </a:lvl8pPr>
-            <a:lvl9pPr marL="4023360" indent="0">
-              <a:buNone/>
-              <a:defRPr sz="990"/>
-            </a:lvl9pPr>
-          </a:lstStyle>
-          <a:p>
-            <a:pPr lvl="0"/>
-            <a:r>
-              <a:rPr lang="en-US"/>
+              <a:rPr lang="en-US" smtClean="0"/>
               <a:t>Edit Master text styles</a:t>
             </a:r>
           </a:p>
@@ -3024,7 +781,7 @@
           <a:p>
             <a:fld id="{1D8BD707-D9CF-40AE-B4C6-C98DA3205C09}" type="datetimeFigureOut">
               <a:rPr lang="en-US" smtClean="0"/>
-              <a:t>3/6/2020</a:t>
+              <a:t>5/30/2020</a:t>
             </a:fld>
             <a:endParaRPr lang="en-US"/>
           </a:p>
@@ -3075,7 +832,1552 @@
     </p:spTree>
     <p:extLst>
       <p:ext uri="{BB962C8B-B14F-4D97-AF65-F5344CB8AC3E}">
-        <p14:creationId xmlns:p14="http://schemas.microsoft.com/office/powerpoint/2010/main" val="519945441"/>
+        <p14:creationId xmlns:p14="http://schemas.microsoft.com/office/powerpoint/2010/main" val="227050642"/>
+      </p:ext>
+    </p:extLst>
+  </p:cSld>
+  <p:clrMapOvr>
+    <a:masterClrMapping/>
+  </p:clrMapOvr>
+</p:sldLayout>
+</file>
+
+<file path=ppt/slideLayouts/slideLayout11.xml><?xml version="1.0" encoding="utf-8"?>
+<p:sldLayout xmlns:a="http://schemas.openxmlformats.org/drawingml/2006/main" xmlns:r="http://schemas.openxmlformats.org/officeDocument/2006/relationships" xmlns:p="http://schemas.openxmlformats.org/presentationml/2006/main" preserve="1">
+  <p:cSld name="Title and Caption">
+    <p:spTree>
+      <p:nvGrpSpPr>
+        <p:cNvPr id="1" name=""/>
+        <p:cNvGrpSpPr/>
+        <p:nvPr/>
+      </p:nvGrpSpPr>
+      <p:grpSpPr>
+        <a:xfrm>
+          <a:off x="0" y="0"/>
+          <a:ext cx="0" cy="0"/>
+          <a:chOff x="0" y="0"/>
+          <a:chExt cx="0" cy="0"/>
+        </a:xfrm>
+      </p:grpSpPr>
+      <p:sp>
+        <p:nvSpPr>
+          <p:cNvPr id="2" name="Title 1"/>
+          <p:cNvSpPr>
+            <a:spLocks noGrp="1"/>
+          </p:cNvSpPr>
+          <p:nvPr>
+            <p:ph type="title"/>
+          </p:nvPr>
+        </p:nvSpPr>
+        <p:spPr>
+          <a:xfrm>
+            <a:off x="586740" y="604520"/>
+            <a:ext cx="8884920" cy="3281680"/>
+          </a:xfrm>
+        </p:spPr>
+        <p:txBody>
+          <a:bodyPr anchor="ctr">
+            <a:normAutofit/>
+          </a:bodyPr>
+          <a:lstStyle>
+            <a:lvl1pPr algn="l">
+              <a:defRPr sz="3080" b="0" cap="all"/>
+            </a:lvl1pPr>
+          </a:lstStyle>
+          <a:p>
+            <a:r>
+              <a:rPr lang="en-US" smtClean="0"/>
+              <a:t>Click to edit Master title style</a:t>
+            </a:r>
+            <a:endParaRPr lang="en-US" dirty="0"/>
+          </a:p>
+        </p:txBody>
+      </p:sp>
+      <p:sp>
+        <p:nvSpPr>
+          <p:cNvPr id="3" name="Text Placeholder 2"/>
+          <p:cNvSpPr>
+            <a:spLocks noGrp="1"/>
+          </p:cNvSpPr>
+          <p:nvPr>
+            <p:ph type="body" idx="1"/>
+          </p:nvPr>
+        </p:nvSpPr>
+        <p:spPr>
+          <a:xfrm>
+            <a:off x="586740" y="4663440"/>
+            <a:ext cx="7021907" cy="2159000"/>
+          </a:xfrm>
+        </p:spPr>
+        <p:txBody>
+          <a:bodyPr anchor="ctr">
+            <a:normAutofit/>
+          </a:bodyPr>
+          <a:lstStyle>
+            <a:lvl1pPr marL="0" indent="0" algn="l">
+              <a:buNone/>
+              <a:defRPr sz="1980">
+                <a:solidFill>
+                  <a:schemeClr val="bg2">
+                    <a:lumMod val="75000"/>
+                  </a:schemeClr>
+                </a:solidFill>
+              </a:defRPr>
+            </a:lvl1pPr>
+            <a:lvl2pPr marL="502920" indent="0">
+              <a:buNone/>
+              <a:defRPr sz="1980">
+                <a:solidFill>
+                  <a:schemeClr val="tx1">
+                    <a:tint val="75000"/>
+                  </a:schemeClr>
+                </a:solidFill>
+              </a:defRPr>
+            </a:lvl2pPr>
+            <a:lvl3pPr marL="1005840" indent="0">
+              <a:buNone/>
+              <a:defRPr sz="1760">
+                <a:solidFill>
+                  <a:schemeClr val="tx1">
+                    <a:tint val="75000"/>
+                  </a:schemeClr>
+                </a:solidFill>
+              </a:defRPr>
+            </a:lvl3pPr>
+            <a:lvl4pPr marL="1508760" indent="0">
+              <a:buNone/>
+              <a:defRPr sz="1540">
+                <a:solidFill>
+                  <a:schemeClr val="tx1">
+                    <a:tint val="75000"/>
+                  </a:schemeClr>
+                </a:solidFill>
+              </a:defRPr>
+            </a:lvl4pPr>
+            <a:lvl5pPr marL="2011680" indent="0">
+              <a:buNone/>
+              <a:defRPr sz="1540">
+                <a:solidFill>
+                  <a:schemeClr val="tx1">
+                    <a:tint val="75000"/>
+                  </a:schemeClr>
+                </a:solidFill>
+              </a:defRPr>
+            </a:lvl5pPr>
+            <a:lvl6pPr marL="2514600" indent="0">
+              <a:buNone/>
+              <a:defRPr sz="1540">
+                <a:solidFill>
+                  <a:schemeClr val="tx1">
+                    <a:tint val="75000"/>
+                  </a:schemeClr>
+                </a:solidFill>
+              </a:defRPr>
+            </a:lvl6pPr>
+            <a:lvl7pPr marL="3017520" indent="0">
+              <a:buNone/>
+              <a:defRPr sz="1540">
+                <a:solidFill>
+                  <a:schemeClr val="tx1">
+                    <a:tint val="75000"/>
+                  </a:schemeClr>
+                </a:solidFill>
+              </a:defRPr>
+            </a:lvl7pPr>
+            <a:lvl8pPr marL="3520440" indent="0">
+              <a:buNone/>
+              <a:defRPr sz="1540">
+                <a:solidFill>
+                  <a:schemeClr val="tx1">
+                    <a:tint val="75000"/>
+                  </a:schemeClr>
+                </a:solidFill>
+              </a:defRPr>
+            </a:lvl8pPr>
+            <a:lvl9pPr marL="4023360" indent="0">
+              <a:buNone/>
+              <a:defRPr sz="1540">
+                <a:solidFill>
+                  <a:schemeClr val="tx1">
+                    <a:tint val="75000"/>
+                  </a:schemeClr>
+                </a:solidFill>
+              </a:defRPr>
+            </a:lvl9pPr>
+          </a:lstStyle>
+          <a:p>
+            <a:pPr lvl="0"/>
+            <a:r>
+              <a:rPr lang="en-US" smtClean="0"/>
+              <a:t>Edit Master text styles</a:t>
+            </a:r>
+          </a:p>
+        </p:txBody>
+      </p:sp>
+      <p:sp>
+        <p:nvSpPr>
+          <p:cNvPr id="4" name="Date Placeholder 3"/>
+          <p:cNvSpPr>
+            <a:spLocks noGrp="1"/>
+          </p:cNvSpPr>
+          <p:nvPr>
+            <p:ph type="dt" sz="half" idx="10"/>
+          </p:nvPr>
+        </p:nvSpPr>
+        <p:spPr/>
+        <p:txBody>
+          <a:bodyPr/>
+          <a:lstStyle/>
+          <a:p>
+            <a:fld id="{1D8BD707-D9CF-40AE-B4C6-C98DA3205C09}" type="datetimeFigureOut">
+              <a:rPr lang="en-US" smtClean="0"/>
+              <a:t>5/30/2020</a:t>
+            </a:fld>
+            <a:endParaRPr lang="en-US"/>
+          </a:p>
+        </p:txBody>
+      </p:sp>
+      <p:sp>
+        <p:nvSpPr>
+          <p:cNvPr id="5" name="Footer Placeholder 4"/>
+          <p:cNvSpPr>
+            <a:spLocks noGrp="1"/>
+          </p:cNvSpPr>
+          <p:nvPr>
+            <p:ph type="ftr" sz="quarter" idx="11"/>
+          </p:nvPr>
+        </p:nvSpPr>
+        <p:spPr/>
+        <p:txBody>
+          <a:bodyPr/>
+          <a:lstStyle/>
+          <a:p>
+            <a:endParaRPr lang="en-US"/>
+          </a:p>
+        </p:txBody>
+      </p:sp>
+      <p:sp>
+        <p:nvSpPr>
+          <p:cNvPr id="6" name="Slide Number Placeholder 5"/>
+          <p:cNvSpPr>
+            <a:spLocks noGrp="1"/>
+          </p:cNvSpPr>
+          <p:nvPr>
+            <p:ph type="sldNum" sz="quarter" idx="12"/>
+          </p:nvPr>
+        </p:nvSpPr>
+        <p:spPr/>
+        <p:txBody>
+          <a:bodyPr/>
+          <a:lstStyle/>
+          <a:p>
+            <a:fld id="{B6F15528-21DE-4FAA-801E-634DDDAF4B2B}" type="slidenum">
+              <a:rPr lang="en-US" smtClean="0"/>
+              <a:t>‹#›</a:t>
+            </a:fld>
+            <a:endParaRPr lang="en-US"/>
+          </a:p>
+        </p:txBody>
+      </p:sp>
+    </p:spTree>
+    <p:extLst>
+      <p:ext uri="{BB962C8B-B14F-4D97-AF65-F5344CB8AC3E}">
+        <p14:creationId xmlns:p14="http://schemas.microsoft.com/office/powerpoint/2010/main" val="2434975823"/>
+      </p:ext>
+    </p:extLst>
+  </p:cSld>
+  <p:clrMapOvr>
+    <a:masterClrMapping/>
+  </p:clrMapOvr>
+</p:sldLayout>
+</file>
+
+<file path=ppt/slideLayouts/slideLayout12.xml><?xml version="1.0" encoding="utf-8"?>
+<p:sldLayout xmlns:a="http://schemas.openxmlformats.org/drawingml/2006/main" xmlns:r="http://schemas.openxmlformats.org/officeDocument/2006/relationships" xmlns:p="http://schemas.openxmlformats.org/presentationml/2006/main" preserve="1">
+  <p:cSld name="Quote with Caption">
+    <p:spTree>
+      <p:nvGrpSpPr>
+        <p:cNvPr id="1" name=""/>
+        <p:cNvGrpSpPr/>
+        <p:nvPr/>
+      </p:nvGrpSpPr>
+      <p:grpSpPr>
+        <a:xfrm>
+          <a:off x="0" y="0"/>
+          <a:ext cx="0" cy="0"/>
+          <a:chOff x="0" y="0"/>
+          <a:chExt cx="0" cy="0"/>
+        </a:xfrm>
+      </p:grpSpPr>
+      <p:sp>
+        <p:nvSpPr>
+          <p:cNvPr id="2" name="Title 1"/>
+          <p:cNvSpPr>
+            <a:spLocks noGrp="1"/>
+          </p:cNvSpPr>
+          <p:nvPr>
+            <p:ph type="title"/>
+          </p:nvPr>
+        </p:nvSpPr>
+        <p:spPr>
+          <a:xfrm>
+            <a:off x="941912" y="604520"/>
+            <a:ext cx="7545766" cy="3281680"/>
+          </a:xfrm>
+        </p:spPr>
+        <p:txBody>
+          <a:bodyPr anchor="ctr">
+            <a:normAutofit/>
+          </a:bodyPr>
+          <a:lstStyle>
+            <a:lvl1pPr algn="l">
+              <a:defRPr sz="3080" b="0" cap="all">
+                <a:solidFill>
+                  <a:schemeClr val="tx1"/>
+                </a:solidFill>
+              </a:defRPr>
+            </a:lvl1pPr>
+          </a:lstStyle>
+          <a:p>
+            <a:r>
+              <a:rPr lang="en-US" smtClean="0"/>
+              <a:t>Click to edit Master title style</a:t>
+            </a:r>
+            <a:endParaRPr lang="en-US" dirty="0"/>
+          </a:p>
+        </p:txBody>
+      </p:sp>
+      <p:sp>
+        <p:nvSpPr>
+          <p:cNvPr id="10" name="Text Placeholder 9"/>
+          <p:cNvSpPr>
+            <a:spLocks noGrp="1"/>
+          </p:cNvSpPr>
+          <p:nvPr>
+            <p:ph type="body" sz="quarter" idx="13"/>
+          </p:nvPr>
+        </p:nvSpPr>
+        <p:spPr>
+          <a:xfrm>
+            <a:off x="1173480" y="3886200"/>
+            <a:ext cx="7042714" cy="546947"/>
+          </a:xfrm>
+        </p:spPr>
+        <p:txBody>
+          <a:bodyPr anchor="ctr"/>
+          <a:lstStyle>
+            <a:lvl1pPr marL="0" indent="0">
+              <a:buFontTx/>
+              <a:buNone/>
+              <a:defRPr/>
+            </a:lvl1pPr>
+            <a:lvl2pPr marL="502920" indent="0">
+              <a:buFontTx/>
+              <a:buNone/>
+              <a:defRPr/>
+            </a:lvl2pPr>
+            <a:lvl3pPr marL="1005840" indent="0">
+              <a:buFontTx/>
+              <a:buNone/>
+              <a:defRPr/>
+            </a:lvl3pPr>
+            <a:lvl4pPr marL="1508760" indent="0">
+              <a:buFontTx/>
+              <a:buNone/>
+              <a:defRPr/>
+            </a:lvl4pPr>
+            <a:lvl5pPr marL="2011680" indent="0">
+              <a:buFontTx/>
+              <a:buNone/>
+              <a:defRPr/>
+            </a:lvl5pPr>
+          </a:lstStyle>
+          <a:p>
+            <a:pPr lvl="0"/>
+            <a:r>
+              <a:rPr lang="en-US" smtClean="0"/>
+              <a:t>Edit Master text styles</a:t>
+            </a:r>
+          </a:p>
+        </p:txBody>
+      </p:sp>
+      <p:sp>
+        <p:nvSpPr>
+          <p:cNvPr id="3" name="Text Placeholder 2"/>
+          <p:cNvSpPr>
+            <a:spLocks noGrp="1"/>
+          </p:cNvSpPr>
+          <p:nvPr>
+            <p:ph type="body" idx="1"/>
+          </p:nvPr>
+        </p:nvSpPr>
+        <p:spPr>
+          <a:xfrm>
+            <a:off x="586741" y="4874546"/>
+            <a:ext cx="7020597" cy="1947894"/>
+          </a:xfrm>
+        </p:spPr>
+        <p:txBody>
+          <a:bodyPr anchor="ctr">
+            <a:normAutofit/>
+          </a:bodyPr>
+          <a:lstStyle>
+            <a:lvl1pPr marL="0" indent="0" algn="l">
+              <a:buNone/>
+              <a:defRPr sz="2200">
+                <a:solidFill>
+                  <a:schemeClr val="bg2">
+                    <a:lumMod val="75000"/>
+                  </a:schemeClr>
+                </a:solidFill>
+              </a:defRPr>
+            </a:lvl1pPr>
+            <a:lvl2pPr marL="502920" indent="0">
+              <a:buNone/>
+              <a:defRPr sz="1980">
+                <a:solidFill>
+                  <a:schemeClr val="tx1">
+                    <a:tint val="75000"/>
+                  </a:schemeClr>
+                </a:solidFill>
+              </a:defRPr>
+            </a:lvl2pPr>
+            <a:lvl3pPr marL="1005840" indent="0">
+              <a:buNone/>
+              <a:defRPr sz="1760">
+                <a:solidFill>
+                  <a:schemeClr val="tx1">
+                    <a:tint val="75000"/>
+                  </a:schemeClr>
+                </a:solidFill>
+              </a:defRPr>
+            </a:lvl3pPr>
+            <a:lvl4pPr marL="1508760" indent="0">
+              <a:buNone/>
+              <a:defRPr sz="1540">
+                <a:solidFill>
+                  <a:schemeClr val="tx1">
+                    <a:tint val="75000"/>
+                  </a:schemeClr>
+                </a:solidFill>
+              </a:defRPr>
+            </a:lvl4pPr>
+            <a:lvl5pPr marL="2011680" indent="0">
+              <a:buNone/>
+              <a:defRPr sz="1540">
+                <a:solidFill>
+                  <a:schemeClr val="tx1">
+                    <a:tint val="75000"/>
+                  </a:schemeClr>
+                </a:solidFill>
+              </a:defRPr>
+            </a:lvl5pPr>
+            <a:lvl6pPr marL="2514600" indent="0">
+              <a:buNone/>
+              <a:defRPr sz="1540">
+                <a:solidFill>
+                  <a:schemeClr val="tx1">
+                    <a:tint val="75000"/>
+                  </a:schemeClr>
+                </a:solidFill>
+              </a:defRPr>
+            </a:lvl6pPr>
+            <a:lvl7pPr marL="3017520" indent="0">
+              <a:buNone/>
+              <a:defRPr sz="1540">
+                <a:solidFill>
+                  <a:schemeClr val="tx1">
+                    <a:tint val="75000"/>
+                  </a:schemeClr>
+                </a:solidFill>
+              </a:defRPr>
+            </a:lvl7pPr>
+            <a:lvl8pPr marL="3520440" indent="0">
+              <a:buNone/>
+              <a:defRPr sz="1540">
+                <a:solidFill>
+                  <a:schemeClr val="tx1">
+                    <a:tint val="75000"/>
+                  </a:schemeClr>
+                </a:solidFill>
+              </a:defRPr>
+            </a:lvl8pPr>
+            <a:lvl9pPr marL="4023360" indent="0">
+              <a:buNone/>
+              <a:defRPr sz="1540">
+                <a:solidFill>
+                  <a:schemeClr val="tx1">
+                    <a:tint val="75000"/>
+                  </a:schemeClr>
+                </a:solidFill>
+              </a:defRPr>
+            </a:lvl9pPr>
+          </a:lstStyle>
+          <a:p>
+            <a:pPr lvl="0"/>
+            <a:r>
+              <a:rPr lang="en-US" smtClean="0"/>
+              <a:t>Edit Master text styles</a:t>
+            </a:r>
+          </a:p>
+        </p:txBody>
+      </p:sp>
+      <p:sp>
+        <p:nvSpPr>
+          <p:cNvPr id="4" name="Date Placeholder 3"/>
+          <p:cNvSpPr>
+            <a:spLocks noGrp="1"/>
+          </p:cNvSpPr>
+          <p:nvPr>
+            <p:ph type="dt" sz="half" idx="10"/>
+          </p:nvPr>
+        </p:nvSpPr>
+        <p:spPr/>
+        <p:txBody>
+          <a:bodyPr/>
+          <a:lstStyle/>
+          <a:p>
+            <a:fld id="{1D8BD707-D9CF-40AE-B4C6-C98DA3205C09}" type="datetimeFigureOut">
+              <a:rPr lang="en-US" smtClean="0"/>
+              <a:t>5/30/2020</a:t>
+            </a:fld>
+            <a:endParaRPr lang="en-US"/>
+          </a:p>
+        </p:txBody>
+      </p:sp>
+      <p:sp>
+        <p:nvSpPr>
+          <p:cNvPr id="5" name="Footer Placeholder 4"/>
+          <p:cNvSpPr>
+            <a:spLocks noGrp="1"/>
+          </p:cNvSpPr>
+          <p:nvPr>
+            <p:ph type="ftr" sz="quarter" idx="11"/>
+          </p:nvPr>
+        </p:nvSpPr>
+        <p:spPr/>
+        <p:txBody>
+          <a:bodyPr/>
+          <a:lstStyle/>
+          <a:p>
+            <a:endParaRPr lang="en-US"/>
+          </a:p>
+        </p:txBody>
+      </p:sp>
+      <p:sp>
+        <p:nvSpPr>
+          <p:cNvPr id="6" name="Slide Number Placeholder 5"/>
+          <p:cNvSpPr>
+            <a:spLocks noGrp="1"/>
+          </p:cNvSpPr>
+          <p:nvPr>
+            <p:ph type="sldNum" sz="quarter" idx="12"/>
+          </p:nvPr>
+        </p:nvSpPr>
+        <p:spPr/>
+        <p:txBody>
+          <a:bodyPr/>
+          <a:lstStyle/>
+          <a:p>
+            <a:fld id="{B6F15528-21DE-4FAA-801E-634DDDAF4B2B}" type="slidenum">
+              <a:rPr lang="en-US" smtClean="0"/>
+              <a:t>‹#›</a:t>
+            </a:fld>
+            <a:endParaRPr lang="en-US"/>
+          </a:p>
+        </p:txBody>
+      </p:sp>
+      <p:sp>
+        <p:nvSpPr>
+          <p:cNvPr id="14" name="TextBox 13"/>
+          <p:cNvSpPr txBox="1"/>
+          <p:nvPr/>
+        </p:nvSpPr>
+        <p:spPr>
+          <a:xfrm>
+            <a:off x="251461" y="805374"/>
+            <a:ext cx="503051" cy="662746"/>
+          </a:xfrm>
+          <a:prstGeom prst="rect">
+            <a:avLst/>
+          </a:prstGeom>
+        </p:spPr>
+        <p:txBody>
+          <a:bodyPr vert="horz" lIns="100584" tIns="50292" rIns="100584" bIns="50292" rtlCol="0" anchor="ctr">
+            <a:noAutofit/>
+          </a:bodyPr>
+          <a:lstStyle/>
+          <a:p>
+            <a:pPr lvl="0"/>
+            <a:r>
+              <a:rPr lang="en-US" sz="8800" dirty="0">
+                <a:solidFill>
+                  <a:schemeClr val="tx1"/>
+                </a:solidFill>
+                <a:effectLst/>
+              </a:rPr>
+              <a:t>“</a:t>
+            </a:r>
+          </a:p>
+        </p:txBody>
+      </p:sp>
+      <p:sp>
+        <p:nvSpPr>
+          <p:cNvPr id="15" name="TextBox 14"/>
+          <p:cNvSpPr txBox="1"/>
+          <p:nvPr/>
+        </p:nvSpPr>
+        <p:spPr>
+          <a:xfrm>
+            <a:off x="8465821" y="3137748"/>
+            <a:ext cx="503051" cy="662746"/>
+          </a:xfrm>
+          <a:prstGeom prst="rect">
+            <a:avLst/>
+          </a:prstGeom>
+        </p:spPr>
+        <p:txBody>
+          <a:bodyPr vert="horz" lIns="100584" tIns="50292" rIns="100584" bIns="50292" rtlCol="0" anchor="ctr">
+            <a:noAutofit/>
+          </a:bodyPr>
+          <a:lstStyle/>
+          <a:p>
+            <a:pPr lvl="0" algn="r"/>
+            <a:r>
+              <a:rPr lang="en-US" sz="8800" dirty="0">
+                <a:solidFill>
+                  <a:schemeClr val="tx1"/>
+                </a:solidFill>
+                <a:effectLst/>
+              </a:rPr>
+              <a:t>”</a:t>
+            </a:r>
+          </a:p>
+        </p:txBody>
+      </p:sp>
+    </p:spTree>
+    <p:extLst>
+      <p:ext uri="{BB962C8B-B14F-4D97-AF65-F5344CB8AC3E}">
+        <p14:creationId xmlns:p14="http://schemas.microsoft.com/office/powerpoint/2010/main" val="963890966"/>
+      </p:ext>
+    </p:extLst>
+  </p:cSld>
+  <p:clrMapOvr>
+    <a:masterClrMapping/>
+  </p:clrMapOvr>
+</p:sldLayout>
+</file>
+
+<file path=ppt/slideLayouts/slideLayout13.xml><?xml version="1.0" encoding="utf-8"?>
+<p:sldLayout xmlns:a="http://schemas.openxmlformats.org/drawingml/2006/main" xmlns:r="http://schemas.openxmlformats.org/officeDocument/2006/relationships" xmlns:p="http://schemas.openxmlformats.org/presentationml/2006/main" preserve="1">
+  <p:cSld name="Name Card">
+    <p:spTree>
+      <p:nvGrpSpPr>
+        <p:cNvPr id="1" name=""/>
+        <p:cNvGrpSpPr/>
+        <p:nvPr/>
+      </p:nvGrpSpPr>
+      <p:grpSpPr>
+        <a:xfrm>
+          <a:off x="0" y="0"/>
+          <a:ext cx="0" cy="0"/>
+          <a:chOff x="0" y="0"/>
+          <a:chExt cx="0" cy="0"/>
+        </a:xfrm>
+      </p:grpSpPr>
+      <p:sp>
+        <p:nvSpPr>
+          <p:cNvPr id="2" name="Title 1"/>
+          <p:cNvSpPr>
+            <a:spLocks noGrp="1"/>
+          </p:cNvSpPr>
+          <p:nvPr>
+            <p:ph type="title"/>
+          </p:nvPr>
+        </p:nvSpPr>
+        <p:spPr>
+          <a:xfrm>
+            <a:off x="586741" y="3886200"/>
+            <a:ext cx="7020597" cy="1923720"/>
+          </a:xfrm>
+        </p:spPr>
+        <p:txBody>
+          <a:bodyPr anchor="b">
+            <a:normAutofit/>
+          </a:bodyPr>
+          <a:lstStyle>
+            <a:lvl1pPr algn="l">
+              <a:defRPr sz="3080" b="0" cap="all"/>
+            </a:lvl1pPr>
+          </a:lstStyle>
+          <a:p>
+            <a:r>
+              <a:rPr lang="en-US" smtClean="0"/>
+              <a:t>Click to edit Master title style</a:t>
+            </a:r>
+            <a:endParaRPr lang="en-US" dirty="0"/>
+          </a:p>
+        </p:txBody>
+      </p:sp>
+      <p:sp>
+        <p:nvSpPr>
+          <p:cNvPr id="3" name="Text Placeholder 2"/>
+          <p:cNvSpPr>
+            <a:spLocks noGrp="1"/>
+          </p:cNvSpPr>
+          <p:nvPr>
+            <p:ph type="body" idx="1"/>
+          </p:nvPr>
+        </p:nvSpPr>
+        <p:spPr>
+          <a:xfrm>
+            <a:off x="586740" y="5817378"/>
+            <a:ext cx="7021907" cy="1005062"/>
+          </a:xfrm>
+        </p:spPr>
+        <p:txBody>
+          <a:bodyPr anchor="t">
+            <a:normAutofit/>
+          </a:bodyPr>
+          <a:lstStyle>
+            <a:lvl1pPr marL="0" indent="0" algn="l">
+              <a:buNone/>
+              <a:defRPr sz="1980">
+                <a:solidFill>
+                  <a:schemeClr val="bg2">
+                    <a:lumMod val="75000"/>
+                  </a:schemeClr>
+                </a:solidFill>
+              </a:defRPr>
+            </a:lvl1pPr>
+            <a:lvl2pPr marL="502920" indent="0">
+              <a:buNone/>
+              <a:defRPr sz="1980">
+                <a:solidFill>
+                  <a:schemeClr val="tx1">
+                    <a:tint val="75000"/>
+                  </a:schemeClr>
+                </a:solidFill>
+              </a:defRPr>
+            </a:lvl2pPr>
+            <a:lvl3pPr marL="1005840" indent="0">
+              <a:buNone/>
+              <a:defRPr sz="1760">
+                <a:solidFill>
+                  <a:schemeClr val="tx1">
+                    <a:tint val="75000"/>
+                  </a:schemeClr>
+                </a:solidFill>
+              </a:defRPr>
+            </a:lvl3pPr>
+            <a:lvl4pPr marL="1508760" indent="0">
+              <a:buNone/>
+              <a:defRPr sz="1540">
+                <a:solidFill>
+                  <a:schemeClr val="tx1">
+                    <a:tint val="75000"/>
+                  </a:schemeClr>
+                </a:solidFill>
+              </a:defRPr>
+            </a:lvl4pPr>
+            <a:lvl5pPr marL="2011680" indent="0">
+              <a:buNone/>
+              <a:defRPr sz="1540">
+                <a:solidFill>
+                  <a:schemeClr val="tx1">
+                    <a:tint val="75000"/>
+                  </a:schemeClr>
+                </a:solidFill>
+              </a:defRPr>
+            </a:lvl5pPr>
+            <a:lvl6pPr marL="2514600" indent="0">
+              <a:buNone/>
+              <a:defRPr sz="1540">
+                <a:solidFill>
+                  <a:schemeClr val="tx1">
+                    <a:tint val="75000"/>
+                  </a:schemeClr>
+                </a:solidFill>
+              </a:defRPr>
+            </a:lvl6pPr>
+            <a:lvl7pPr marL="3017520" indent="0">
+              <a:buNone/>
+              <a:defRPr sz="1540">
+                <a:solidFill>
+                  <a:schemeClr val="tx1">
+                    <a:tint val="75000"/>
+                  </a:schemeClr>
+                </a:solidFill>
+              </a:defRPr>
+            </a:lvl7pPr>
+            <a:lvl8pPr marL="3520440" indent="0">
+              <a:buNone/>
+              <a:defRPr sz="1540">
+                <a:solidFill>
+                  <a:schemeClr val="tx1">
+                    <a:tint val="75000"/>
+                  </a:schemeClr>
+                </a:solidFill>
+              </a:defRPr>
+            </a:lvl8pPr>
+            <a:lvl9pPr marL="4023360" indent="0">
+              <a:buNone/>
+              <a:defRPr sz="1540">
+                <a:solidFill>
+                  <a:schemeClr val="tx1">
+                    <a:tint val="75000"/>
+                  </a:schemeClr>
+                </a:solidFill>
+              </a:defRPr>
+            </a:lvl9pPr>
+          </a:lstStyle>
+          <a:p>
+            <a:pPr lvl="0"/>
+            <a:r>
+              <a:rPr lang="en-US" smtClean="0"/>
+              <a:t>Edit Master text styles</a:t>
+            </a:r>
+          </a:p>
+        </p:txBody>
+      </p:sp>
+      <p:sp>
+        <p:nvSpPr>
+          <p:cNvPr id="4" name="Date Placeholder 3"/>
+          <p:cNvSpPr>
+            <a:spLocks noGrp="1"/>
+          </p:cNvSpPr>
+          <p:nvPr>
+            <p:ph type="dt" sz="half" idx="10"/>
+          </p:nvPr>
+        </p:nvSpPr>
+        <p:spPr/>
+        <p:txBody>
+          <a:bodyPr/>
+          <a:lstStyle/>
+          <a:p>
+            <a:fld id="{1D8BD707-D9CF-40AE-B4C6-C98DA3205C09}" type="datetimeFigureOut">
+              <a:rPr lang="en-US" smtClean="0"/>
+              <a:t>5/30/2020</a:t>
+            </a:fld>
+            <a:endParaRPr lang="en-US"/>
+          </a:p>
+        </p:txBody>
+      </p:sp>
+      <p:sp>
+        <p:nvSpPr>
+          <p:cNvPr id="5" name="Footer Placeholder 4"/>
+          <p:cNvSpPr>
+            <a:spLocks noGrp="1"/>
+          </p:cNvSpPr>
+          <p:nvPr>
+            <p:ph type="ftr" sz="quarter" idx="11"/>
+          </p:nvPr>
+        </p:nvSpPr>
+        <p:spPr/>
+        <p:txBody>
+          <a:bodyPr/>
+          <a:lstStyle/>
+          <a:p>
+            <a:endParaRPr lang="en-US"/>
+          </a:p>
+        </p:txBody>
+      </p:sp>
+      <p:sp>
+        <p:nvSpPr>
+          <p:cNvPr id="6" name="Slide Number Placeholder 5"/>
+          <p:cNvSpPr>
+            <a:spLocks noGrp="1"/>
+          </p:cNvSpPr>
+          <p:nvPr>
+            <p:ph type="sldNum" sz="quarter" idx="12"/>
+          </p:nvPr>
+        </p:nvSpPr>
+        <p:spPr/>
+        <p:txBody>
+          <a:bodyPr/>
+          <a:lstStyle/>
+          <a:p>
+            <a:fld id="{B6F15528-21DE-4FAA-801E-634DDDAF4B2B}" type="slidenum">
+              <a:rPr lang="en-US" smtClean="0"/>
+              <a:t>‹#›</a:t>
+            </a:fld>
+            <a:endParaRPr lang="en-US"/>
+          </a:p>
+        </p:txBody>
+      </p:sp>
+    </p:spTree>
+    <p:extLst>
+      <p:ext uri="{BB962C8B-B14F-4D97-AF65-F5344CB8AC3E}">
+        <p14:creationId xmlns:p14="http://schemas.microsoft.com/office/powerpoint/2010/main" val="458439159"/>
+      </p:ext>
+    </p:extLst>
+  </p:cSld>
+  <p:clrMapOvr>
+    <a:masterClrMapping/>
+  </p:clrMapOvr>
+</p:sldLayout>
+</file>
+
+<file path=ppt/slideLayouts/slideLayout14.xml><?xml version="1.0" encoding="utf-8"?>
+<p:sldLayout xmlns:a="http://schemas.openxmlformats.org/drawingml/2006/main" xmlns:r="http://schemas.openxmlformats.org/officeDocument/2006/relationships" xmlns:p="http://schemas.openxmlformats.org/presentationml/2006/main" preserve="1">
+  <p:cSld name="Quote Name Card">
+    <p:spTree>
+      <p:nvGrpSpPr>
+        <p:cNvPr id="1" name=""/>
+        <p:cNvGrpSpPr/>
+        <p:nvPr/>
+      </p:nvGrpSpPr>
+      <p:grpSpPr>
+        <a:xfrm>
+          <a:off x="0" y="0"/>
+          <a:ext cx="0" cy="0"/>
+          <a:chOff x="0" y="0"/>
+          <a:chExt cx="0" cy="0"/>
+        </a:xfrm>
+      </p:grpSpPr>
+      <p:sp>
+        <p:nvSpPr>
+          <p:cNvPr id="2" name="Title 1"/>
+          <p:cNvSpPr>
+            <a:spLocks noGrp="1"/>
+          </p:cNvSpPr>
+          <p:nvPr>
+            <p:ph type="title"/>
+          </p:nvPr>
+        </p:nvSpPr>
+        <p:spPr>
+          <a:xfrm>
+            <a:off x="941912" y="604520"/>
+            <a:ext cx="7545765" cy="3281680"/>
+          </a:xfrm>
+        </p:spPr>
+        <p:txBody>
+          <a:bodyPr anchor="ctr">
+            <a:normAutofit/>
+          </a:bodyPr>
+          <a:lstStyle>
+            <a:lvl1pPr algn="l">
+              <a:defRPr sz="3080" b="0" cap="all">
+                <a:solidFill>
+                  <a:schemeClr val="tx1"/>
+                </a:solidFill>
+              </a:defRPr>
+            </a:lvl1pPr>
+          </a:lstStyle>
+          <a:p>
+            <a:r>
+              <a:rPr lang="en-US" smtClean="0"/>
+              <a:t>Click to edit Master title style</a:t>
+            </a:r>
+            <a:endParaRPr lang="en-US" dirty="0"/>
+          </a:p>
+        </p:txBody>
+      </p:sp>
+      <p:sp>
+        <p:nvSpPr>
+          <p:cNvPr id="10" name="Text Placeholder 9"/>
+          <p:cNvSpPr>
+            <a:spLocks noGrp="1"/>
+          </p:cNvSpPr>
+          <p:nvPr>
+            <p:ph type="body" sz="quarter" idx="13"/>
+          </p:nvPr>
+        </p:nvSpPr>
+        <p:spPr>
+          <a:xfrm>
+            <a:off x="586741" y="4404360"/>
+            <a:ext cx="7020597" cy="1189848"/>
+          </a:xfrm>
+        </p:spPr>
+        <p:txBody>
+          <a:bodyPr vert="horz" lIns="91440" tIns="45720" rIns="91440" bIns="45720" rtlCol="0" anchor="b">
+            <a:normAutofit/>
+          </a:bodyPr>
+          <a:lstStyle>
+            <a:lvl1pPr>
+              <a:buNone/>
+              <a:defRPr lang="en-US" sz="2200" b="0" cap="all" dirty="0">
+                <a:ln w="3175" cmpd="sng">
+                  <a:noFill/>
+                </a:ln>
+                <a:solidFill>
+                  <a:schemeClr val="tx1"/>
+                </a:solidFill>
+                <a:effectLst/>
+              </a:defRPr>
+            </a:lvl1pPr>
+          </a:lstStyle>
+          <a:p>
+            <a:pPr marL="0" lvl="0">
+              <a:spcBef>
+                <a:spcPct val="0"/>
+              </a:spcBef>
+              <a:buNone/>
+            </a:pPr>
+            <a:r>
+              <a:rPr lang="en-US" smtClean="0"/>
+              <a:t>Edit Master text styles</a:t>
+            </a:r>
+          </a:p>
+        </p:txBody>
+      </p:sp>
+      <p:sp>
+        <p:nvSpPr>
+          <p:cNvPr id="3" name="Text Placeholder 2"/>
+          <p:cNvSpPr>
+            <a:spLocks noGrp="1"/>
+          </p:cNvSpPr>
+          <p:nvPr>
+            <p:ph type="body" idx="1"/>
+          </p:nvPr>
+        </p:nvSpPr>
+        <p:spPr>
+          <a:xfrm>
+            <a:off x="586740" y="5613400"/>
+            <a:ext cx="7020596" cy="1209040"/>
+          </a:xfrm>
+        </p:spPr>
+        <p:txBody>
+          <a:bodyPr anchor="t">
+            <a:normAutofit/>
+          </a:bodyPr>
+          <a:lstStyle>
+            <a:lvl1pPr marL="0" indent="0" algn="l">
+              <a:buNone/>
+              <a:defRPr sz="1980">
+                <a:solidFill>
+                  <a:schemeClr val="bg2">
+                    <a:lumMod val="75000"/>
+                  </a:schemeClr>
+                </a:solidFill>
+              </a:defRPr>
+            </a:lvl1pPr>
+            <a:lvl2pPr marL="502920" indent="0">
+              <a:buNone/>
+              <a:defRPr sz="1980">
+                <a:solidFill>
+                  <a:schemeClr val="tx1">
+                    <a:tint val="75000"/>
+                  </a:schemeClr>
+                </a:solidFill>
+              </a:defRPr>
+            </a:lvl2pPr>
+            <a:lvl3pPr marL="1005840" indent="0">
+              <a:buNone/>
+              <a:defRPr sz="1760">
+                <a:solidFill>
+                  <a:schemeClr val="tx1">
+                    <a:tint val="75000"/>
+                  </a:schemeClr>
+                </a:solidFill>
+              </a:defRPr>
+            </a:lvl3pPr>
+            <a:lvl4pPr marL="1508760" indent="0">
+              <a:buNone/>
+              <a:defRPr sz="1540">
+                <a:solidFill>
+                  <a:schemeClr val="tx1">
+                    <a:tint val="75000"/>
+                  </a:schemeClr>
+                </a:solidFill>
+              </a:defRPr>
+            </a:lvl4pPr>
+            <a:lvl5pPr marL="2011680" indent="0">
+              <a:buNone/>
+              <a:defRPr sz="1540">
+                <a:solidFill>
+                  <a:schemeClr val="tx1">
+                    <a:tint val="75000"/>
+                  </a:schemeClr>
+                </a:solidFill>
+              </a:defRPr>
+            </a:lvl5pPr>
+            <a:lvl6pPr marL="2514600" indent="0">
+              <a:buNone/>
+              <a:defRPr sz="1540">
+                <a:solidFill>
+                  <a:schemeClr val="tx1">
+                    <a:tint val="75000"/>
+                  </a:schemeClr>
+                </a:solidFill>
+              </a:defRPr>
+            </a:lvl6pPr>
+            <a:lvl7pPr marL="3017520" indent="0">
+              <a:buNone/>
+              <a:defRPr sz="1540">
+                <a:solidFill>
+                  <a:schemeClr val="tx1">
+                    <a:tint val="75000"/>
+                  </a:schemeClr>
+                </a:solidFill>
+              </a:defRPr>
+            </a:lvl7pPr>
+            <a:lvl8pPr marL="3520440" indent="0">
+              <a:buNone/>
+              <a:defRPr sz="1540">
+                <a:solidFill>
+                  <a:schemeClr val="tx1">
+                    <a:tint val="75000"/>
+                  </a:schemeClr>
+                </a:solidFill>
+              </a:defRPr>
+            </a:lvl8pPr>
+            <a:lvl9pPr marL="4023360" indent="0">
+              <a:buNone/>
+              <a:defRPr sz="1540">
+                <a:solidFill>
+                  <a:schemeClr val="tx1">
+                    <a:tint val="75000"/>
+                  </a:schemeClr>
+                </a:solidFill>
+              </a:defRPr>
+            </a:lvl9pPr>
+          </a:lstStyle>
+          <a:p>
+            <a:pPr lvl="0"/>
+            <a:r>
+              <a:rPr lang="en-US" smtClean="0"/>
+              <a:t>Edit Master text styles</a:t>
+            </a:r>
+          </a:p>
+        </p:txBody>
+      </p:sp>
+      <p:sp>
+        <p:nvSpPr>
+          <p:cNvPr id="4" name="Date Placeholder 3"/>
+          <p:cNvSpPr>
+            <a:spLocks noGrp="1"/>
+          </p:cNvSpPr>
+          <p:nvPr>
+            <p:ph type="dt" sz="half" idx="10"/>
+          </p:nvPr>
+        </p:nvSpPr>
+        <p:spPr/>
+        <p:txBody>
+          <a:bodyPr/>
+          <a:lstStyle/>
+          <a:p>
+            <a:fld id="{1D8BD707-D9CF-40AE-B4C6-C98DA3205C09}" type="datetimeFigureOut">
+              <a:rPr lang="en-US" smtClean="0"/>
+              <a:t>5/30/2020</a:t>
+            </a:fld>
+            <a:endParaRPr lang="en-US"/>
+          </a:p>
+        </p:txBody>
+      </p:sp>
+      <p:sp>
+        <p:nvSpPr>
+          <p:cNvPr id="5" name="Footer Placeholder 4"/>
+          <p:cNvSpPr>
+            <a:spLocks noGrp="1"/>
+          </p:cNvSpPr>
+          <p:nvPr>
+            <p:ph type="ftr" sz="quarter" idx="11"/>
+          </p:nvPr>
+        </p:nvSpPr>
+        <p:spPr/>
+        <p:txBody>
+          <a:bodyPr/>
+          <a:lstStyle/>
+          <a:p>
+            <a:endParaRPr lang="en-US"/>
+          </a:p>
+        </p:txBody>
+      </p:sp>
+      <p:sp>
+        <p:nvSpPr>
+          <p:cNvPr id="6" name="Slide Number Placeholder 5"/>
+          <p:cNvSpPr>
+            <a:spLocks noGrp="1"/>
+          </p:cNvSpPr>
+          <p:nvPr>
+            <p:ph type="sldNum" sz="quarter" idx="12"/>
+          </p:nvPr>
+        </p:nvSpPr>
+        <p:spPr/>
+        <p:txBody>
+          <a:bodyPr/>
+          <a:lstStyle/>
+          <a:p>
+            <a:fld id="{B6F15528-21DE-4FAA-801E-634DDDAF4B2B}" type="slidenum">
+              <a:rPr lang="en-US" smtClean="0"/>
+              <a:t>‹#›</a:t>
+            </a:fld>
+            <a:endParaRPr lang="en-US"/>
+          </a:p>
+        </p:txBody>
+      </p:sp>
+      <p:sp>
+        <p:nvSpPr>
+          <p:cNvPr id="14" name="TextBox 13"/>
+          <p:cNvSpPr txBox="1"/>
+          <p:nvPr/>
+        </p:nvSpPr>
+        <p:spPr>
+          <a:xfrm>
+            <a:off x="251461" y="805374"/>
+            <a:ext cx="503051" cy="662746"/>
+          </a:xfrm>
+          <a:prstGeom prst="rect">
+            <a:avLst/>
+          </a:prstGeom>
+        </p:spPr>
+        <p:txBody>
+          <a:bodyPr vert="horz" lIns="100584" tIns="50292" rIns="100584" bIns="50292" rtlCol="0" anchor="ctr">
+            <a:noAutofit/>
+          </a:bodyPr>
+          <a:lstStyle/>
+          <a:p>
+            <a:pPr lvl="0"/>
+            <a:r>
+              <a:rPr lang="en-US" sz="8800" dirty="0">
+                <a:solidFill>
+                  <a:schemeClr val="tx1"/>
+                </a:solidFill>
+                <a:effectLst/>
+              </a:rPr>
+              <a:t>“</a:t>
+            </a:r>
+          </a:p>
+        </p:txBody>
+      </p:sp>
+      <p:sp>
+        <p:nvSpPr>
+          <p:cNvPr id="15" name="TextBox 14"/>
+          <p:cNvSpPr txBox="1"/>
+          <p:nvPr/>
+        </p:nvSpPr>
+        <p:spPr>
+          <a:xfrm>
+            <a:off x="8465821" y="3137748"/>
+            <a:ext cx="503051" cy="662746"/>
+          </a:xfrm>
+          <a:prstGeom prst="rect">
+            <a:avLst/>
+          </a:prstGeom>
+        </p:spPr>
+        <p:txBody>
+          <a:bodyPr vert="horz" lIns="100584" tIns="50292" rIns="100584" bIns="50292" rtlCol="0" anchor="ctr">
+            <a:noAutofit/>
+          </a:bodyPr>
+          <a:lstStyle/>
+          <a:p>
+            <a:pPr lvl="0" algn="r"/>
+            <a:r>
+              <a:rPr lang="en-US" sz="8800" dirty="0">
+                <a:solidFill>
+                  <a:schemeClr val="tx1"/>
+                </a:solidFill>
+                <a:effectLst/>
+              </a:rPr>
+              <a:t>”</a:t>
+            </a:r>
+          </a:p>
+        </p:txBody>
+      </p:sp>
+    </p:spTree>
+    <p:extLst>
+      <p:ext uri="{BB962C8B-B14F-4D97-AF65-F5344CB8AC3E}">
+        <p14:creationId xmlns:p14="http://schemas.microsoft.com/office/powerpoint/2010/main" val="823547859"/>
+      </p:ext>
+    </p:extLst>
+  </p:cSld>
+  <p:clrMapOvr>
+    <a:masterClrMapping/>
+  </p:clrMapOvr>
+</p:sldLayout>
+</file>
+
+<file path=ppt/slideLayouts/slideLayout15.xml><?xml version="1.0" encoding="utf-8"?>
+<p:sldLayout xmlns:a="http://schemas.openxmlformats.org/drawingml/2006/main" xmlns:r="http://schemas.openxmlformats.org/officeDocument/2006/relationships" xmlns:p="http://schemas.openxmlformats.org/presentationml/2006/main" preserve="1">
+  <p:cSld name="True or False">
+    <p:spTree>
+      <p:nvGrpSpPr>
+        <p:cNvPr id="1" name=""/>
+        <p:cNvGrpSpPr/>
+        <p:nvPr/>
+      </p:nvGrpSpPr>
+      <p:grpSpPr>
+        <a:xfrm>
+          <a:off x="0" y="0"/>
+          <a:ext cx="0" cy="0"/>
+          <a:chOff x="0" y="0"/>
+          <a:chExt cx="0" cy="0"/>
+        </a:xfrm>
+      </p:grpSpPr>
+      <p:sp>
+        <p:nvSpPr>
+          <p:cNvPr id="2" name="Title 1"/>
+          <p:cNvSpPr>
+            <a:spLocks noGrp="1"/>
+          </p:cNvSpPr>
+          <p:nvPr>
+            <p:ph type="title"/>
+          </p:nvPr>
+        </p:nvSpPr>
+        <p:spPr>
+          <a:xfrm>
+            <a:off x="586740" y="604520"/>
+            <a:ext cx="8278224" cy="3281680"/>
+          </a:xfrm>
+        </p:spPr>
+        <p:txBody>
+          <a:bodyPr vert="horz" lIns="91440" tIns="45720" rIns="91440" bIns="45720" rtlCol="0" anchor="ctr">
+            <a:normAutofit/>
+          </a:bodyPr>
+          <a:lstStyle>
+            <a:lvl1pPr>
+              <a:defRPr lang="en-US" sz="3080" b="0" dirty="0"/>
+            </a:lvl1pPr>
+          </a:lstStyle>
+          <a:p>
+            <a:pPr marL="0" lvl="0"/>
+            <a:r>
+              <a:rPr lang="en-US" smtClean="0"/>
+              <a:t>Click to edit Master title style</a:t>
+            </a:r>
+            <a:endParaRPr lang="en-US" dirty="0"/>
+          </a:p>
+        </p:txBody>
+      </p:sp>
+      <p:sp>
+        <p:nvSpPr>
+          <p:cNvPr id="10" name="Text Placeholder 9"/>
+          <p:cNvSpPr>
+            <a:spLocks noGrp="1"/>
+          </p:cNvSpPr>
+          <p:nvPr>
+            <p:ph type="body" sz="quarter" idx="13"/>
+          </p:nvPr>
+        </p:nvSpPr>
+        <p:spPr>
+          <a:xfrm>
+            <a:off x="586741" y="4452339"/>
+            <a:ext cx="7020597" cy="949960"/>
+          </a:xfrm>
+        </p:spPr>
+        <p:txBody>
+          <a:bodyPr vert="horz" lIns="91440" tIns="45720" rIns="91440" bIns="45720" rtlCol="0" anchor="b">
+            <a:normAutofit/>
+          </a:bodyPr>
+          <a:lstStyle>
+            <a:lvl1pPr>
+              <a:buNone/>
+              <a:defRPr lang="en-US" sz="2200" b="0" cap="all" dirty="0">
+                <a:ln w="3175" cmpd="sng">
+                  <a:noFill/>
+                </a:ln>
+                <a:solidFill>
+                  <a:schemeClr val="tx1"/>
+                </a:solidFill>
+                <a:effectLst/>
+              </a:defRPr>
+            </a:lvl1pPr>
+          </a:lstStyle>
+          <a:p>
+            <a:pPr marL="0" lvl="0">
+              <a:spcBef>
+                <a:spcPct val="0"/>
+              </a:spcBef>
+              <a:buNone/>
+            </a:pPr>
+            <a:r>
+              <a:rPr lang="en-US" smtClean="0"/>
+              <a:t>Edit Master text styles</a:t>
+            </a:r>
+          </a:p>
+        </p:txBody>
+      </p:sp>
+      <p:sp>
+        <p:nvSpPr>
+          <p:cNvPr id="3" name="Text Placeholder 2"/>
+          <p:cNvSpPr>
+            <a:spLocks noGrp="1"/>
+          </p:cNvSpPr>
+          <p:nvPr>
+            <p:ph type="body" idx="1"/>
+          </p:nvPr>
+        </p:nvSpPr>
+        <p:spPr>
+          <a:xfrm>
+            <a:off x="586740" y="5402300"/>
+            <a:ext cx="7020596" cy="1420140"/>
+          </a:xfrm>
+        </p:spPr>
+        <p:txBody>
+          <a:bodyPr anchor="t">
+            <a:normAutofit/>
+          </a:bodyPr>
+          <a:lstStyle>
+            <a:lvl1pPr marL="0" indent="0" algn="l">
+              <a:buNone/>
+              <a:defRPr sz="1980">
+                <a:solidFill>
+                  <a:schemeClr val="bg2">
+                    <a:lumMod val="75000"/>
+                  </a:schemeClr>
+                </a:solidFill>
+              </a:defRPr>
+            </a:lvl1pPr>
+            <a:lvl2pPr marL="502920" indent="0">
+              <a:buNone/>
+              <a:defRPr sz="1980">
+                <a:solidFill>
+                  <a:schemeClr val="tx1">
+                    <a:tint val="75000"/>
+                  </a:schemeClr>
+                </a:solidFill>
+              </a:defRPr>
+            </a:lvl2pPr>
+            <a:lvl3pPr marL="1005840" indent="0">
+              <a:buNone/>
+              <a:defRPr sz="1760">
+                <a:solidFill>
+                  <a:schemeClr val="tx1">
+                    <a:tint val="75000"/>
+                  </a:schemeClr>
+                </a:solidFill>
+              </a:defRPr>
+            </a:lvl3pPr>
+            <a:lvl4pPr marL="1508760" indent="0">
+              <a:buNone/>
+              <a:defRPr sz="1540">
+                <a:solidFill>
+                  <a:schemeClr val="tx1">
+                    <a:tint val="75000"/>
+                  </a:schemeClr>
+                </a:solidFill>
+              </a:defRPr>
+            </a:lvl4pPr>
+            <a:lvl5pPr marL="2011680" indent="0">
+              <a:buNone/>
+              <a:defRPr sz="1540">
+                <a:solidFill>
+                  <a:schemeClr val="tx1">
+                    <a:tint val="75000"/>
+                  </a:schemeClr>
+                </a:solidFill>
+              </a:defRPr>
+            </a:lvl5pPr>
+            <a:lvl6pPr marL="2514600" indent="0">
+              <a:buNone/>
+              <a:defRPr sz="1540">
+                <a:solidFill>
+                  <a:schemeClr val="tx1">
+                    <a:tint val="75000"/>
+                  </a:schemeClr>
+                </a:solidFill>
+              </a:defRPr>
+            </a:lvl6pPr>
+            <a:lvl7pPr marL="3017520" indent="0">
+              <a:buNone/>
+              <a:defRPr sz="1540">
+                <a:solidFill>
+                  <a:schemeClr val="tx1">
+                    <a:tint val="75000"/>
+                  </a:schemeClr>
+                </a:solidFill>
+              </a:defRPr>
+            </a:lvl7pPr>
+            <a:lvl8pPr marL="3520440" indent="0">
+              <a:buNone/>
+              <a:defRPr sz="1540">
+                <a:solidFill>
+                  <a:schemeClr val="tx1">
+                    <a:tint val="75000"/>
+                  </a:schemeClr>
+                </a:solidFill>
+              </a:defRPr>
+            </a:lvl8pPr>
+            <a:lvl9pPr marL="4023360" indent="0">
+              <a:buNone/>
+              <a:defRPr sz="1540">
+                <a:solidFill>
+                  <a:schemeClr val="tx1">
+                    <a:tint val="75000"/>
+                  </a:schemeClr>
+                </a:solidFill>
+              </a:defRPr>
+            </a:lvl9pPr>
+          </a:lstStyle>
+          <a:p>
+            <a:pPr lvl="0"/>
+            <a:r>
+              <a:rPr lang="en-US" smtClean="0"/>
+              <a:t>Edit Master text styles</a:t>
+            </a:r>
+          </a:p>
+        </p:txBody>
+      </p:sp>
+      <p:sp>
+        <p:nvSpPr>
+          <p:cNvPr id="4" name="Date Placeholder 3"/>
+          <p:cNvSpPr>
+            <a:spLocks noGrp="1"/>
+          </p:cNvSpPr>
+          <p:nvPr>
+            <p:ph type="dt" sz="half" idx="10"/>
+          </p:nvPr>
+        </p:nvSpPr>
+        <p:spPr/>
+        <p:txBody>
+          <a:bodyPr/>
+          <a:lstStyle/>
+          <a:p>
+            <a:fld id="{1D8BD707-D9CF-40AE-B4C6-C98DA3205C09}" type="datetimeFigureOut">
+              <a:rPr lang="en-US" smtClean="0"/>
+              <a:t>5/30/2020</a:t>
+            </a:fld>
+            <a:endParaRPr lang="en-US"/>
+          </a:p>
+        </p:txBody>
+      </p:sp>
+      <p:sp>
+        <p:nvSpPr>
+          <p:cNvPr id="5" name="Footer Placeholder 4"/>
+          <p:cNvSpPr>
+            <a:spLocks noGrp="1"/>
+          </p:cNvSpPr>
+          <p:nvPr>
+            <p:ph type="ftr" sz="quarter" idx="11"/>
+          </p:nvPr>
+        </p:nvSpPr>
+        <p:spPr/>
+        <p:txBody>
+          <a:bodyPr/>
+          <a:lstStyle/>
+          <a:p>
+            <a:endParaRPr lang="en-US"/>
+          </a:p>
+        </p:txBody>
+      </p:sp>
+      <p:sp>
+        <p:nvSpPr>
+          <p:cNvPr id="6" name="Slide Number Placeholder 5"/>
+          <p:cNvSpPr>
+            <a:spLocks noGrp="1"/>
+          </p:cNvSpPr>
+          <p:nvPr>
+            <p:ph type="sldNum" sz="quarter" idx="12"/>
+          </p:nvPr>
+        </p:nvSpPr>
+        <p:spPr/>
+        <p:txBody>
+          <a:bodyPr/>
+          <a:lstStyle/>
+          <a:p>
+            <a:fld id="{B6F15528-21DE-4FAA-801E-634DDDAF4B2B}" type="slidenum">
+              <a:rPr lang="en-US" smtClean="0"/>
+              <a:t>‹#›</a:t>
+            </a:fld>
+            <a:endParaRPr lang="en-US"/>
+          </a:p>
+        </p:txBody>
+      </p:sp>
+    </p:spTree>
+    <p:extLst>
+      <p:ext uri="{BB962C8B-B14F-4D97-AF65-F5344CB8AC3E}">
+        <p14:creationId xmlns:p14="http://schemas.microsoft.com/office/powerpoint/2010/main" val="1480191462"/>
       </p:ext>
     </p:extLst>
   </p:cSld>
@@ -3102,36 +2404,6 @@
           <a:chExt cx="0" cy="0"/>
         </a:xfrm>
       </p:grpSpPr>
-      <p:pic>
-        <p:nvPicPr>
-          <p:cNvPr id="9" name="Picture 8" descr="Droplets-SD-Content-R1d.png"/>
-          <p:cNvPicPr>
-            <a:picLocks noChangeAspect="1"/>
-          </p:cNvPicPr>
-          <p:nvPr/>
-        </p:nvPicPr>
-        <p:blipFill>
-          <a:blip r:embed="rId2">
-            <a:extLst>
-              <a:ext uri="{28A0092B-C50C-407E-A947-70E740481C1C}">
-                <a14:useLocalDpi xmlns:a14="http://schemas.microsoft.com/office/drawing/2010/main" val="0"/>
-              </a:ext>
-            </a:extLst>
-          </a:blip>
-          <a:stretch>
-            <a:fillRect/>
-          </a:stretch>
-        </p:blipFill>
-        <p:spPr>
-          <a:xfrm>
-            <a:off x="0" y="0"/>
-            <a:ext cx="10058400" cy="7772400"/>
-          </a:xfrm>
-          <a:prstGeom prst="rect">
-            <a:avLst/>
-          </a:prstGeom>
-        </p:spPr>
-      </p:pic>
       <p:sp>
         <p:nvSpPr>
           <p:cNvPr id="2" name="Title 1"/>
@@ -3142,13 +2414,24 @@
             <p:ph type="title"/>
           </p:nvPr>
         </p:nvSpPr>
-        <p:spPr/>
+        <p:spPr>
+          <a:xfrm>
+            <a:off x="586740" y="5095240"/>
+            <a:ext cx="7210354" cy="1727200"/>
+          </a:xfrm>
+        </p:spPr>
         <p:txBody>
-          <a:bodyPr/>
-          <a:lstStyle/>
-          <a:p>
-            <a:r>
-              <a:rPr lang="en-US"/>
+          <a:bodyPr>
+            <a:normAutofit/>
+          </a:bodyPr>
+          <a:lstStyle>
+            <a:lvl1pPr algn="l">
+              <a:defRPr sz="3080"/>
+            </a:lvl1pPr>
+          </a:lstStyle>
+          <a:p>
+            <a:r>
+              <a:rPr lang="en-US" smtClean="0"/>
               <a:t>Click to edit Master title style</a:t>
             </a:r>
             <a:endParaRPr lang="en-US" dirty="0"/>
@@ -3157,55 +2440,55 @@
       </p:sp>
       <p:sp>
         <p:nvSpPr>
-          <p:cNvPr id="11" name="Vertical Text Placeholder 2"/>
+          <p:cNvPr id="3" name="Vertical Text Placeholder 2"/>
           <p:cNvSpPr>
             <a:spLocks noGrp="1"/>
           </p:cNvSpPr>
           <p:nvPr>
-            <p:ph type="body" orient="vert" sz="quarter" idx="13"/>
+            <p:ph type="body" orient="vert" idx="1"/>
           </p:nvPr>
         </p:nvSpPr>
         <p:spPr>
           <a:xfrm>
-            <a:off x="753865" y="2682707"/>
-            <a:ext cx="8550673" cy="3880655"/>
+            <a:off x="586740" y="604521"/>
+            <a:ext cx="7210354" cy="4270026"/>
           </a:xfrm>
         </p:spPr>
         <p:txBody>
-          <a:bodyPr vert="eaVert"/>
+          <a:bodyPr vert="eaVert" anchor="t"/>
           <a:lstStyle/>
           <a:p>
             <a:pPr lvl="0"/>
             <a:r>
-              <a:rPr lang="en-US"/>
+              <a:rPr lang="en-US" smtClean="0"/>
               <a:t>Edit Master text styles</a:t>
             </a:r>
           </a:p>
           <a:p>
             <a:pPr lvl="1"/>
             <a:r>
-              <a:rPr lang="en-US"/>
+              <a:rPr lang="en-US" smtClean="0"/>
               <a:t>Second level</a:t>
             </a:r>
           </a:p>
           <a:p>
             <a:pPr lvl="2"/>
             <a:r>
-              <a:rPr lang="en-US"/>
+              <a:rPr lang="en-US" smtClean="0"/>
               <a:t>Third level</a:t>
             </a:r>
           </a:p>
           <a:p>
             <a:pPr lvl="3"/>
             <a:r>
-              <a:rPr lang="en-US"/>
+              <a:rPr lang="en-US" smtClean="0"/>
               <a:t>Fourth level</a:t>
             </a:r>
           </a:p>
           <a:p>
             <a:pPr lvl="4"/>
             <a:r>
-              <a:rPr lang="en-US"/>
+              <a:rPr lang="en-US" smtClean="0"/>
               <a:t>Fifth level</a:t>
             </a:r>
             <a:endParaRPr lang="en-US" dirty="0"/>
@@ -3229,7 +2512,7 @@
           <a:p>
             <a:fld id="{1D8BD707-D9CF-40AE-B4C6-C98DA3205C09}" type="datetimeFigureOut">
               <a:rPr lang="en-US" smtClean="0"/>
-              <a:t>3/6/2020</a:t>
+              <a:t>5/30/2020</a:t>
             </a:fld>
             <a:endParaRPr lang="en-US"/>
           </a:p>
@@ -3280,7 +2563,7 @@
     </p:spTree>
     <p:extLst>
       <p:ext uri="{BB962C8B-B14F-4D97-AF65-F5344CB8AC3E}">
-        <p14:creationId xmlns:p14="http://schemas.microsoft.com/office/powerpoint/2010/main" val="1967438951"/>
+        <p14:creationId xmlns:p14="http://schemas.microsoft.com/office/powerpoint/2010/main" val="3401115374"/>
       </p:ext>
     </p:extLst>
   </p:cSld>
@@ -3307,36 +2590,6 @@
           <a:chExt cx="0" cy="0"/>
         </a:xfrm>
       </p:grpSpPr>
-      <p:pic>
-        <p:nvPicPr>
-          <p:cNvPr id="10" name="Picture 9" descr="Droplets-SD-Content-R1d.png"/>
-          <p:cNvPicPr>
-            <a:picLocks noChangeAspect="1"/>
-          </p:cNvPicPr>
-          <p:nvPr/>
-        </p:nvPicPr>
-        <p:blipFill>
-          <a:blip r:embed="rId2">
-            <a:extLst>
-              <a:ext uri="{28A0092B-C50C-407E-A947-70E740481C1C}">
-                <a14:useLocalDpi xmlns:a14="http://schemas.microsoft.com/office/drawing/2010/main" val="0"/>
-              </a:ext>
-            </a:extLst>
-          </a:blip>
-          <a:stretch>
-            <a:fillRect/>
-          </a:stretch>
-        </p:blipFill>
-        <p:spPr>
-          <a:xfrm>
-            <a:off x="0" y="0"/>
-            <a:ext cx="10058400" cy="7772400"/>
-          </a:xfrm>
-          <a:prstGeom prst="rect">
-            <a:avLst/>
-          </a:prstGeom>
-        </p:spPr>
-      </p:pic>
       <p:sp>
         <p:nvSpPr>
           <p:cNvPr id="2" name="Vertical Title 1"/>
@@ -3349,20 +2602,22 @@
         </p:nvSpPr>
         <p:spPr>
           <a:xfrm>
-            <a:off x="7198043" y="690883"/>
-            <a:ext cx="2106495" cy="5872479"/>
+            <a:off x="7223047" y="604520"/>
+            <a:ext cx="2248613" cy="5008880"/>
           </a:xfrm>
         </p:spPr>
         <p:txBody>
-          <a:bodyPr vert="eaVert"/>
+          <a:bodyPr vert="eaVert">
+            <a:normAutofit/>
+          </a:bodyPr>
           <a:lstStyle>
-            <a:lvl1pPr algn="l">
-              <a:defRPr/>
+            <a:lvl1pPr>
+              <a:defRPr sz="3080"/>
             </a:lvl1pPr>
           </a:lstStyle>
           <a:p>
             <a:r>
-              <a:rPr lang="en-US"/>
+              <a:rPr lang="en-US" smtClean="0"/>
               <a:t>Click to edit Master title style</a:t>
             </a:r>
             <a:endParaRPr lang="en-US" dirty="0"/>
@@ -3371,55 +2626,55 @@
       </p:sp>
       <p:sp>
         <p:nvSpPr>
-          <p:cNvPr id="8" name="Vertical Text Placeholder 2"/>
+          <p:cNvPr id="3" name="Vertical Text Placeholder 2"/>
           <p:cNvSpPr>
             <a:spLocks noGrp="1"/>
           </p:cNvSpPr>
           <p:nvPr>
-            <p:ph type="body" orient="vert" sz="quarter" idx="13"/>
+            <p:ph type="body" orient="vert" idx="1"/>
           </p:nvPr>
         </p:nvSpPr>
         <p:spPr>
           <a:xfrm>
-            <a:off x="753865" y="690883"/>
-            <a:ext cx="6318447" cy="5872479"/>
+            <a:off x="586740" y="604520"/>
+            <a:ext cx="6435013" cy="6217920"/>
           </a:xfrm>
         </p:spPr>
         <p:txBody>
-          <a:bodyPr vert="eaVert"/>
+          <a:bodyPr vert="eaVert" anchor="t"/>
           <a:lstStyle/>
           <a:p>
             <a:pPr lvl="0"/>
             <a:r>
-              <a:rPr lang="en-US"/>
+              <a:rPr lang="en-US" smtClean="0"/>
               <a:t>Edit Master text styles</a:t>
             </a:r>
           </a:p>
           <a:p>
             <a:pPr lvl="1"/>
             <a:r>
-              <a:rPr lang="en-US"/>
+              <a:rPr lang="en-US" smtClean="0"/>
               <a:t>Second level</a:t>
             </a:r>
           </a:p>
           <a:p>
             <a:pPr lvl="2"/>
             <a:r>
-              <a:rPr lang="en-US"/>
+              <a:rPr lang="en-US" smtClean="0"/>
               <a:t>Third level</a:t>
             </a:r>
           </a:p>
           <a:p>
             <a:pPr lvl="3"/>
             <a:r>
-              <a:rPr lang="en-US"/>
+              <a:rPr lang="en-US" smtClean="0"/>
               <a:t>Fourth level</a:t>
             </a:r>
           </a:p>
           <a:p>
             <a:pPr lvl="4"/>
             <a:r>
-              <a:rPr lang="en-US"/>
+              <a:rPr lang="en-US" smtClean="0"/>
               <a:t>Fifth level</a:t>
             </a:r>
             <a:endParaRPr lang="en-US" dirty="0"/>
@@ -3443,7 +2698,7 @@
           <a:p>
             <a:fld id="{1D8BD707-D9CF-40AE-B4C6-C98DA3205C09}" type="datetimeFigureOut">
               <a:rPr lang="en-US" smtClean="0"/>
-              <a:t>3/6/2020</a:t>
+              <a:t>5/30/2020</a:t>
             </a:fld>
             <a:endParaRPr lang="en-US"/>
           </a:p>
@@ -3494,7 +2749,7 @@
     </p:spTree>
     <p:extLst>
       <p:ext uri="{BB962C8B-B14F-4D97-AF65-F5344CB8AC3E}">
-        <p14:creationId xmlns:p14="http://schemas.microsoft.com/office/powerpoint/2010/main" val="1188113253"/>
+        <p14:creationId xmlns:p14="http://schemas.microsoft.com/office/powerpoint/2010/main" val="1271080308"/>
       </p:ext>
     </p:extLst>
   </p:cSld>
@@ -3657,7 +2912,7 @@
           <a:p>
             <a:fld id="{1D8BD707-D9CF-40AE-B4C6-C98DA3205C09}" type="datetimeFigureOut">
               <a:rPr lang="en-US"/>
-              <a:t>3/6/2020</a:t>
+              <a:t>5/30/2020</a:t>
             </a:fld>
             <a:endParaRPr lang="en-US"/>
           </a:p>
@@ -3698,177 +2953,7 @@
     </p:spTree>
     <p:extLst>
       <p:ext uri="{BB962C8B-B14F-4D97-AF65-F5344CB8AC3E}">
-        <p14:creationId xmlns:p14="http://schemas.microsoft.com/office/powerpoint/2010/main" val="3450455942"/>
-      </p:ext>
-    </p:extLst>
-  </p:cSld>
-  <p:clrMapOvr>
-    <a:masterClrMapping/>
-  </p:clrMapOvr>
-</p:sldLayout>
-</file>
-
-<file path=ppt/slideLayouts/slideLayout19.xml><?xml version="1.0" encoding="utf-8"?>
-<p:sldLayout xmlns:a="http://schemas.openxmlformats.org/drawingml/2006/main" xmlns:r="http://schemas.openxmlformats.org/officeDocument/2006/relationships" xmlns:p="http://schemas.openxmlformats.org/presentationml/2006/main" type="obj">
-  <p:cSld name="1_Title and Content">
-    <p:spTree>
-      <p:nvGrpSpPr>
-        <p:cNvPr id="1" name=""/>
-        <p:cNvGrpSpPr/>
-        <p:nvPr/>
-      </p:nvGrpSpPr>
-      <p:grpSpPr>
-        <a:xfrm>
-          <a:off x="0" y="0"/>
-          <a:ext cx="0" cy="0"/>
-          <a:chOff x="0" y="0"/>
-          <a:chExt cx="0" cy="0"/>
-        </a:xfrm>
-      </p:grpSpPr>
-      <p:sp>
-        <p:nvSpPr>
-          <p:cNvPr id="2" name="Title 1"/>
-          <p:cNvSpPr>
-            <a:spLocks noGrp="1"/>
-          </p:cNvSpPr>
-          <p:nvPr>
-            <p:ph type="title"/>
-          </p:nvPr>
-        </p:nvSpPr>
-        <p:spPr/>
-        <p:txBody>
-          <a:bodyPr/>
-          <a:lstStyle/>
-          <a:p>
-            <a:r>
-              <a:rPr lang="en-US"/>
-              <a:t>Click to edit Master title style</a:t>
-            </a:r>
-            <a:endParaRPr lang="en-US" dirty="0"/>
-          </a:p>
-        </p:txBody>
-      </p:sp>
-      <p:sp>
-        <p:nvSpPr>
-          <p:cNvPr id="3" name="Content Placeholder 2"/>
-          <p:cNvSpPr>
-            <a:spLocks noGrp="1"/>
-          </p:cNvSpPr>
-          <p:nvPr>
-            <p:ph idx="1"/>
-          </p:nvPr>
-        </p:nvSpPr>
-        <p:spPr/>
-        <p:txBody>
-          <a:bodyPr/>
-          <a:lstStyle/>
-          <a:p>
-            <a:pPr lvl="0"/>
-            <a:r>
-              <a:rPr lang="en-US"/>
-              <a:t>Edit Master text styles</a:t>
-            </a:r>
-          </a:p>
-          <a:p>
-            <a:pPr lvl="1"/>
-            <a:r>
-              <a:rPr lang="en-US"/>
-              <a:t>Second level</a:t>
-            </a:r>
-          </a:p>
-          <a:p>
-            <a:pPr lvl="2"/>
-            <a:r>
-              <a:rPr lang="en-US"/>
-              <a:t>Third level</a:t>
-            </a:r>
-          </a:p>
-          <a:p>
-            <a:pPr lvl="3"/>
-            <a:r>
-              <a:rPr lang="en-US"/>
-              <a:t>Fourth level</a:t>
-            </a:r>
-          </a:p>
-          <a:p>
-            <a:pPr lvl="4"/>
-            <a:r>
-              <a:rPr lang="en-US"/>
-              <a:t>Fifth level</a:t>
-            </a:r>
-            <a:endParaRPr lang="en-US" dirty="0"/>
-          </a:p>
-        </p:txBody>
-      </p:sp>
-      <p:sp>
-        <p:nvSpPr>
-          <p:cNvPr id="4" name="Date Placeholder 3"/>
-          <p:cNvSpPr>
-            <a:spLocks noGrp="1"/>
-          </p:cNvSpPr>
-          <p:nvPr>
-            <p:ph type="dt" sz="half" idx="10"/>
-          </p:nvPr>
-        </p:nvSpPr>
-        <p:spPr/>
-        <p:txBody>
-          <a:bodyPr/>
-          <a:lstStyle/>
-          <a:p>
-            <a:fld id="{1D8BD707-D9CF-40AE-B4C6-C98DA3205C09}" type="datetimeFigureOut">
-              <a:rPr lang="en-US" smtClean="0"/>
-              <a:t>3/6/2020</a:t>
-            </a:fld>
-            <a:endParaRPr lang="en-US"/>
-          </a:p>
-        </p:txBody>
-      </p:sp>
-      <p:sp>
-        <p:nvSpPr>
-          <p:cNvPr id="5" name="Footer Placeholder 4"/>
-          <p:cNvSpPr>
-            <a:spLocks noGrp="1"/>
-          </p:cNvSpPr>
-          <p:nvPr>
-            <p:ph type="ftr" sz="quarter" idx="11"/>
-          </p:nvPr>
-        </p:nvSpPr>
-        <p:spPr/>
-        <p:txBody>
-          <a:bodyPr/>
-          <a:lstStyle/>
-          <a:p>
-            <a:endParaRPr lang="en-US"/>
-          </a:p>
-        </p:txBody>
-      </p:sp>
-      <p:sp>
-        <p:nvSpPr>
-          <p:cNvPr id="6" name="Slide Number Placeholder 5"/>
-          <p:cNvSpPr>
-            <a:spLocks noGrp="1"/>
-          </p:cNvSpPr>
-          <p:nvPr>
-            <p:ph type="sldNum" sz="quarter" idx="12"/>
-          </p:nvPr>
-        </p:nvSpPr>
-        <p:spPr/>
-        <p:txBody>
-          <a:bodyPr/>
-          <a:lstStyle/>
-          <a:p>
-            <a:fld id="{B6F15528-21DE-4FAA-801E-634DDDAF4B2B}" type="slidenum">
-              <a:rPr lang="en-US" smtClean="0"/>
-              <a:t>‹#›</a:t>
-            </a:fld>
-            <a:endParaRPr lang="en-US"/>
-          </a:p>
-        </p:txBody>
-      </p:sp>
-    </p:spTree>
-    <p:extLst>
-      <p:ext uri="{BB962C8B-B14F-4D97-AF65-F5344CB8AC3E}">
-        <p14:creationId xmlns:p14="http://schemas.microsoft.com/office/powerpoint/2010/main" val="1113874257"/>
+        <p14:creationId xmlns:p14="http://schemas.microsoft.com/office/powerpoint/2010/main" val="3437629025"/>
       </p:ext>
     </p:extLst>
   </p:cSld>
@@ -3895,36 +2980,6 @@
           <a:chExt cx="0" cy="0"/>
         </a:xfrm>
       </p:grpSpPr>
-      <p:pic>
-        <p:nvPicPr>
-          <p:cNvPr id="7" name="Picture 6" descr="Droplets-SD-Content-R1d.png"/>
-          <p:cNvPicPr>
-            <a:picLocks noChangeAspect="1"/>
-          </p:cNvPicPr>
-          <p:nvPr/>
-        </p:nvPicPr>
-        <p:blipFill>
-          <a:blip r:embed="rId2">
-            <a:extLst>
-              <a:ext uri="{28A0092B-C50C-407E-A947-70E740481C1C}">
-                <a14:useLocalDpi xmlns:a14="http://schemas.microsoft.com/office/drawing/2010/main" val="0"/>
-              </a:ext>
-            </a:extLst>
-          </a:blip>
-          <a:stretch>
-            <a:fillRect/>
-          </a:stretch>
-        </p:blipFill>
-        <p:spPr>
-          <a:xfrm>
-            <a:off x="0" y="0"/>
-            <a:ext cx="10058400" cy="7772400"/>
-          </a:xfrm>
-          <a:prstGeom prst="rect">
-            <a:avLst/>
-          </a:prstGeom>
-        </p:spPr>
-      </p:pic>
       <p:sp>
         <p:nvSpPr>
           <p:cNvPr id="2" name="Title 1"/>
@@ -3935,70 +2990,75 @@
             <p:ph type="title"/>
           </p:nvPr>
         </p:nvSpPr>
-        <p:spPr/>
-        <p:txBody>
-          <a:bodyPr/>
-          <a:lstStyle/>
-          <a:p>
-            <a:r>
-              <a:rPr lang="en-US"/>
-              <a:t>Click to edit Master title style</a:t>
-            </a:r>
-            <a:endParaRPr lang="en-US" dirty="0"/>
-          </a:p>
-        </p:txBody>
-      </p:sp>
-      <p:sp>
-        <p:nvSpPr>
-          <p:cNvPr id="12" name="Content Placeholder 2"/>
-          <p:cNvSpPr>
-            <a:spLocks noGrp="1"/>
-          </p:cNvSpPr>
-          <p:nvPr>
-            <p:ph sz="quarter" idx="13"/>
-          </p:nvPr>
-        </p:nvSpPr>
         <p:spPr>
           <a:xfrm>
-            <a:off x="753863" y="2682706"/>
-            <a:ext cx="8550157" cy="3880655"/>
+            <a:off x="586740" y="5095240"/>
+            <a:ext cx="7210354" cy="1727200"/>
           </a:xfrm>
         </p:spPr>
         <p:txBody>
           <a:bodyPr/>
           <a:lstStyle/>
           <a:p>
+            <a:r>
+              <a:rPr lang="en-US" smtClean="0"/>
+              <a:t>Click to edit Master title style</a:t>
+            </a:r>
+            <a:endParaRPr lang="en-US" dirty="0"/>
+          </a:p>
+        </p:txBody>
+      </p:sp>
+      <p:sp>
+        <p:nvSpPr>
+          <p:cNvPr id="3" name="Content Placeholder 2"/>
+          <p:cNvSpPr>
+            <a:spLocks noGrp="1"/>
+          </p:cNvSpPr>
+          <p:nvPr>
+            <p:ph idx="1"/>
+          </p:nvPr>
+        </p:nvSpPr>
+        <p:spPr>
+          <a:xfrm>
+            <a:off x="586740" y="604520"/>
+            <a:ext cx="7210354" cy="4270026"/>
+          </a:xfrm>
+        </p:spPr>
+        <p:txBody>
+          <a:bodyPr anchor="ctr"/>
+          <a:lstStyle/>
+          <a:p>
             <a:pPr lvl="0"/>
             <a:r>
-              <a:rPr lang="en-US"/>
+              <a:rPr lang="en-US" smtClean="0"/>
               <a:t>Edit Master text styles</a:t>
             </a:r>
           </a:p>
           <a:p>
             <a:pPr lvl="1"/>
             <a:r>
-              <a:rPr lang="en-US"/>
+              <a:rPr lang="en-US" smtClean="0"/>
               <a:t>Second level</a:t>
             </a:r>
           </a:p>
           <a:p>
             <a:pPr lvl="2"/>
             <a:r>
-              <a:rPr lang="en-US"/>
+              <a:rPr lang="en-US" smtClean="0"/>
               <a:t>Third level</a:t>
             </a:r>
           </a:p>
           <a:p>
             <a:pPr lvl="3"/>
             <a:r>
-              <a:rPr lang="en-US"/>
+              <a:rPr lang="en-US" smtClean="0"/>
               <a:t>Fourth level</a:t>
             </a:r>
           </a:p>
           <a:p>
             <a:pPr lvl="4"/>
             <a:r>
-              <a:rPr lang="en-US"/>
+              <a:rPr lang="en-US" smtClean="0"/>
               <a:t>Fifth level</a:t>
             </a:r>
             <a:endParaRPr lang="en-US" dirty="0"/>
@@ -4022,7 +3082,7 @@
           <a:p>
             <a:fld id="{1D8BD707-D9CF-40AE-B4C6-C98DA3205C09}" type="datetimeFigureOut">
               <a:rPr lang="en-US" smtClean="0"/>
-              <a:t>3/6/2020</a:t>
+              <a:t>5/30/2020</a:t>
             </a:fld>
             <a:endParaRPr lang="en-US"/>
           </a:p>
@@ -4073,7 +3133,7 @@
     </p:spTree>
     <p:extLst>
       <p:ext uri="{BB962C8B-B14F-4D97-AF65-F5344CB8AC3E}">
-        <p14:creationId xmlns:p14="http://schemas.microsoft.com/office/powerpoint/2010/main" val="3099733931"/>
+        <p14:creationId xmlns:p14="http://schemas.microsoft.com/office/powerpoint/2010/main" val="3942089457"/>
       </p:ext>
     </p:extLst>
   </p:cSld>
@@ -4100,36 +3160,6 @@
           <a:chExt cx="0" cy="0"/>
         </a:xfrm>
       </p:grpSpPr>
-      <p:pic>
-        <p:nvPicPr>
-          <p:cNvPr id="8" name="Picture 7" descr="Droplets-SD-Content-R1d.png"/>
-          <p:cNvPicPr>
-            <a:picLocks noChangeAspect="1"/>
-          </p:cNvPicPr>
-          <p:nvPr/>
-        </p:nvPicPr>
-        <p:blipFill>
-          <a:blip r:embed="rId2">
-            <a:extLst>
-              <a:ext uri="{28A0092B-C50C-407E-A947-70E740481C1C}">
-                <a14:useLocalDpi xmlns:a14="http://schemas.microsoft.com/office/drawing/2010/main" val="0"/>
-              </a:ext>
-            </a:extLst>
-          </a:blip>
-          <a:stretch>
-            <a:fillRect/>
-          </a:stretch>
-        </p:blipFill>
-        <p:spPr>
-          <a:xfrm>
-            <a:off x="0" y="0"/>
-            <a:ext cx="10058400" cy="7772400"/>
-          </a:xfrm>
-          <a:prstGeom prst="rect">
-            <a:avLst/>
-          </a:prstGeom>
-        </p:spPr>
-      </p:pic>
       <p:sp>
         <p:nvSpPr>
           <p:cNvPr id="2" name="Title 1"/>
@@ -4142,8 +3172,8 @@
         </p:nvSpPr>
         <p:spPr>
           <a:xfrm>
-            <a:off x="753864" y="939040"/>
-            <a:ext cx="8540195" cy="3101728"/>
+            <a:off x="586740" y="2245359"/>
+            <a:ext cx="7042715" cy="2629183"/>
           </a:xfrm>
         </p:spPr>
         <p:txBody>
@@ -4151,13 +3181,13 @@
             <a:normAutofit/>
           </a:bodyPr>
           <a:lstStyle>
-            <a:lvl1pPr>
-              <a:defRPr sz="4400"/>
+            <a:lvl1pPr algn="l">
+              <a:defRPr sz="3520" b="0" cap="all"/>
             </a:lvl1pPr>
           </a:lstStyle>
           <a:p>
             <a:r>
-              <a:rPr lang="en-US"/>
+              <a:rPr lang="en-US" smtClean="0"/>
               <a:t>Click to edit Master title style</a:t>
             </a:r>
             <a:endParaRPr lang="en-US" dirty="0"/>
@@ -4176,28 +3206,28 @@
         </p:nvSpPr>
         <p:spPr>
           <a:xfrm>
-            <a:off x="753864" y="4145120"/>
-            <a:ext cx="8540195" cy="1550607"/>
+            <a:off x="586740" y="5085645"/>
+            <a:ext cx="7042714" cy="1736796"/>
           </a:xfrm>
         </p:spPr>
         <p:txBody>
-          <a:bodyPr>
+          <a:bodyPr anchor="t">
             <a:normAutofit/>
           </a:bodyPr>
           <a:lstStyle>
-            <a:lvl1pPr marL="0" indent="0" algn="ctr">
+            <a:lvl1pPr marL="0" indent="0" algn="l">
               <a:buNone/>
-              <a:defRPr sz="2200">
-                <a:solidFill>
-                  <a:schemeClr val="bg1">
-                    <a:lumMod val="50000"/>
+              <a:defRPr sz="1980">
+                <a:solidFill>
+                  <a:schemeClr val="bg2">
+                    <a:lumMod val="75000"/>
                   </a:schemeClr>
                 </a:solidFill>
               </a:defRPr>
             </a:lvl1pPr>
             <a:lvl2pPr marL="502920" indent="0">
               <a:buNone/>
-              <a:defRPr sz="2200">
+              <a:defRPr sz="1980">
                 <a:solidFill>
                   <a:schemeClr val="tx1">
                     <a:tint val="75000"/>
@@ -4207,7 +3237,7 @@
             </a:lvl2pPr>
             <a:lvl3pPr marL="1005840" indent="0">
               <a:buNone/>
-              <a:defRPr sz="1980">
+              <a:defRPr sz="1760">
                 <a:solidFill>
                   <a:schemeClr val="tx1">
                     <a:tint val="75000"/>
@@ -4217,7 +3247,7 @@
             </a:lvl3pPr>
             <a:lvl4pPr marL="1508760" indent="0">
               <a:buNone/>
-              <a:defRPr sz="1760">
+              <a:defRPr sz="1540">
                 <a:solidFill>
                   <a:schemeClr val="tx1">
                     <a:tint val="75000"/>
@@ -4227,7 +3257,7 @@
             </a:lvl4pPr>
             <a:lvl5pPr marL="2011680" indent="0">
               <a:buNone/>
-              <a:defRPr sz="1760">
+              <a:defRPr sz="1540">
                 <a:solidFill>
                   <a:schemeClr val="tx1">
                     <a:tint val="75000"/>
@@ -4237,7 +3267,7 @@
             </a:lvl5pPr>
             <a:lvl6pPr marL="2514600" indent="0">
               <a:buNone/>
-              <a:defRPr sz="1760">
+              <a:defRPr sz="1540">
                 <a:solidFill>
                   <a:schemeClr val="tx1">
                     <a:tint val="75000"/>
@@ -4247,7 +3277,7 @@
             </a:lvl6pPr>
             <a:lvl7pPr marL="3017520" indent="0">
               <a:buNone/>
-              <a:defRPr sz="1760">
+              <a:defRPr sz="1540">
                 <a:solidFill>
                   <a:schemeClr val="tx1">
                     <a:tint val="75000"/>
@@ -4257,7 +3287,7 @@
             </a:lvl7pPr>
             <a:lvl8pPr marL="3520440" indent="0">
               <a:buNone/>
-              <a:defRPr sz="1760">
+              <a:defRPr sz="1540">
                 <a:solidFill>
                   <a:schemeClr val="tx1">
                     <a:tint val="75000"/>
@@ -4267,7 +3297,7 @@
             </a:lvl8pPr>
             <a:lvl9pPr marL="4023360" indent="0">
               <a:buNone/>
-              <a:defRPr sz="1760">
+              <a:defRPr sz="1540">
                 <a:solidFill>
                   <a:schemeClr val="tx1">
                     <a:tint val="75000"/>
@@ -4279,7 +3309,7 @@
           <a:p>
             <a:pPr lvl="0"/>
             <a:r>
-              <a:rPr lang="en-US"/>
+              <a:rPr lang="en-US" smtClean="0"/>
               <a:t>Edit Master text styles</a:t>
             </a:r>
           </a:p>
@@ -4302,7 +3332,7 @@
           <a:p>
             <a:fld id="{1D8BD707-D9CF-40AE-B4C6-C98DA3205C09}" type="datetimeFigureOut">
               <a:rPr lang="en-US" smtClean="0"/>
-              <a:t>3/6/2020</a:t>
+              <a:t>5/30/2020</a:t>
             </a:fld>
             <a:endParaRPr lang="en-US"/>
           </a:p>
@@ -4353,7 +3383,7 @@
     </p:spTree>
     <p:extLst>
       <p:ext uri="{BB962C8B-B14F-4D97-AF65-F5344CB8AC3E}">
-        <p14:creationId xmlns:p14="http://schemas.microsoft.com/office/powerpoint/2010/main" val="1470819412"/>
+        <p14:creationId xmlns:p14="http://schemas.microsoft.com/office/powerpoint/2010/main" val="3353894435"/>
       </p:ext>
     </p:extLst>
   </p:cSld>
@@ -4380,39 +3410,9 @@
           <a:chExt cx="0" cy="0"/>
         </a:xfrm>
       </p:grpSpPr>
-      <p:pic>
-        <p:nvPicPr>
-          <p:cNvPr id="9" name="Picture 8" descr="Droplets-SD-Content-R1d.png"/>
-          <p:cNvPicPr>
-            <a:picLocks noChangeAspect="1"/>
-          </p:cNvPicPr>
-          <p:nvPr/>
-        </p:nvPicPr>
-        <p:blipFill>
-          <a:blip r:embed="rId2">
-            <a:extLst>
-              <a:ext uri="{28A0092B-C50C-407E-A947-70E740481C1C}">
-                <a14:useLocalDpi xmlns:a14="http://schemas.microsoft.com/office/drawing/2010/main" val="0"/>
-              </a:ext>
-            </a:extLst>
-          </a:blip>
-          <a:stretch>
-            <a:fillRect/>
-          </a:stretch>
-        </p:blipFill>
-        <p:spPr>
-          <a:xfrm>
-            <a:off x="0" y="0"/>
-            <a:ext cx="10058400" cy="7772400"/>
-          </a:xfrm>
-          <a:prstGeom prst="rect">
-            <a:avLst/>
-          </a:prstGeom>
-        </p:spPr>
-      </p:pic>
       <p:sp>
         <p:nvSpPr>
-          <p:cNvPr id="14" name="Title 1"/>
+          <p:cNvPr id="2" name="Title 1"/>
           <p:cNvSpPr>
             <a:spLocks noGrp="1"/>
           </p:cNvSpPr>
@@ -4422,16 +3422,22 @@
         </p:nvSpPr>
         <p:spPr>
           <a:xfrm>
-            <a:off x="753865" y="700987"/>
-            <a:ext cx="8550672" cy="1809001"/>
+            <a:off x="586740" y="5095240"/>
+            <a:ext cx="7210354" cy="1727200"/>
           </a:xfrm>
         </p:spPr>
         <p:txBody>
-          <a:bodyPr/>
-          <a:lstStyle/>
-          <a:p>
-            <a:r>
-              <a:rPr lang="en-US"/>
+          <a:bodyPr>
+            <a:normAutofit/>
+          </a:bodyPr>
+          <a:lstStyle>
+            <a:lvl1pPr>
+              <a:defRPr sz="3520"/>
+            </a:lvl1pPr>
+          </a:lstStyle>
+          <a:p>
+            <a:r>
+              <a:rPr lang="en-US" smtClean="0"/>
               <a:t>Click to edit Master title style</a:t>
             </a:r>
             <a:endParaRPr lang="en-US" dirty="0"/>
@@ -4440,55 +3446,57 @@
       </p:sp>
       <p:sp>
         <p:nvSpPr>
-          <p:cNvPr id="12" name="Content Placeholder 2"/>
+          <p:cNvPr id="11" name="Content Placeholder 3"/>
           <p:cNvSpPr>
             <a:spLocks noGrp="1"/>
           </p:cNvSpPr>
           <p:nvPr>
-            <p:ph sz="quarter" idx="13"/>
+            <p:ph sz="half" idx="13"/>
           </p:nvPr>
         </p:nvSpPr>
         <p:spPr>
           <a:xfrm>
-            <a:off x="753863" y="2682706"/>
-            <a:ext cx="4212472" cy="3880655"/>
+            <a:off x="586740" y="604520"/>
+            <a:ext cx="4344964" cy="4270023"/>
           </a:xfrm>
         </p:spPr>
         <p:txBody>
-          <a:bodyPr/>
+          <a:bodyPr anchor="ctr">
+            <a:normAutofit/>
+          </a:bodyPr>
           <a:lstStyle/>
           <a:p>
             <a:pPr lvl="0"/>
             <a:r>
-              <a:rPr lang="en-US"/>
+              <a:rPr lang="en-US" smtClean="0"/>
               <a:t>Edit Master text styles</a:t>
             </a:r>
           </a:p>
           <a:p>
             <a:pPr lvl="1"/>
             <a:r>
-              <a:rPr lang="en-US"/>
+              <a:rPr lang="en-US" smtClean="0"/>
               <a:t>Second level</a:t>
             </a:r>
           </a:p>
           <a:p>
             <a:pPr lvl="2"/>
             <a:r>
-              <a:rPr lang="en-US"/>
+              <a:rPr lang="en-US" smtClean="0"/>
               <a:t>Third level</a:t>
             </a:r>
           </a:p>
           <a:p>
             <a:pPr lvl="3"/>
             <a:r>
-              <a:rPr lang="en-US"/>
+              <a:rPr lang="en-US" smtClean="0"/>
               <a:t>Fourth level</a:t>
             </a:r>
           </a:p>
           <a:p>
             <a:pPr lvl="4"/>
             <a:r>
-              <a:rPr lang="en-US"/>
+              <a:rPr lang="en-US" smtClean="0"/>
               <a:t>Fifth level</a:t>
             </a:r>
             <a:endParaRPr lang="en-US" dirty="0"/>
@@ -4497,55 +3505,57 @@
       </p:sp>
       <p:sp>
         <p:nvSpPr>
-          <p:cNvPr id="13" name="Content Placeholder 3"/>
+          <p:cNvPr id="12" name="Content Placeholder 5"/>
           <p:cNvSpPr>
             <a:spLocks noGrp="1"/>
           </p:cNvSpPr>
           <p:nvPr>
-            <p:ph sz="quarter" idx="14"/>
+            <p:ph sz="quarter" idx="4"/>
           </p:nvPr>
         </p:nvSpPr>
         <p:spPr>
           <a:xfrm>
-            <a:off x="5092065" y="2682706"/>
-            <a:ext cx="4211955" cy="3880655"/>
+            <a:off x="5128598" y="604520"/>
+            <a:ext cx="4343062" cy="4260427"/>
           </a:xfrm>
         </p:spPr>
         <p:txBody>
-          <a:bodyPr/>
+          <a:bodyPr anchor="ctr">
+            <a:normAutofit/>
+          </a:bodyPr>
           <a:lstStyle/>
           <a:p>
             <a:pPr lvl="0"/>
             <a:r>
-              <a:rPr lang="en-US"/>
+              <a:rPr lang="en-US" smtClean="0"/>
               <a:t>Edit Master text styles</a:t>
             </a:r>
           </a:p>
           <a:p>
             <a:pPr lvl="1"/>
             <a:r>
-              <a:rPr lang="en-US"/>
+              <a:rPr lang="en-US" smtClean="0"/>
               <a:t>Second level</a:t>
             </a:r>
           </a:p>
           <a:p>
             <a:pPr lvl="2"/>
             <a:r>
-              <a:rPr lang="en-US"/>
+              <a:rPr lang="en-US" smtClean="0"/>
               <a:t>Third level</a:t>
             </a:r>
           </a:p>
           <a:p>
             <a:pPr lvl="3"/>
             <a:r>
-              <a:rPr lang="en-US"/>
+              <a:rPr lang="en-US" smtClean="0"/>
               <a:t>Fourth level</a:t>
             </a:r>
           </a:p>
           <a:p>
             <a:pPr lvl="4"/>
             <a:r>
-              <a:rPr lang="en-US"/>
+              <a:rPr lang="en-US" smtClean="0"/>
               <a:t>Fifth level</a:t>
             </a:r>
             <a:endParaRPr lang="en-US" dirty="0"/>
@@ -4569,7 +3579,7 @@
           <a:p>
             <a:fld id="{1D8BD707-D9CF-40AE-B4C6-C98DA3205C09}" type="datetimeFigureOut">
               <a:rPr lang="en-US" smtClean="0"/>
-              <a:t>3/6/2020</a:t>
+              <a:t>5/30/2020</a:t>
             </a:fld>
             <a:endParaRPr lang="en-US"/>
           </a:p>
@@ -4620,7 +3630,7 @@
     </p:spTree>
     <p:extLst>
       <p:ext uri="{BB962C8B-B14F-4D97-AF65-F5344CB8AC3E}">
-        <p14:creationId xmlns:p14="http://schemas.microsoft.com/office/powerpoint/2010/main" val="2286094253"/>
+        <p14:creationId xmlns:p14="http://schemas.microsoft.com/office/powerpoint/2010/main" val="2022550230"/>
       </p:ext>
     </p:extLst>
   </p:cSld>
@@ -4647,39 +3657,9 @@
           <a:chExt cx="0" cy="0"/>
         </a:xfrm>
       </p:grpSpPr>
-      <p:pic>
-        <p:nvPicPr>
-          <p:cNvPr id="11" name="Picture 10" descr="Droplets-SD-Content-R1d.png"/>
-          <p:cNvPicPr>
-            <a:picLocks noChangeAspect="1"/>
-          </p:cNvPicPr>
-          <p:nvPr/>
-        </p:nvPicPr>
-        <p:blipFill>
-          <a:blip r:embed="rId2">
-            <a:extLst>
-              <a:ext uri="{28A0092B-C50C-407E-A947-70E740481C1C}">
-                <a14:useLocalDpi xmlns:a14="http://schemas.microsoft.com/office/drawing/2010/main" val="0"/>
-              </a:ext>
-            </a:extLst>
-          </a:blip>
-          <a:stretch>
-            <a:fillRect/>
-          </a:stretch>
-        </p:blipFill>
-        <p:spPr>
-          <a:xfrm>
-            <a:off x="0" y="0"/>
-            <a:ext cx="10058400" cy="7772400"/>
-          </a:xfrm>
-          <a:prstGeom prst="rect">
-            <a:avLst/>
-          </a:prstGeom>
-        </p:spPr>
-      </p:pic>
       <p:sp>
         <p:nvSpPr>
-          <p:cNvPr id="14" name="Title 1"/>
+          <p:cNvPr id="2" name="Title 1"/>
           <p:cNvSpPr>
             <a:spLocks noGrp="1"/>
           </p:cNvSpPr>
@@ -4689,16 +3669,22 @@
         </p:nvSpPr>
         <p:spPr>
           <a:xfrm>
-            <a:off x="753865" y="700987"/>
-            <a:ext cx="8550672" cy="1809001"/>
+            <a:off x="586740" y="5095240"/>
+            <a:ext cx="7210354" cy="1727200"/>
           </a:xfrm>
         </p:spPr>
         <p:txBody>
-          <a:bodyPr/>
-          <a:lstStyle/>
-          <a:p>
-            <a:r>
-              <a:rPr lang="en-US"/>
+          <a:bodyPr>
+            <a:normAutofit/>
+          </a:bodyPr>
+          <a:lstStyle>
+            <a:lvl1pPr>
+              <a:defRPr sz="3520"/>
+            </a:lvl1pPr>
+          </a:lstStyle>
+          <a:p>
+            <a:r>
+              <a:rPr lang="en-US" smtClean="0"/>
               <a:t>Click to edit Master title style</a:t>
             </a:r>
             <a:endParaRPr lang="en-US" dirty="0"/>
@@ -4717,8 +3703,8 @@
         </p:nvSpPr>
         <p:spPr>
           <a:xfrm>
-            <a:off x="945720" y="2687154"/>
-            <a:ext cx="4020617" cy="770660"/>
+            <a:off x="838201" y="604520"/>
+            <a:ext cx="4088553" cy="690880"/>
           </a:xfrm>
         </p:spPr>
         <p:txBody>
@@ -4727,11 +3713,8 @@
           </a:bodyPr>
           <a:lstStyle>
             <a:lvl1pPr marL="0" indent="0">
-              <a:lnSpc>
-                <a:spcPct val="75000"/>
-              </a:lnSpc>
               <a:buNone/>
-              <a:defRPr sz="2860" b="0">
+              <a:defRPr sz="2640" b="0" cap="all">
                 <a:solidFill>
                   <a:schemeClr val="tx1"/>
                 </a:solidFill>
@@ -4773,7 +3756,7 @@
           <a:p>
             <a:pPr lvl="0"/>
             <a:r>
-              <a:rPr lang="en-US"/>
+              <a:rPr lang="en-US" smtClean="0"/>
               <a:t>Edit Master text styles</a:t>
             </a:r>
           </a:p>
@@ -4781,55 +3764,57 @@
       </p:sp>
       <p:sp>
         <p:nvSpPr>
-          <p:cNvPr id="12" name="Content Placeholder 3"/>
+          <p:cNvPr id="4" name="Content Placeholder 3"/>
           <p:cNvSpPr>
             <a:spLocks noGrp="1"/>
           </p:cNvSpPr>
           <p:nvPr>
-            <p:ph sz="quarter" idx="13"/>
+            <p:ph sz="half" idx="2"/>
           </p:nvPr>
         </p:nvSpPr>
         <p:spPr>
           <a:xfrm>
-            <a:off x="753864" y="3457815"/>
-            <a:ext cx="4212472" cy="3105545"/>
+            <a:off x="586739" y="1295400"/>
+            <a:ext cx="4340014" cy="3579143"/>
           </a:xfrm>
         </p:spPr>
         <p:txBody>
-          <a:bodyPr/>
+          <a:bodyPr anchor="t">
+            <a:normAutofit/>
+          </a:bodyPr>
           <a:lstStyle/>
           <a:p>
             <a:pPr lvl="0"/>
             <a:r>
-              <a:rPr lang="en-US"/>
+              <a:rPr lang="en-US" smtClean="0"/>
               <a:t>Edit Master text styles</a:t>
             </a:r>
           </a:p>
           <a:p>
             <a:pPr lvl="1"/>
             <a:r>
-              <a:rPr lang="en-US"/>
+              <a:rPr lang="en-US" smtClean="0"/>
               <a:t>Second level</a:t>
             </a:r>
           </a:p>
           <a:p>
             <a:pPr lvl="2"/>
             <a:r>
-              <a:rPr lang="en-US"/>
+              <a:rPr lang="en-US" smtClean="0"/>
               <a:t>Third level</a:t>
             </a:r>
           </a:p>
           <a:p>
             <a:pPr lvl="3"/>
             <a:r>
-              <a:rPr lang="en-US"/>
+              <a:rPr lang="en-US" smtClean="0"/>
               <a:t>Fourth level</a:t>
             </a:r>
           </a:p>
           <a:p>
             <a:pPr lvl="4"/>
             <a:r>
-              <a:rPr lang="en-US"/>
+              <a:rPr lang="en-US" smtClean="0"/>
               <a:t>Fifth level</a:t>
             </a:r>
             <a:endParaRPr lang="en-US" dirty="0"/>
@@ -4848,8 +3833,8 @@
         </p:nvSpPr>
         <p:spPr>
           <a:xfrm>
-            <a:off x="5277049" y="2687154"/>
-            <a:ext cx="4027488" cy="770660"/>
+            <a:off x="5340518" y="642303"/>
+            <a:ext cx="4140456" cy="653097"/>
           </a:xfrm>
         </p:spPr>
         <p:txBody>
@@ -4858,11 +3843,8 @@
           </a:bodyPr>
           <a:lstStyle>
             <a:lvl1pPr marL="0" indent="0">
-              <a:lnSpc>
-                <a:spcPct val="75000"/>
-              </a:lnSpc>
               <a:buNone/>
-              <a:defRPr sz="2860" b="0">
+              <a:defRPr sz="2640" b="0" cap="all">
                 <a:solidFill>
                   <a:schemeClr val="tx1"/>
                 </a:solidFill>
@@ -4904,7 +3886,7 @@
           <a:p>
             <a:pPr lvl="0"/>
             <a:r>
-              <a:rPr lang="en-US"/>
+              <a:rPr lang="en-US" smtClean="0"/>
               <a:t>Edit Master text styles</a:t>
             </a:r>
           </a:p>
@@ -4912,55 +3894,57 @@
       </p:sp>
       <p:sp>
         <p:nvSpPr>
-          <p:cNvPr id="13" name="Content Placeholder 5"/>
+          <p:cNvPr id="6" name="Content Placeholder 5"/>
           <p:cNvSpPr>
             <a:spLocks noGrp="1"/>
           </p:cNvSpPr>
           <p:nvPr>
-            <p:ph sz="quarter" idx="14"/>
+            <p:ph sz="quarter" idx="4"/>
           </p:nvPr>
         </p:nvSpPr>
         <p:spPr>
           <a:xfrm>
-            <a:off x="5092066" y="3457815"/>
-            <a:ext cx="4211956" cy="3105545"/>
+            <a:off x="5128599" y="1295400"/>
+            <a:ext cx="4352376" cy="3569547"/>
           </a:xfrm>
         </p:spPr>
         <p:txBody>
-          <a:bodyPr/>
+          <a:bodyPr anchor="t">
+            <a:normAutofit/>
+          </a:bodyPr>
           <a:lstStyle/>
           <a:p>
             <a:pPr lvl="0"/>
             <a:r>
-              <a:rPr lang="en-US"/>
+              <a:rPr lang="en-US" smtClean="0"/>
               <a:t>Edit Master text styles</a:t>
             </a:r>
           </a:p>
           <a:p>
             <a:pPr lvl="1"/>
             <a:r>
-              <a:rPr lang="en-US"/>
+              <a:rPr lang="en-US" smtClean="0"/>
               <a:t>Second level</a:t>
             </a:r>
           </a:p>
           <a:p>
             <a:pPr lvl="2"/>
             <a:r>
-              <a:rPr lang="en-US"/>
+              <a:rPr lang="en-US" smtClean="0"/>
               <a:t>Third level</a:t>
             </a:r>
           </a:p>
           <a:p>
             <a:pPr lvl="3"/>
             <a:r>
-              <a:rPr lang="en-US"/>
+              <a:rPr lang="en-US" smtClean="0"/>
               <a:t>Fourth level</a:t>
             </a:r>
           </a:p>
           <a:p>
             <a:pPr lvl="4"/>
             <a:r>
-              <a:rPr lang="en-US"/>
+              <a:rPr lang="en-US" smtClean="0"/>
               <a:t>Fifth level</a:t>
             </a:r>
             <a:endParaRPr lang="en-US" dirty="0"/>
@@ -4984,7 +3968,7 @@
           <a:p>
             <a:fld id="{1D8BD707-D9CF-40AE-B4C6-C98DA3205C09}" type="datetimeFigureOut">
               <a:rPr lang="en-US" smtClean="0"/>
-              <a:t>3/6/2020</a:t>
+              <a:t>5/30/2020</a:t>
             </a:fld>
             <a:endParaRPr lang="en-US"/>
           </a:p>
@@ -5035,7 +4019,7 @@
     </p:spTree>
     <p:extLst>
       <p:ext uri="{BB962C8B-B14F-4D97-AF65-F5344CB8AC3E}">
-        <p14:creationId xmlns:p14="http://schemas.microsoft.com/office/powerpoint/2010/main" val="168407336"/>
+        <p14:creationId xmlns:p14="http://schemas.microsoft.com/office/powerpoint/2010/main" val="1125680323"/>
       </p:ext>
     </p:extLst>
   </p:cSld>
@@ -5062,36 +4046,6 @@
           <a:chExt cx="0" cy="0"/>
         </a:xfrm>
       </p:grpSpPr>
-      <p:pic>
-        <p:nvPicPr>
-          <p:cNvPr id="7" name="Picture 6" descr="Droplets-SD-Content-R1d.png"/>
-          <p:cNvPicPr>
-            <a:picLocks noChangeAspect="1"/>
-          </p:cNvPicPr>
-          <p:nvPr/>
-        </p:nvPicPr>
-        <p:blipFill>
-          <a:blip r:embed="rId2">
-            <a:extLst>
-              <a:ext uri="{28A0092B-C50C-407E-A947-70E740481C1C}">
-                <a14:useLocalDpi xmlns:a14="http://schemas.microsoft.com/office/drawing/2010/main" val="0"/>
-              </a:ext>
-            </a:extLst>
-          </a:blip>
-          <a:stretch>
-            <a:fillRect/>
-          </a:stretch>
-        </p:blipFill>
-        <p:spPr>
-          <a:xfrm>
-            <a:off x="0" y="0"/>
-            <a:ext cx="10058400" cy="7772400"/>
-          </a:xfrm>
-          <a:prstGeom prst="rect">
-            <a:avLst/>
-          </a:prstGeom>
-        </p:spPr>
-      </p:pic>
       <p:sp>
         <p:nvSpPr>
           <p:cNvPr id="2" name="Title 1"/>
@@ -5102,13 +4056,24 @@
             <p:ph type="title"/>
           </p:nvPr>
         </p:nvSpPr>
-        <p:spPr/>
+        <p:spPr>
+          <a:xfrm>
+            <a:off x="586740" y="5095240"/>
+            <a:ext cx="7210354" cy="1727200"/>
+          </a:xfrm>
+        </p:spPr>
         <p:txBody>
-          <a:bodyPr/>
-          <a:lstStyle/>
-          <a:p>
-            <a:r>
-              <a:rPr lang="en-US"/>
+          <a:bodyPr>
+            <a:normAutofit/>
+          </a:bodyPr>
+          <a:lstStyle>
+            <a:lvl1pPr>
+              <a:defRPr sz="3520"/>
+            </a:lvl1pPr>
+          </a:lstStyle>
+          <a:p>
+            <a:r>
+              <a:rPr lang="en-US" smtClean="0"/>
               <a:t>Click to edit Master title style</a:t>
             </a:r>
             <a:endParaRPr lang="en-US" dirty="0"/>
@@ -5132,7 +4097,7 @@
           <a:p>
             <a:fld id="{1D8BD707-D9CF-40AE-B4C6-C98DA3205C09}" type="datetimeFigureOut">
               <a:rPr lang="en-US" smtClean="0"/>
-              <a:t>3/6/2020</a:t>
+              <a:t>5/30/2020</a:t>
             </a:fld>
             <a:endParaRPr lang="en-US"/>
           </a:p>
@@ -5183,7 +4148,7 @@
     </p:spTree>
     <p:extLst>
       <p:ext uri="{BB962C8B-B14F-4D97-AF65-F5344CB8AC3E}">
-        <p14:creationId xmlns:p14="http://schemas.microsoft.com/office/powerpoint/2010/main" val="3744537640"/>
+        <p14:creationId xmlns:p14="http://schemas.microsoft.com/office/powerpoint/2010/main" val="1156676865"/>
       </p:ext>
     </p:extLst>
   </p:cSld>
@@ -5210,36 +4175,6 @@
           <a:chExt cx="0" cy="0"/>
         </a:xfrm>
       </p:grpSpPr>
-      <p:pic>
-        <p:nvPicPr>
-          <p:cNvPr id="6" name="Picture 5" descr="Droplets-SD-Content-R1d.png"/>
-          <p:cNvPicPr>
-            <a:picLocks noChangeAspect="1"/>
-          </p:cNvPicPr>
-          <p:nvPr/>
-        </p:nvPicPr>
-        <p:blipFill>
-          <a:blip r:embed="rId2">
-            <a:extLst>
-              <a:ext uri="{28A0092B-C50C-407E-A947-70E740481C1C}">
-                <a14:useLocalDpi xmlns:a14="http://schemas.microsoft.com/office/drawing/2010/main" val="0"/>
-              </a:ext>
-            </a:extLst>
-          </a:blip>
-          <a:stretch>
-            <a:fillRect/>
-          </a:stretch>
-        </p:blipFill>
-        <p:spPr>
-          <a:xfrm>
-            <a:off x="0" y="0"/>
-            <a:ext cx="10058400" cy="7772400"/>
-          </a:xfrm>
-          <a:prstGeom prst="rect">
-            <a:avLst/>
-          </a:prstGeom>
-        </p:spPr>
-      </p:pic>
       <p:sp>
         <p:nvSpPr>
           <p:cNvPr id="2" name="Date Placeholder 1"/>
@@ -5257,7 +4192,7 @@
           <a:p>
             <a:fld id="{1D8BD707-D9CF-40AE-B4C6-C98DA3205C09}" type="datetimeFigureOut">
               <a:rPr lang="en-US" smtClean="0"/>
-              <a:t>3/6/2020</a:t>
+              <a:t>5/30/2020</a:t>
             </a:fld>
             <a:endParaRPr lang="en-US"/>
           </a:p>
@@ -5308,7 +4243,7 @@
     </p:spTree>
     <p:extLst>
       <p:ext uri="{BB962C8B-B14F-4D97-AF65-F5344CB8AC3E}">
-        <p14:creationId xmlns:p14="http://schemas.microsoft.com/office/powerpoint/2010/main" val="3433722026"/>
+        <p14:creationId xmlns:p14="http://schemas.microsoft.com/office/powerpoint/2010/main" val="1210802126"/>
       </p:ext>
     </p:extLst>
   </p:cSld>
@@ -5335,36 +4270,6 @@
           <a:chExt cx="0" cy="0"/>
         </a:xfrm>
       </p:grpSpPr>
-      <p:pic>
-        <p:nvPicPr>
-          <p:cNvPr id="9" name="Picture 8" descr="Droplets-SD-Content-R1d.png"/>
-          <p:cNvPicPr>
-            <a:picLocks noChangeAspect="1"/>
-          </p:cNvPicPr>
-          <p:nvPr/>
-        </p:nvPicPr>
-        <p:blipFill>
-          <a:blip r:embed="rId2">
-            <a:extLst>
-              <a:ext uri="{28A0092B-C50C-407E-A947-70E740481C1C}">
-                <a14:useLocalDpi xmlns:a14="http://schemas.microsoft.com/office/drawing/2010/main" val="0"/>
-              </a:ext>
-            </a:extLst>
-          </a:blip>
-          <a:stretch>
-            <a:fillRect/>
-          </a:stretch>
-        </p:blipFill>
-        <p:spPr>
-          <a:xfrm>
-            <a:off x="0" y="0"/>
-            <a:ext cx="10058400" cy="7772400"/>
-          </a:xfrm>
-          <a:prstGeom prst="rect">
-            <a:avLst/>
-          </a:prstGeom>
-        </p:spPr>
-      </p:pic>
       <p:sp>
         <p:nvSpPr>
           <p:cNvPr id="2" name="Title 1"/>
@@ -5377,20 +4282,22 @@
         </p:nvSpPr>
         <p:spPr>
           <a:xfrm>
-            <a:off x="753864" y="690880"/>
-            <a:ext cx="3246943" cy="2293019"/>
+            <a:off x="5960534" y="604520"/>
+            <a:ext cx="3520440" cy="1727200"/>
           </a:xfrm>
         </p:spPr>
         <p:txBody>
-          <a:bodyPr anchor="b"/>
+          <a:bodyPr anchor="b">
+            <a:normAutofit/>
+          </a:bodyPr>
           <a:lstStyle>
-            <a:lvl1pPr algn="ctr">
-              <a:defRPr sz="3520"/>
+            <a:lvl1pPr algn="l">
+              <a:defRPr sz="2200" b="0"/>
             </a:lvl1pPr>
           </a:lstStyle>
           <a:p>
             <a:r>
-              <a:rPr lang="en-US"/>
+              <a:rPr lang="en-US" smtClean="0"/>
               <a:t>Click to edit Master title style</a:t>
             </a:r>
             <a:endParaRPr lang="en-US" dirty="0"/>
@@ -5399,55 +4306,57 @@
       </p:sp>
       <p:sp>
         <p:nvSpPr>
-          <p:cNvPr id="10" name="Content Placeholder 2"/>
+          <p:cNvPr id="3" name="Content Placeholder 2"/>
           <p:cNvSpPr>
             <a:spLocks noGrp="1"/>
           </p:cNvSpPr>
           <p:nvPr>
-            <p:ph sz="quarter" idx="13"/>
+            <p:ph idx="1"/>
           </p:nvPr>
         </p:nvSpPr>
         <p:spPr>
           <a:xfrm>
-            <a:off x="4189402" y="690882"/>
-            <a:ext cx="5115134" cy="5872479"/>
+            <a:off x="586739" y="604520"/>
+            <a:ext cx="4882631" cy="6217920"/>
           </a:xfrm>
         </p:spPr>
         <p:txBody>
-          <a:bodyPr/>
+          <a:bodyPr anchor="ctr">
+            <a:normAutofit/>
+          </a:bodyPr>
           <a:lstStyle/>
           <a:p>
             <a:pPr lvl="0"/>
             <a:r>
-              <a:rPr lang="en-US"/>
+              <a:rPr lang="en-US" smtClean="0"/>
               <a:t>Edit Master text styles</a:t>
             </a:r>
           </a:p>
           <a:p>
             <a:pPr lvl="1"/>
             <a:r>
-              <a:rPr lang="en-US"/>
+              <a:rPr lang="en-US" smtClean="0"/>
               <a:t>Second level</a:t>
             </a:r>
           </a:p>
           <a:p>
             <a:pPr lvl="2"/>
             <a:r>
-              <a:rPr lang="en-US"/>
+              <a:rPr lang="en-US" smtClean="0"/>
               <a:t>Third level</a:t>
             </a:r>
           </a:p>
           <a:p>
             <a:pPr lvl="3"/>
             <a:r>
-              <a:rPr lang="en-US"/>
+              <a:rPr lang="en-US" smtClean="0"/>
               <a:t>Fourth level</a:t>
             </a:r>
           </a:p>
           <a:p>
             <a:pPr lvl="4"/>
             <a:r>
-              <a:rPr lang="en-US"/>
+              <a:rPr lang="en-US" smtClean="0"/>
               <a:t>Fifth level</a:t>
             </a:r>
             <a:endParaRPr lang="en-US" dirty="0"/>
@@ -5466,54 +4375,56 @@
         </p:nvSpPr>
         <p:spPr>
           <a:xfrm>
-            <a:off x="753865" y="2983899"/>
-            <a:ext cx="3246944" cy="3579461"/>
+            <a:off x="5960534" y="2504443"/>
+            <a:ext cx="3520440" cy="2370103"/>
           </a:xfrm>
         </p:spPr>
         <p:txBody>
-          <a:bodyPr/>
+          <a:bodyPr anchor="t">
+            <a:normAutofit/>
+          </a:bodyPr>
           <a:lstStyle>
-            <a:lvl1pPr marL="0" indent="0" algn="ctr">
+            <a:lvl1pPr marL="0" indent="0">
               <a:buNone/>
               <a:defRPr sz="1760"/>
             </a:lvl1pPr>
             <a:lvl2pPr marL="502920" indent="0">
               <a:buNone/>
-              <a:defRPr sz="1540"/>
+              <a:defRPr sz="1320"/>
             </a:lvl2pPr>
             <a:lvl3pPr marL="1005840" indent="0">
               <a:buNone/>
-              <a:defRPr sz="1320"/>
+              <a:defRPr sz="1100"/>
             </a:lvl3pPr>
             <a:lvl4pPr marL="1508760" indent="0">
               <a:buNone/>
-              <a:defRPr sz="1100"/>
+              <a:defRPr sz="990"/>
             </a:lvl4pPr>
             <a:lvl5pPr marL="2011680" indent="0">
               <a:buNone/>
-              <a:defRPr sz="1100"/>
+              <a:defRPr sz="990"/>
             </a:lvl5pPr>
             <a:lvl6pPr marL="2514600" indent="0">
               <a:buNone/>
-              <a:defRPr sz="1100"/>
+              <a:defRPr sz="990"/>
             </a:lvl6pPr>
             <a:lvl7pPr marL="3017520" indent="0">
               <a:buNone/>
-              <a:defRPr sz="1100"/>
+              <a:defRPr sz="990"/>
             </a:lvl7pPr>
             <a:lvl8pPr marL="3520440" indent="0">
               <a:buNone/>
-              <a:defRPr sz="1100"/>
+              <a:defRPr sz="990"/>
             </a:lvl8pPr>
             <a:lvl9pPr marL="4023360" indent="0">
               <a:buNone/>
-              <a:defRPr sz="1100"/>
+              <a:defRPr sz="990"/>
             </a:lvl9pPr>
           </a:lstStyle>
           <a:p>
             <a:pPr lvl="0"/>
             <a:r>
-              <a:rPr lang="en-US"/>
+              <a:rPr lang="en-US" smtClean="0"/>
               <a:t>Edit Master text styles</a:t>
             </a:r>
           </a:p>
@@ -5536,7 +4447,7 @@
           <a:p>
             <a:fld id="{1D8BD707-D9CF-40AE-B4C6-C98DA3205C09}" type="datetimeFigureOut">
               <a:rPr lang="en-US" smtClean="0"/>
-              <a:t>3/6/2020</a:t>
+              <a:t>5/30/2020</a:t>
             </a:fld>
             <a:endParaRPr lang="en-US"/>
           </a:p>
@@ -5587,7 +4498,7 @@
     </p:spTree>
     <p:extLst>
       <p:ext uri="{BB962C8B-B14F-4D97-AF65-F5344CB8AC3E}">
-        <p14:creationId xmlns:p14="http://schemas.microsoft.com/office/powerpoint/2010/main" val="675428585"/>
+        <p14:creationId xmlns:p14="http://schemas.microsoft.com/office/powerpoint/2010/main" val="1570944234"/>
       </p:ext>
     </p:extLst>
   </p:cSld>
@@ -5614,36 +4525,6 @@
           <a:chExt cx="0" cy="0"/>
         </a:xfrm>
       </p:grpSpPr>
-      <p:pic>
-        <p:nvPicPr>
-          <p:cNvPr id="9" name="Picture 8" descr="Droplets-SD-Content-R1d.png"/>
-          <p:cNvPicPr>
-            <a:picLocks noChangeAspect="1"/>
-          </p:cNvPicPr>
-          <p:nvPr/>
-        </p:nvPicPr>
-        <p:blipFill>
-          <a:blip r:embed="rId2">
-            <a:extLst>
-              <a:ext uri="{28A0092B-C50C-407E-A947-70E740481C1C}">
-                <a14:useLocalDpi xmlns:a14="http://schemas.microsoft.com/office/drawing/2010/main" val="0"/>
-              </a:ext>
-            </a:extLst>
-          </a:blip>
-          <a:stretch>
-            <a:fillRect/>
-          </a:stretch>
-        </p:blipFill>
-        <p:spPr>
-          <a:xfrm>
-            <a:off x="0" y="0"/>
-            <a:ext cx="10058400" cy="7772400"/>
-          </a:xfrm>
-          <a:prstGeom prst="rect">
-            <a:avLst/>
-          </a:prstGeom>
-        </p:spPr>
-      </p:pic>
       <p:sp>
         <p:nvSpPr>
           <p:cNvPr id="2" name="Title 1"/>
@@ -5656,20 +4537,22 @@
         </p:nvSpPr>
         <p:spPr>
           <a:xfrm>
-            <a:off x="753865" y="690880"/>
-            <a:ext cx="4542580" cy="2293021"/>
+            <a:off x="4945380" y="1640840"/>
+            <a:ext cx="3919584" cy="1295400"/>
           </a:xfrm>
         </p:spPr>
         <p:txBody>
-          <a:bodyPr anchor="b"/>
+          <a:bodyPr anchor="b">
+            <a:normAutofit/>
+          </a:bodyPr>
           <a:lstStyle>
-            <a:lvl1pPr algn="ctr">
-              <a:defRPr sz="3520"/>
+            <a:lvl1pPr algn="l">
+              <a:defRPr sz="2640" b="0"/>
             </a:lvl1pPr>
           </a:lstStyle>
           <a:p>
             <a:r>
-              <a:rPr lang="en-US"/>
+              <a:rPr lang="en-US" smtClean="0"/>
               <a:t>Click to edit Master title style</a:t>
             </a:r>
             <a:endParaRPr lang="en-US" dirty="0"/>
@@ -5678,91 +4561,85 @@
       </p:sp>
       <p:sp>
         <p:nvSpPr>
-          <p:cNvPr id="3" name="Picture Placeholder 2"/>
+          <p:cNvPr id="17" name="Picture Placeholder 2"/>
           <p:cNvSpPr>
             <a:spLocks noGrp="1" noChangeAspect="1"/>
           </p:cNvSpPr>
           <p:nvPr>
-            <p:ph type="pic" idx="1"/>
+            <p:ph type="pic" idx="13"/>
           </p:nvPr>
         </p:nvSpPr>
         <p:spPr>
           <a:xfrm>
-            <a:off x="5504698" y="690881"/>
-            <a:ext cx="3306436" cy="5872480"/>
+            <a:off x="838200" y="1036320"/>
+            <a:ext cx="3609071" cy="5440680"/>
           </a:xfrm>
-          <a:prstGeom prst="roundRect">
+          <a:prstGeom prst="snip2DiagRect">
             <a:avLst>
-              <a:gd name="adj" fmla="val 4943"/>
+              <a:gd name="adj1" fmla="val 10815"/>
+              <a:gd name="adj2" fmla="val 0"/>
             </a:avLst>
           </a:prstGeom>
-          <a:noFill/>
-          <a:ln w="82550" cap="sq">
+          <a:ln w="15875">
             <a:solidFill>
-              <a:schemeClr val="bg2">
-                <a:lumMod val="60000"/>
-                <a:lumOff val="40000"/>
+              <a:schemeClr val="tx1">
+                <a:alpha val="40000"/>
               </a:schemeClr>
             </a:solidFill>
-            <a:miter lim="800000"/>
           </a:ln>
-          <a:effectLst/>
-          <a:scene3d>
-            <a:camera prst="orthographicFront"/>
-            <a:lightRig rig="threePt" dir="t">
-              <a:rot lat="0" lon="0" rev="2700000"/>
-            </a:lightRig>
-          </a:scene3d>
-          <a:sp3d contourW="6350">
-            <a:bevelT h="38100"/>
-            <a:contourClr>
-              <a:srgbClr val="C0C0C0"/>
-            </a:contourClr>
-          </a:sp3d>
+          <a:effectLst>
+            <a:innerShdw blurRad="57150" dist="38100" dir="14460000">
+              <a:srgbClr val="000000">
+                <a:alpha val="70000"/>
+              </a:srgbClr>
+            </a:innerShdw>
+          </a:effectLst>
         </p:spPr>
         <p:txBody>
-          <a:bodyPr anchor="t"/>
+          <a:bodyPr anchor="t">
+            <a:normAutofit/>
+          </a:bodyPr>
           <a:lstStyle>
-            <a:lvl1pPr marL="0" indent="0">
+            <a:lvl1pPr marL="0" indent="0" algn="ctr">
               <a:buNone/>
-              <a:defRPr sz="3520"/>
+              <a:defRPr sz="1760"/>
             </a:lvl1pPr>
             <a:lvl2pPr marL="502920" indent="0">
               <a:buNone/>
-              <a:defRPr sz="3080"/>
+              <a:defRPr sz="1760"/>
             </a:lvl2pPr>
             <a:lvl3pPr marL="1005840" indent="0">
               <a:buNone/>
-              <a:defRPr sz="2640"/>
+              <a:defRPr sz="1760"/>
             </a:lvl3pPr>
             <a:lvl4pPr marL="1508760" indent="0">
               <a:buNone/>
-              <a:defRPr sz="2200"/>
+              <a:defRPr sz="1760"/>
             </a:lvl4pPr>
             <a:lvl5pPr marL="2011680" indent="0">
               <a:buNone/>
-              <a:defRPr sz="2200"/>
+              <a:defRPr sz="1760"/>
             </a:lvl5pPr>
             <a:lvl6pPr marL="2514600" indent="0">
               <a:buNone/>
-              <a:defRPr sz="2200"/>
+              <a:defRPr sz="1760"/>
             </a:lvl6pPr>
             <a:lvl7pPr marL="3017520" indent="0">
               <a:buNone/>
-              <a:defRPr sz="2200"/>
+              <a:defRPr sz="1760"/>
             </a:lvl7pPr>
             <a:lvl8pPr marL="3520440" indent="0">
               <a:buNone/>
-              <a:defRPr sz="2200"/>
+              <a:defRPr sz="1760"/>
             </a:lvl8pPr>
             <a:lvl9pPr marL="4023360" indent="0">
               <a:buNone/>
-              <a:defRPr sz="2200"/>
+              <a:defRPr sz="1760"/>
             </a:lvl9pPr>
           </a:lstStyle>
           <a:p>
             <a:r>
-              <a:rPr lang="en-US"/>
+              <a:rPr lang="en-US" smtClean="0"/>
               <a:t>Click icon to add picture</a:t>
             </a:r>
             <a:endParaRPr lang="en-US" dirty="0"/>
@@ -5781,54 +4658,56 @@
         </p:nvSpPr>
         <p:spPr>
           <a:xfrm>
-            <a:off x="753881" y="2983901"/>
-            <a:ext cx="4542564" cy="3579460"/>
+            <a:off x="4945630" y="3108960"/>
+            <a:ext cx="3920645" cy="2360507"/>
           </a:xfrm>
         </p:spPr>
         <p:txBody>
-          <a:bodyPr/>
+          <a:bodyPr anchor="t">
+            <a:normAutofit/>
+          </a:bodyPr>
           <a:lstStyle>
-            <a:lvl1pPr marL="0" indent="0" algn="ctr">
+            <a:lvl1pPr marL="0" indent="0">
               <a:buNone/>
-              <a:defRPr sz="1760"/>
+              <a:defRPr sz="1980"/>
             </a:lvl1pPr>
             <a:lvl2pPr marL="502920" indent="0">
               <a:buNone/>
-              <a:defRPr sz="1540"/>
+              <a:defRPr sz="1320"/>
             </a:lvl2pPr>
             <a:lvl3pPr marL="1005840" indent="0">
               <a:buNone/>
-              <a:defRPr sz="1320"/>
+              <a:defRPr sz="1100"/>
             </a:lvl3pPr>
             <a:lvl4pPr marL="1508760" indent="0">
               <a:buNone/>
-              <a:defRPr sz="1100"/>
+              <a:defRPr sz="990"/>
             </a:lvl4pPr>
             <a:lvl5pPr marL="2011680" indent="0">
               <a:buNone/>
-              <a:defRPr sz="1100"/>
+              <a:defRPr sz="990"/>
             </a:lvl5pPr>
             <a:lvl6pPr marL="2514600" indent="0">
               <a:buNone/>
-              <a:defRPr sz="1100"/>
+              <a:defRPr sz="990"/>
             </a:lvl6pPr>
             <a:lvl7pPr marL="3017520" indent="0">
               <a:buNone/>
-              <a:defRPr sz="1100"/>
+              <a:defRPr sz="990"/>
             </a:lvl7pPr>
             <a:lvl8pPr marL="3520440" indent="0">
               <a:buNone/>
-              <a:defRPr sz="1100"/>
+              <a:defRPr sz="990"/>
             </a:lvl8pPr>
             <a:lvl9pPr marL="4023360" indent="0">
               <a:buNone/>
-              <a:defRPr sz="1100"/>
+              <a:defRPr sz="990"/>
             </a:lvl9pPr>
           </a:lstStyle>
           <a:p>
             <a:pPr lvl="0"/>
             <a:r>
-              <a:rPr lang="en-US"/>
+              <a:rPr lang="en-US" smtClean="0"/>
               <a:t>Edit Master text styles</a:t>
             </a:r>
           </a:p>
@@ -5851,7 +4730,7 @@
           <a:p>
             <a:fld id="{1D8BD707-D9CF-40AE-B4C6-C98DA3205C09}" type="datetimeFigureOut">
               <a:rPr lang="en-US" smtClean="0"/>
-              <a:t>3/6/2020</a:t>
+              <a:t>5/30/2020</a:t>
             </a:fld>
             <a:endParaRPr lang="en-US"/>
           </a:p>
@@ -5867,7 +4746,12 @@
             <p:ph type="ftr" sz="quarter" idx="11"/>
           </p:nvPr>
         </p:nvSpPr>
-        <p:spPr/>
+        <p:spPr>
+          <a:xfrm>
+            <a:off x="586740" y="6995161"/>
+            <a:ext cx="6392896" cy="413808"/>
+          </a:xfrm>
+        </p:spPr>
         <p:txBody>
           <a:bodyPr/>
           <a:lstStyle/>
@@ -5902,7 +4786,7 @@
     </p:spTree>
     <p:extLst>
       <p:ext uri="{BB962C8B-B14F-4D97-AF65-F5344CB8AC3E}">
-        <p14:creationId xmlns:p14="http://schemas.microsoft.com/office/powerpoint/2010/main" val="1427191400"/>
+        <p14:creationId xmlns:p14="http://schemas.microsoft.com/office/powerpoint/2010/main" val="3585959053"/>
       </p:ext>
     </p:extLst>
   </p:cSld>
@@ -5916,7 +4800,7 @@
 <p:sldMaster xmlns:a="http://schemas.openxmlformats.org/drawingml/2006/main" xmlns:r="http://schemas.openxmlformats.org/officeDocument/2006/relationships" xmlns:p="http://schemas.openxmlformats.org/presentationml/2006/main">
   <p:cSld>
     <p:bg>
-      <p:bgRef idx="1003">
+      <p:bgRef idx="1002">
         <a:schemeClr val="bg2"/>
       </p:bgRef>
     </p:bg>
@@ -5934,48 +4818,196 @@
           <a:chExt cx="0" cy="0"/>
         </a:xfrm>
       </p:grpSpPr>
-      <p:pic>
-        <p:nvPicPr>
-          <p:cNvPr id="1026" name="Picture 2" descr="\\DROBO-FS\QuickDrops\JB\PPTX NG\Droplets\LightingOverlay.png"/>
-          <p:cNvPicPr>
-            <a:picLocks noChangeAspect="1" noChangeArrowheads="1"/>
-          </p:cNvPicPr>
+      <p:grpSp>
+        <p:nvGrpSpPr>
+          <p:cNvPr id="7" name="Group 6"/>
+          <p:cNvGrpSpPr/>
           <p:nvPr/>
-        </p:nvPicPr>
-        <p:blipFill>
-          <a:blip r:embed="rId21">
-            <a:alphaModFix amt="80000"/>
-            <a:extLst>
-              <a:ext uri="{28A0092B-C50C-407E-A947-70E740481C1C}">
-                <a14:useLocalDpi xmlns:a14="http://schemas.microsoft.com/office/drawing/2010/main" val="0"/>
-              </a:ext>
-            </a:extLst>
-          </a:blip>
-          <a:srcRect/>
-          <a:stretch>
-            <a:fillRect/>
-          </a:stretch>
-        </p:blipFill>
-        <p:spPr bwMode="auto">
+        </p:nvGrpSpPr>
+        <p:grpSpPr>
           <a:xfrm>
-            <a:off x="1" y="-1"/>
-            <a:ext cx="10058402" cy="7772401"/>
+            <a:off x="7337742" y="4413957"/>
+            <a:ext cx="2717502" cy="3013004"/>
+            <a:chOff x="6687077" y="3259666"/>
+            <a:chExt cx="2981857" cy="3208867"/>
           </a:xfrm>
-          <a:prstGeom prst="rect">
-            <a:avLst/>
-          </a:prstGeom>
-          <a:noFill/>
-          <a:extLst>
-            <a:ext uri="{909E8E84-426E-40DD-AFC4-6F175D3DCCD1}">
-              <a14:hiddenFill xmlns:a14="http://schemas.microsoft.com/office/drawing/2010/main">
-                <a:solidFill>
-                  <a:srgbClr val="FFFFFF"/>
-                </a:solidFill>
-              </a14:hiddenFill>
-            </a:ext>
-          </a:extLst>
-        </p:spPr>
-      </p:pic>
+        </p:grpSpPr>
+        <p:cxnSp>
+          <p:nvCxnSpPr>
+            <p:cNvPr id="8" name="Straight Connector 7"/>
+            <p:cNvCxnSpPr/>
+            <p:nvPr/>
+          </p:nvCxnSpPr>
+          <p:spPr>
+            <a:xfrm flipH="1">
+              <a:off x="8756120" y="3259666"/>
+              <a:ext cx="912814" cy="912812"/>
+            </a:xfrm>
+            <a:prstGeom prst="line">
+              <a:avLst/>
+            </a:prstGeom>
+            <a:ln w="9525">
+              <a:solidFill>
+                <a:schemeClr val="tx1"/>
+              </a:solidFill>
+            </a:ln>
+          </p:spPr>
+          <p:style>
+            <a:lnRef idx="2">
+              <a:schemeClr val="accent1"/>
+            </a:lnRef>
+            <a:fillRef idx="0">
+              <a:schemeClr val="accent1"/>
+            </a:fillRef>
+            <a:effectRef idx="1">
+              <a:schemeClr val="accent1"/>
+            </a:effectRef>
+            <a:fontRef idx="minor">
+              <a:schemeClr val="tx1"/>
+            </a:fontRef>
+          </p:style>
+        </p:cxnSp>
+        <p:cxnSp>
+          <p:nvCxnSpPr>
+            <p:cNvPr id="9" name="Straight Connector 8"/>
+            <p:cNvCxnSpPr/>
+            <p:nvPr/>
+          </p:nvCxnSpPr>
+          <p:spPr>
+            <a:xfrm flipH="1">
+              <a:off x="6687077" y="3486677"/>
+              <a:ext cx="2981857" cy="2981856"/>
+            </a:xfrm>
+            <a:prstGeom prst="line">
+              <a:avLst/>
+            </a:prstGeom>
+            <a:ln w="9525">
+              <a:solidFill>
+                <a:schemeClr val="tx1"/>
+              </a:solidFill>
+            </a:ln>
+          </p:spPr>
+          <p:style>
+            <a:lnRef idx="2">
+              <a:schemeClr val="accent1"/>
+            </a:lnRef>
+            <a:fillRef idx="0">
+              <a:schemeClr val="accent1"/>
+            </a:fillRef>
+            <a:effectRef idx="1">
+              <a:schemeClr val="accent1"/>
+            </a:effectRef>
+            <a:fontRef idx="minor">
+              <a:schemeClr val="tx1"/>
+            </a:fontRef>
+          </p:style>
+        </p:cxnSp>
+        <p:cxnSp>
+          <p:nvCxnSpPr>
+            <p:cNvPr id="10" name="Straight Connector 9"/>
+            <p:cNvCxnSpPr/>
+            <p:nvPr/>
+          </p:nvCxnSpPr>
+          <p:spPr>
+            <a:xfrm flipH="1">
+              <a:off x="7772400" y="3581400"/>
+              <a:ext cx="1896534" cy="1896533"/>
+            </a:xfrm>
+            <a:prstGeom prst="line">
+              <a:avLst/>
+            </a:prstGeom>
+            <a:ln w="9525">
+              <a:solidFill>
+                <a:schemeClr val="tx1"/>
+              </a:solidFill>
+            </a:ln>
+          </p:spPr>
+          <p:style>
+            <a:lnRef idx="2">
+              <a:schemeClr val="accent1"/>
+            </a:lnRef>
+            <a:fillRef idx="0">
+              <a:schemeClr val="accent1"/>
+            </a:fillRef>
+            <a:effectRef idx="1">
+              <a:schemeClr val="accent1"/>
+            </a:effectRef>
+            <a:fontRef idx="minor">
+              <a:schemeClr val="tx1"/>
+            </a:fontRef>
+          </p:style>
+        </p:cxnSp>
+        <p:cxnSp>
+          <p:nvCxnSpPr>
+            <p:cNvPr id="11" name="Straight Connector 10"/>
+            <p:cNvCxnSpPr/>
+            <p:nvPr/>
+          </p:nvCxnSpPr>
+          <p:spPr>
+            <a:xfrm flipH="1">
+              <a:off x="7923214" y="3433394"/>
+              <a:ext cx="1739738" cy="1739740"/>
+            </a:xfrm>
+            <a:prstGeom prst="line">
+              <a:avLst/>
+            </a:prstGeom>
+            <a:ln w="28575">
+              <a:solidFill>
+                <a:schemeClr val="tx1"/>
+              </a:solidFill>
+            </a:ln>
+          </p:spPr>
+          <p:style>
+            <a:lnRef idx="2">
+              <a:schemeClr val="accent1"/>
+            </a:lnRef>
+            <a:fillRef idx="0">
+              <a:schemeClr val="accent1"/>
+            </a:fillRef>
+            <a:effectRef idx="1">
+              <a:schemeClr val="accent1"/>
+            </a:effectRef>
+            <a:fontRef idx="minor">
+              <a:schemeClr val="tx1"/>
+            </a:fontRef>
+          </p:style>
+        </p:cxnSp>
+        <p:cxnSp>
+          <p:nvCxnSpPr>
+            <p:cNvPr id="12" name="Straight Connector 11"/>
+            <p:cNvCxnSpPr/>
+            <p:nvPr/>
+          </p:nvCxnSpPr>
+          <p:spPr>
+            <a:xfrm flipH="1">
+              <a:off x="8398935" y="3985317"/>
+              <a:ext cx="1264017" cy="1264016"/>
+            </a:xfrm>
+            <a:prstGeom prst="line">
+              <a:avLst/>
+            </a:prstGeom>
+            <a:ln w="28575">
+              <a:solidFill>
+                <a:schemeClr val="tx1"/>
+              </a:solidFill>
+            </a:ln>
+          </p:spPr>
+          <p:style>
+            <a:lnRef idx="2">
+              <a:schemeClr val="accent1"/>
+            </a:lnRef>
+            <a:fillRef idx="0">
+              <a:schemeClr val="accent1"/>
+            </a:fillRef>
+            <a:effectRef idx="1">
+              <a:schemeClr val="accent1"/>
+            </a:effectRef>
+            <a:fontRef idx="minor">
+              <a:schemeClr val="tx1"/>
+            </a:fontRef>
+          </p:style>
+        </p:cxnSp>
+      </p:grpSp>
       <p:sp>
         <p:nvSpPr>
           <p:cNvPr id="2" name="Title Placeholder 1"/>
@@ -5988,12 +5020,13 @@
         </p:nvSpPr>
         <p:spPr>
           <a:xfrm>
-            <a:off x="753865" y="700987"/>
-            <a:ext cx="8550672" cy="1809001"/>
+            <a:off x="586740" y="5095240"/>
+            <a:ext cx="7210354" cy="1727200"/>
           </a:xfrm>
           <a:prstGeom prst="rect">
             <a:avLst/>
           </a:prstGeom>
+          <a:effectLst/>
         </p:spPr>
         <p:txBody>
           <a:bodyPr vert="horz" lIns="91440" tIns="45720" rIns="91440" bIns="45720" rtlCol="0" anchor="ctr">
@@ -6002,7 +5035,7 @@
           <a:lstStyle/>
           <a:p>
             <a:r>
-              <a:rPr lang="en-US"/>
+              <a:rPr lang="en-US" smtClean="0"/>
               <a:t>Click to edit Master title style</a:t>
             </a:r>
             <a:endParaRPr lang="en-US" dirty="0"/>
@@ -6021,50 +5054,50 @@
         </p:nvSpPr>
         <p:spPr>
           <a:xfrm>
-            <a:off x="753865" y="2682707"/>
-            <a:ext cx="8550673" cy="3880655"/>
+            <a:off x="586740" y="604521"/>
+            <a:ext cx="7210354" cy="4270026"/>
           </a:xfrm>
           <a:prstGeom prst="rect">
             <a:avLst/>
           </a:prstGeom>
         </p:spPr>
         <p:txBody>
-          <a:bodyPr vert="horz" lIns="91440" tIns="45720" rIns="91440" bIns="45720" rtlCol="0">
+          <a:bodyPr vert="horz" lIns="91440" tIns="45720" rIns="91440" bIns="45720" rtlCol="0" anchor="ctr">
             <a:normAutofit/>
           </a:bodyPr>
           <a:lstStyle/>
           <a:p>
             <a:pPr lvl="0"/>
             <a:r>
-              <a:rPr lang="en-US"/>
+              <a:rPr lang="en-US" smtClean="0"/>
               <a:t>Edit Master text styles</a:t>
             </a:r>
           </a:p>
           <a:p>
             <a:pPr lvl="1"/>
             <a:r>
-              <a:rPr lang="en-US"/>
+              <a:rPr lang="en-US" smtClean="0"/>
               <a:t>Second level</a:t>
             </a:r>
           </a:p>
           <a:p>
             <a:pPr lvl="2"/>
             <a:r>
-              <a:rPr lang="en-US"/>
+              <a:rPr lang="en-US" smtClean="0"/>
               <a:t>Third level</a:t>
             </a:r>
           </a:p>
           <a:p>
             <a:pPr lvl="3"/>
             <a:r>
-              <a:rPr lang="en-US"/>
+              <a:rPr lang="en-US" smtClean="0"/>
               <a:t>Fourth level</a:t>
             </a:r>
           </a:p>
           <a:p>
             <a:pPr lvl="4"/>
             <a:r>
-              <a:rPr lang="en-US"/>
+              <a:rPr lang="en-US" smtClean="0"/>
               <a:t>Fifth level</a:t>
             </a:r>
             <a:endParaRPr lang="en-US" dirty="0"/>
@@ -6083,28 +5116,32 @@
         </p:nvSpPr>
         <p:spPr>
           <a:xfrm>
-            <a:off x="6334958" y="6667714"/>
-            <a:ext cx="2263140" cy="413808"/>
+            <a:off x="8173270" y="6995164"/>
+            <a:ext cx="1320509" cy="413808"/>
           </a:xfrm>
           <a:prstGeom prst="rect">
             <a:avLst/>
           </a:prstGeom>
         </p:spPr>
         <p:txBody>
-          <a:bodyPr vert="horz" lIns="91440" tIns="45720" rIns="91440" bIns="45720" rtlCol="0" anchor="ctr"/>
+          <a:bodyPr vert="horz" lIns="91440" tIns="45720" rIns="91440" bIns="45720" rtlCol="0" anchor="t"/>
           <a:lstStyle>
             <a:lvl1pPr algn="r">
-              <a:defRPr sz="1100">
-                <a:solidFill>
-                  <a:schemeClr val="tx1"/>
-                </a:solidFill>
+              <a:defRPr sz="1100" b="0" i="0">
+                <a:solidFill>
+                  <a:schemeClr val="bg2">
+                    <a:lumMod val="50000"/>
+                  </a:schemeClr>
+                </a:solidFill>
+                <a:effectLst/>
+                <a:latin typeface="+mn-lt"/>
               </a:defRPr>
             </a:lvl1pPr>
           </a:lstStyle>
           <a:p>
             <a:fld id="{1D8BD707-D9CF-40AE-B4C6-C98DA3205C09}" type="datetimeFigureOut">
               <a:rPr lang="en-US" smtClean="0"/>
-              <a:t>3/6/2020</a:t>
+              <a:t>5/30/2020</a:t>
             </a:fld>
             <a:endParaRPr lang="en-US"/>
           </a:p>
@@ -6122,21 +5159,25 @@
         </p:nvSpPr>
         <p:spPr>
           <a:xfrm>
-            <a:off x="753864" y="6667714"/>
-            <a:ext cx="5505132" cy="413808"/>
+            <a:off x="586740" y="6995161"/>
+            <a:ext cx="6392896" cy="413808"/>
           </a:xfrm>
           <a:prstGeom prst="rect">
             <a:avLst/>
           </a:prstGeom>
         </p:spPr>
         <p:txBody>
-          <a:bodyPr vert="horz" lIns="91440" tIns="45720" rIns="91440" bIns="45720" rtlCol="0" anchor="ctr"/>
+          <a:bodyPr vert="horz" lIns="91440" tIns="45720" rIns="91440" bIns="45720" rtlCol="0" anchor="t"/>
           <a:lstStyle>
             <a:lvl1pPr algn="l">
-              <a:defRPr sz="1100">
-                <a:solidFill>
-                  <a:schemeClr val="tx1"/>
-                </a:solidFill>
+              <a:defRPr sz="1100" b="0" i="0">
+                <a:solidFill>
+                  <a:schemeClr val="bg2">
+                    <a:lumMod val="50000"/>
+                  </a:schemeClr>
+                </a:solidFill>
+                <a:effectLst/>
+                <a:latin typeface="+mn-lt"/>
               </a:defRPr>
             </a:lvl1pPr>
           </a:lstStyle>
@@ -6157,21 +5198,25 @@
         </p:nvSpPr>
         <p:spPr>
           <a:xfrm>
-            <a:off x="8674061" y="6667714"/>
-            <a:ext cx="630477" cy="413808"/>
+            <a:off x="8551869" y="6322276"/>
+            <a:ext cx="942598" cy="759248"/>
           </a:xfrm>
           <a:prstGeom prst="rect">
             <a:avLst/>
           </a:prstGeom>
         </p:spPr>
         <p:txBody>
-          <a:bodyPr vert="horz" lIns="91440" tIns="45720" rIns="91440" bIns="45720" rtlCol="0" anchor="ctr"/>
+          <a:bodyPr vert="horz" lIns="91440" tIns="45720" rIns="91440" bIns="45720" rtlCol="0" anchor="b"/>
           <a:lstStyle>
             <a:lvl1pPr algn="r">
-              <a:defRPr sz="1100">
-                <a:solidFill>
-                  <a:schemeClr val="tx1"/>
-                </a:solidFill>
+              <a:defRPr sz="3080" b="0" i="0">
+                <a:solidFill>
+                  <a:schemeClr val="bg2">
+                    <a:lumMod val="50000"/>
+                  </a:schemeClr>
+                </a:solidFill>
+                <a:effectLst/>
+                <a:latin typeface="+mn-lt"/>
               </a:defRPr>
             </a:lvl1pPr>
           </a:lstStyle>
@@ -6187,43 +5232,42 @@
     </p:spTree>
     <p:extLst>
       <p:ext uri="{BB962C8B-B14F-4D97-AF65-F5344CB8AC3E}">
-        <p14:creationId xmlns:p14="http://schemas.microsoft.com/office/powerpoint/2010/main" val="221254945"/>
+        <p14:creationId xmlns:p14="http://schemas.microsoft.com/office/powerpoint/2010/main" val="271730081"/>
       </p:ext>
     </p:extLst>
   </p:cSld>
-  <p:clrMap bg1="lt1" tx1="dk1" bg2="lt2" tx2="dk2" accent1="accent1" accent2="accent2" accent3="accent3" accent4="accent4" accent5="accent5" accent6="accent6" hlink="hlink" folHlink="folHlink"/>
+  <p:clrMap bg1="dk1" tx1="lt1" bg2="dk2" tx2="lt2" accent1="accent1" accent2="accent2" accent3="accent3" accent4="accent4" accent5="accent5" accent6="accent6" hlink="hlink" folHlink="folHlink"/>
   <p:sldLayoutIdLst>
-    <p:sldLayoutId id="2147484111" r:id="rId1"/>
-    <p:sldLayoutId id="2147484112" r:id="rId2"/>
-    <p:sldLayoutId id="2147484113" r:id="rId3"/>
-    <p:sldLayoutId id="2147484114" r:id="rId4"/>
-    <p:sldLayoutId id="2147484115" r:id="rId5"/>
-    <p:sldLayoutId id="2147484116" r:id="rId6"/>
-    <p:sldLayoutId id="2147484117" r:id="rId7"/>
-    <p:sldLayoutId id="2147484118" r:id="rId8"/>
-    <p:sldLayoutId id="2147484119" r:id="rId9"/>
-    <p:sldLayoutId id="2147484120" r:id="rId10"/>
-    <p:sldLayoutId id="2147484121" r:id="rId11"/>
-    <p:sldLayoutId id="2147484122" r:id="rId12"/>
-    <p:sldLayoutId id="2147484123" r:id="rId13"/>
-    <p:sldLayoutId id="2147484124" r:id="rId14"/>
-    <p:sldLayoutId id="2147484125" r:id="rId15"/>
-    <p:sldLayoutId id="2147484126" r:id="rId16"/>
-    <p:sldLayoutId id="2147484127" r:id="rId17"/>
-    <p:sldLayoutId id="2147484128" r:id="rId18"/>
-    <p:sldLayoutId id="2147484129" r:id="rId19"/>
+    <p:sldLayoutId id="2147484231" r:id="rId1"/>
+    <p:sldLayoutId id="2147484232" r:id="rId2"/>
+    <p:sldLayoutId id="2147484233" r:id="rId3"/>
+    <p:sldLayoutId id="2147484234" r:id="rId4"/>
+    <p:sldLayoutId id="2147484235" r:id="rId5"/>
+    <p:sldLayoutId id="2147484236" r:id="rId6"/>
+    <p:sldLayoutId id="2147484237" r:id="rId7"/>
+    <p:sldLayoutId id="2147484238" r:id="rId8"/>
+    <p:sldLayoutId id="2147484239" r:id="rId9"/>
+    <p:sldLayoutId id="2147484240" r:id="rId10"/>
+    <p:sldLayoutId id="2147484241" r:id="rId11"/>
+    <p:sldLayoutId id="2147484242" r:id="rId12"/>
+    <p:sldLayoutId id="2147484243" r:id="rId13"/>
+    <p:sldLayoutId id="2147484244" r:id="rId14"/>
+    <p:sldLayoutId id="2147484245" r:id="rId15"/>
+    <p:sldLayoutId id="2147484246" r:id="rId16"/>
+    <p:sldLayoutId id="2147484247" r:id="rId17"/>
+    <p:sldLayoutId id="2147484248" r:id="rId18"/>
   </p:sldLayoutIdLst>
   <p:txStyles>
     <p:titleStyle>
-      <a:lvl1pPr algn="ctr" defTabSz="1005840" rtl="0" eaLnBrk="1" latinLnBrk="0" hangingPunct="1">
-        <a:lnSpc>
-          <a:spcPct val="90000"/>
-        </a:lnSpc>
+      <a:lvl1pPr algn="l" defTabSz="502920" rtl="0" eaLnBrk="1" latinLnBrk="0" hangingPunct="1">
         <a:spcBef>
           <a:spcPct val="0"/>
         </a:spcBef>
         <a:buNone/>
-        <a:defRPr sz="3960" kern="1200" cap="all" baseline="0">
+        <a:defRPr sz="3520" kern="1200" cap="all">
+          <a:ln w="3175" cmpd="sng">
+            <a:noFill/>
+          </a:ln>
           <a:solidFill>
             <a:schemeClr val="tx1"/>
           </a:solidFill>
@@ -6233,23 +5277,82 @@
           <a:cs typeface="+mj-cs"/>
         </a:defRPr>
       </a:lvl1pPr>
+      <a:lvl2pPr eaLnBrk="1" hangingPunct="1">
+        <a:defRPr>
+          <a:solidFill>
+            <a:schemeClr val="tx2"/>
+          </a:solidFill>
+        </a:defRPr>
+      </a:lvl2pPr>
+      <a:lvl3pPr eaLnBrk="1" hangingPunct="1">
+        <a:defRPr>
+          <a:solidFill>
+            <a:schemeClr val="tx2"/>
+          </a:solidFill>
+        </a:defRPr>
+      </a:lvl3pPr>
+      <a:lvl4pPr eaLnBrk="1" hangingPunct="1">
+        <a:defRPr>
+          <a:solidFill>
+            <a:schemeClr val="tx2"/>
+          </a:solidFill>
+        </a:defRPr>
+      </a:lvl4pPr>
+      <a:lvl5pPr eaLnBrk="1" hangingPunct="1">
+        <a:defRPr>
+          <a:solidFill>
+            <a:schemeClr val="tx2"/>
+          </a:solidFill>
+        </a:defRPr>
+      </a:lvl5pPr>
+      <a:lvl6pPr eaLnBrk="1" hangingPunct="1">
+        <a:defRPr>
+          <a:solidFill>
+            <a:schemeClr val="tx2"/>
+          </a:solidFill>
+        </a:defRPr>
+      </a:lvl6pPr>
+      <a:lvl7pPr eaLnBrk="1" hangingPunct="1">
+        <a:defRPr>
+          <a:solidFill>
+            <a:schemeClr val="tx2"/>
+          </a:solidFill>
+        </a:defRPr>
+      </a:lvl7pPr>
+      <a:lvl8pPr eaLnBrk="1" hangingPunct="1">
+        <a:defRPr>
+          <a:solidFill>
+            <a:schemeClr val="tx2"/>
+          </a:solidFill>
+        </a:defRPr>
+      </a:lvl8pPr>
+      <a:lvl9pPr eaLnBrk="1" hangingPunct="1">
+        <a:defRPr>
+          <a:solidFill>
+            <a:schemeClr val="tx2"/>
+          </a:solidFill>
+        </a:defRPr>
+      </a:lvl9pPr>
     </p:titleStyle>
     <p:bodyStyle>
-      <a:lvl1pPr marL="251460" indent="-251460" algn="l" defTabSz="1005840" rtl="0" eaLnBrk="1" latinLnBrk="0" hangingPunct="1">
-        <a:lnSpc>
-          <a:spcPct val="120000"/>
-        </a:lnSpc>
+      <a:lvl1pPr marL="314325" indent="-314325" algn="l" defTabSz="502920" rtl="0" eaLnBrk="1" latinLnBrk="0" hangingPunct="1">
         <a:spcBef>
-          <a:spcPts val="1100"/>
+          <a:spcPct val="20000"/>
         </a:spcBef>
+        <a:spcAft>
+          <a:spcPts val="660"/>
+        </a:spcAft>
         <a:buClr>
           <a:schemeClr val="tx1"/>
         </a:buClr>
-        <a:buFont typeface="Arial" panose="020B0604020202020204" pitchFamily="34" charset="0"/>
-        <a:buChar char="•"/>
-        <a:defRPr sz="2200" kern="1200" cap="all" baseline="0">
+        <a:buSzPct val="80000"/>
+        <a:buFont typeface="Wingdings 3" panose="05040102010807070707" pitchFamily="18" charset="2"/>
+        <a:buChar char=""/>
+        <a:defRPr sz="2200" kern="1200" cap="none">
           <a:solidFill>
-            <a:schemeClr val="tx1"/>
+            <a:schemeClr val="bg2">
+              <a:lumMod val="75000"/>
+            </a:schemeClr>
           </a:solidFill>
           <a:effectLst/>
           <a:latin typeface="+mn-lt"/>
@@ -6257,21 +5360,24 @@
           <a:cs typeface="+mn-cs"/>
         </a:defRPr>
       </a:lvl1pPr>
-      <a:lvl2pPr marL="754380" indent="-251460" algn="l" defTabSz="1005840" rtl="0" eaLnBrk="1" latinLnBrk="0" hangingPunct="1">
-        <a:lnSpc>
-          <a:spcPct val="120000"/>
-        </a:lnSpc>
+      <a:lvl2pPr marL="817245" indent="-314325" algn="l" defTabSz="502920" rtl="0" eaLnBrk="1" latinLnBrk="0" hangingPunct="1">
         <a:spcBef>
-          <a:spcPts val="550"/>
+          <a:spcPct val="20000"/>
         </a:spcBef>
+        <a:spcAft>
+          <a:spcPts val="660"/>
+        </a:spcAft>
         <a:buClr>
           <a:schemeClr val="tx1"/>
         </a:buClr>
-        <a:buFont typeface="Arial" panose="020B0604020202020204" pitchFamily="34" charset="0"/>
-        <a:buChar char="•"/>
-        <a:defRPr sz="1980" kern="1200" cap="all" baseline="0">
+        <a:buSzPct val="80000"/>
+        <a:buFont typeface="Wingdings 3" panose="05040102010807070707" pitchFamily="18" charset="2"/>
+        <a:buChar char=""/>
+        <a:defRPr sz="1980" kern="1200" cap="none">
           <a:solidFill>
-            <a:schemeClr val="tx1"/>
+            <a:schemeClr val="bg2">
+              <a:lumMod val="75000"/>
+            </a:schemeClr>
           </a:solidFill>
           <a:effectLst/>
           <a:latin typeface="+mn-lt"/>
@@ -6279,21 +5385,24 @@
           <a:cs typeface="+mn-cs"/>
         </a:defRPr>
       </a:lvl2pPr>
-      <a:lvl3pPr marL="1257300" indent="-251460" algn="l" defTabSz="1005840" rtl="0" eaLnBrk="1" latinLnBrk="0" hangingPunct="1">
-        <a:lnSpc>
-          <a:spcPct val="120000"/>
-        </a:lnSpc>
+      <a:lvl3pPr marL="1320165" indent="-314325" algn="l" defTabSz="502920" rtl="0" eaLnBrk="1" latinLnBrk="0" hangingPunct="1">
         <a:spcBef>
-          <a:spcPts val="550"/>
+          <a:spcPct val="20000"/>
         </a:spcBef>
+        <a:spcAft>
+          <a:spcPts val="660"/>
+        </a:spcAft>
         <a:buClr>
           <a:schemeClr val="tx1"/>
         </a:buClr>
-        <a:buFont typeface="Arial" panose="020B0604020202020204" pitchFamily="34" charset="0"/>
-        <a:buChar char="•"/>
-        <a:defRPr sz="1760" kern="1200" cap="all" baseline="0">
+        <a:buSzPct val="80000"/>
+        <a:buFont typeface="Wingdings 3" panose="05040102010807070707" pitchFamily="18" charset="2"/>
+        <a:buChar char=""/>
+        <a:defRPr sz="1760" kern="1200" cap="none">
           <a:solidFill>
-            <a:schemeClr val="tx1"/>
+            <a:schemeClr val="bg2">
+              <a:lumMod val="75000"/>
+            </a:schemeClr>
           </a:solidFill>
           <a:effectLst/>
           <a:latin typeface="+mn-lt"/>
@@ -6301,21 +5410,24 @@
           <a:cs typeface="+mn-cs"/>
         </a:defRPr>
       </a:lvl3pPr>
-      <a:lvl4pPr marL="1760220" indent="-251460" algn="l" defTabSz="1005840" rtl="0" eaLnBrk="1" latinLnBrk="0" hangingPunct="1">
-        <a:lnSpc>
-          <a:spcPct val="120000"/>
-        </a:lnSpc>
+      <a:lvl4pPr marL="1697355" indent="-188595" algn="l" defTabSz="502920" rtl="0" eaLnBrk="1" latinLnBrk="0" hangingPunct="1">
         <a:spcBef>
-          <a:spcPts val="550"/>
+          <a:spcPct val="20000"/>
         </a:spcBef>
+        <a:spcAft>
+          <a:spcPts val="660"/>
+        </a:spcAft>
         <a:buClr>
           <a:schemeClr val="tx1"/>
         </a:buClr>
-        <a:buFont typeface="Arial" panose="020B0604020202020204" pitchFamily="34" charset="0"/>
-        <a:buChar char="•"/>
-        <a:defRPr sz="1540" kern="1200" cap="all" baseline="0">
+        <a:buSzPct val="80000"/>
+        <a:buFont typeface="Wingdings 3" panose="05040102010807070707" pitchFamily="18" charset="2"/>
+        <a:buChar char=""/>
+        <a:defRPr sz="1540" kern="1200" cap="none">
           <a:solidFill>
-            <a:schemeClr val="tx1"/>
+            <a:schemeClr val="bg2">
+              <a:lumMod val="75000"/>
+            </a:schemeClr>
           </a:solidFill>
           <a:effectLst/>
           <a:latin typeface="+mn-lt"/>
@@ -6323,21 +5435,24 @@
           <a:cs typeface="+mn-cs"/>
         </a:defRPr>
       </a:lvl4pPr>
-      <a:lvl5pPr marL="2263140" indent="-251460" algn="l" defTabSz="1005840" rtl="0" eaLnBrk="1" latinLnBrk="0" hangingPunct="1">
-        <a:lnSpc>
-          <a:spcPct val="120000"/>
-        </a:lnSpc>
+      <a:lvl5pPr marL="2200275" indent="-188595" algn="l" defTabSz="502920" rtl="0" eaLnBrk="1" latinLnBrk="0" hangingPunct="1">
         <a:spcBef>
-          <a:spcPts val="550"/>
+          <a:spcPct val="20000"/>
         </a:spcBef>
+        <a:spcAft>
+          <a:spcPts val="660"/>
+        </a:spcAft>
         <a:buClr>
           <a:schemeClr val="tx1"/>
         </a:buClr>
-        <a:buFont typeface="Arial" panose="020B0604020202020204" pitchFamily="34" charset="0"/>
-        <a:buChar char="•"/>
-        <a:defRPr sz="1540" kern="1200" cap="all" baseline="0">
+        <a:buSzPct val="80000"/>
+        <a:buFont typeface="Wingdings 3" panose="05040102010807070707" pitchFamily="18" charset="2"/>
+        <a:buChar char=""/>
+        <a:defRPr sz="1540" kern="1200" cap="none">
           <a:solidFill>
-            <a:schemeClr val="tx1"/>
+            <a:schemeClr val="bg2">
+              <a:lumMod val="75000"/>
+            </a:schemeClr>
           </a:solidFill>
           <a:effectLst/>
           <a:latin typeface="+mn-lt"/>
@@ -6345,21 +5460,24 @@
           <a:cs typeface="+mn-cs"/>
         </a:defRPr>
       </a:lvl5pPr>
-      <a:lvl6pPr marL="2766060" indent="-251460" algn="l" defTabSz="1005840" rtl="0" eaLnBrk="1" latinLnBrk="0" hangingPunct="1">
-        <a:lnSpc>
-          <a:spcPct val="120000"/>
-        </a:lnSpc>
+      <a:lvl6pPr marL="2766060" indent="-251460" algn="l" defTabSz="502920" rtl="0" eaLnBrk="1" latinLnBrk="0" hangingPunct="1">
         <a:spcBef>
-          <a:spcPts val="550"/>
+          <a:spcPct val="20000"/>
         </a:spcBef>
+        <a:spcAft>
+          <a:spcPts val="660"/>
+        </a:spcAft>
         <a:buClr>
           <a:schemeClr val="tx1"/>
         </a:buClr>
-        <a:buFont typeface="Arial" panose="020B0604020202020204" pitchFamily="34" charset="0"/>
-        <a:buChar char="•"/>
-        <a:defRPr sz="1540" kern="1200" cap="all" baseline="0">
+        <a:buSzPct val="80000"/>
+        <a:buFont typeface="Wingdings 3" panose="05040102010807070707" pitchFamily="18" charset="2"/>
+        <a:buChar char=""/>
+        <a:defRPr sz="1540" kern="1200" cap="none">
           <a:solidFill>
-            <a:schemeClr val="tx1"/>
+            <a:schemeClr val="bg2">
+              <a:lumMod val="75000"/>
+            </a:schemeClr>
           </a:solidFill>
           <a:effectLst/>
           <a:latin typeface="+mn-lt"/>
@@ -6367,21 +5485,24 @@
           <a:cs typeface="+mn-cs"/>
         </a:defRPr>
       </a:lvl6pPr>
-      <a:lvl7pPr marL="3268980" indent="-251460" algn="l" defTabSz="1005840" rtl="0" eaLnBrk="1" latinLnBrk="0" hangingPunct="1">
-        <a:lnSpc>
-          <a:spcPct val="120000"/>
-        </a:lnSpc>
+      <a:lvl7pPr marL="3268980" indent="-251460" algn="l" defTabSz="502920" rtl="0" eaLnBrk="1" latinLnBrk="0" hangingPunct="1">
         <a:spcBef>
-          <a:spcPts val="550"/>
+          <a:spcPct val="20000"/>
         </a:spcBef>
+        <a:spcAft>
+          <a:spcPts val="660"/>
+        </a:spcAft>
         <a:buClr>
           <a:schemeClr val="tx1"/>
         </a:buClr>
-        <a:buFont typeface="Arial" panose="020B0604020202020204" pitchFamily="34" charset="0"/>
-        <a:buChar char="•"/>
-        <a:defRPr sz="1540" kern="1200" cap="all" baseline="0">
+        <a:buSzPct val="80000"/>
+        <a:buFont typeface="Wingdings 3" panose="05040102010807070707" pitchFamily="18" charset="2"/>
+        <a:buChar char=""/>
+        <a:defRPr sz="1540" kern="1200" cap="none">
           <a:solidFill>
-            <a:schemeClr val="tx1"/>
+            <a:schemeClr val="bg2">
+              <a:lumMod val="75000"/>
+            </a:schemeClr>
           </a:solidFill>
           <a:effectLst/>
           <a:latin typeface="+mn-lt"/>
@@ -6389,21 +5510,24 @@
           <a:cs typeface="+mn-cs"/>
         </a:defRPr>
       </a:lvl7pPr>
-      <a:lvl8pPr marL="3771900" indent="-251460" algn="l" defTabSz="1005840" rtl="0" eaLnBrk="1" latinLnBrk="0" hangingPunct="1">
-        <a:lnSpc>
-          <a:spcPct val="120000"/>
-        </a:lnSpc>
+      <a:lvl8pPr marL="3771900" indent="-251460" algn="l" defTabSz="502920" rtl="0" eaLnBrk="1" latinLnBrk="0" hangingPunct="1">
         <a:spcBef>
-          <a:spcPts val="550"/>
+          <a:spcPct val="20000"/>
         </a:spcBef>
+        <a:spcAft>
+          <a:spcPts val="660"/>
+        </a:spcAft>
         <a:buClr>
           <a:schemeClr val="tx1"/>
         </a:buClr>
-        <a:buFont typeface="Arial" panose="020B0604020202020204" pitchFamily="34" charset="0"/>
-        <a:buChar char="•"/>
-        <a:defRPr sz="1540" kern="1200" cap="all" baseline="0">
+        <a:buSzPct val="80000"/>
+        <a:buFont typeface="Wingdings 3" panose="05040102010807070707" pitchFamily="18" charset="2"/>
+        <a:buChar char=""/>
+        <a:defRPr sz="1540" kern="1200" cap="none">
           <a:solidFill>
-            <a:schemeClr val="tx1"/>
+            <a:schemeClr val="bg2">
+              <a:lumMod val="75000"/>
+            </a:schemeClr>
           </a:solidFill>
           <a:effectLst/>
           <a:latin typeface="+mn-lt"/>
@@ -6411,21 +5535,24 @@
           <a:cs typeface="+mn-cs"/>
         </a:defRPr>
       </a:lvl8pPr>
-      <a:lvl9pPr marL="4274820" indent="-251460" algn="l" defTabSz="1005840" rtl="0" eaLnBrk="1" latinLnBrk="0" hangingPunct="1">
-        <a:lnSpc>
-          <a:spcPct val="120000"/>
-        </a:lnSpc>
+      <a:lvl9pPr marL="4274820" indent="-251460" algn="l" defTabSz="502920" rtl="0" eaLnBrk="1" latinLnBrk="0" hangingPunct="1">
         <a:spcBef>
-          <a:spcPts val="550"/>
+          <a:spcPct val="20000"/>
         </a:spcBef>
+        <a:spcAft>
+          <a:spcPts val="660"/>
+        </a:spcAft>
         <a:buClr>
           <a:schemeClr val="tx1"/>
         </a:buClr>
-        <a:buFont typeface="Arial" panose="020B0604020202020204" pitchFamily="34" charset="0"/>
-        <a:buChar char="•"/>
-        <a:defRPr sz="1540" kern="1200" cap="all" baseline="0">
+        <a:buSzPct val="80000"/>
+        <a:buFont typeface="Wingdings 3" panose="05040102010807070707" pitchFamily="18" charset="2"/>
+        <a:buChar char=""/>
+        <a:defRPr sz="1540" kern="1200" cap="none">
           <a:solidFill>
-            <a:schemeClr val="tx1"/>
+            <a:schemeClr val="bg2">
+              <a:lumMod val="75000"/>
+            </a:schemeClr>
           </a:solidFill>
           <a:effectLst/>
           <a:latin typeface="+mn-lt"/>
@@ -6438,7 +5565,7 @@
       <a:defPPr>
         <a:defRPr lang="en-US"/>
       </a:defPPr>
-      <a:lvl1pPr marL="0" algn="l" defTabSz="1005840" rtl="0" eaLnBrk="1" latinLnBrk="0" hangingPunct="1">
+      <a:lvl1pPr marL="0" algn="l" defTabSz="502920" rtl="0" eaLnBrk="1" latinLnBrk="0" hangingPunct="1">
         <a:defRPr sz="1980" kern="1200">
           <a:solidFill>
             <a:schemeClr val="tx1"/>
@@ -6448,7 +5575,7 @@
           <a:cs typeface="+mn-cs"/>
         </a:defRPr>
       </a:lvl1pPr>
-      <a:lvl2pPr marL="502920" algn="l" defTabSz="1005840" rtl="0" eaLnBrk="1" latinLnBrk="0" hangingPunct="1">
+      <a:lvl2pPr marL="502920" algn="l" defTabSz="502920" rtl="0" eaLnBrk="1" latinLnBrk="0" hangingPunct="1">
         <a:defRPr sz="1980" kern="1200">
           <a:solidFill>
             <a:schemeClr val="tx1"/>
@@ -6458,7 +5585,7 @@
           <a:cs typeface="+mn-cs"/>
         </a:defRPr>
       </a:lvl2pPr>
-      <a:lvl3pPr marL="1005840" algn="l" defTabSz="1005840" rtl="0" eaLnBrk="1" latinLnBrk="0" hangingPunct="1">
+      <a:lvl3pPr marL="1005840" algn="l" defTabSz="502920" rtl="0" eaLnBrk="1" latinLnBrk="0" hangingPunct="1">
         <a:defRPr sz="1980" kern="1200">
           <a:solidFill>
             <a:schemeClr val="tx1"/>
@@ -6468,7 +5595,7 @@
           <a:cs typeface="+mn-cs"/>
         </a:defRPr>
       </a:lvl3pPr>
-      <a:lvl4pPr marL="1508760" algn="l" defTabSz="1005840" rtl="0" eaLnBrk="1" latinLnBrk="0" hangingPunct="1">
+      <a:lvl4pPr marL="1508760" algn="l" defTabSz="502920" rtl="0" eaLnBrk="1" latinLnBrk="0" hangingPunct="1">
         <a:defRPr sz="1980" kern="1200">
           <a:solidFill>
             <a:schemeClr val="tx1"/>
@@ -6478,7 +5605,7 @@
           <a:cs typeface="+mn-cs"/>
         </a:defRPr>
       </a:lvl4pPr>
-      <a:lvl5pPr marL="2011680" algn="l" defTabSz="1005840" rtl="0" eaLnBrk="1" latinLnBrk="0" hangingPunct="1">
+      <a:lvl5pPr marL="2011680" algn="l" defTabSz="502920" rtl="0" eaLnBrk="1" latinLnBrk="0" hangingPunct="1">
         <a:defRPr sz="1980" kern="1200">
           <a:solidFill>
             <a:schemeClr val="tx1"/>
@@ -6488,7 +5615,7 @@
           <a:cs typeface="+mn-cs"/>
         </a:defRPr>
       </a:lvl5pPr>
-      <a:lvl6pPr marL="2514600" algn="l" defTabSz="1005840" rtl="0" eaLnBrk="1" latinLnBrk="0" hangingPunct="1">
+      <a:lvl6pPr marL="2514600" algn="l" defTabSz="502920" rtl="0" eaLnBrk="1" latinLnBrk="0" hangingPunct="1">
         <a:defRPr sz="1980" kern="1200">
           <a:solidFill>
             <a:schemeClr val="tx1"/>
@@ -6498,7 +5625,7 @@
           <a:cs typeface="+mn-cs"/>
         </a:defRPr>
       </a:lvl6pPr>
-      <a:lvl7pPr marL="3017520" algn="l" defTabSz="1005840" rtl="0" eaLnBrk="1" latinLnBrk="0" hangingPunct="1">
+      <a:lvl7pPr marL="3017520" algn="l" defTabSz="502920" rtl="0" eaLnBrk="1" latinLnBrk="0" hangingPunct="1">
         <a:defRPr sz="1980" kern="1200">
           <a:solidFill>
             <a:schemeClr val="tx1"/>
@@ -6508,7 +5635,7 @@
           <a:cs typeface="+mn-cs"/>
         </a:defRPr>
       </a:lvl7pPr>
-      <a:lvl8pPr marL="3520440" algn="l" defTabSz="1005840" rtl="0" eaLnBrk="1" latinLnBrk="0" hangingPunct="1">
+      <a:lvl8pPr marL="3520440" algn="l" defTabSz="502920" rtl="0" eaLnBrk="1" latinLnBrk="0" hangingPunct="1">
         <a:defRPr sz="1980" kern="1200">
           <a:solidFill>
             <a:schemeClr val="tx1"/>
@@ -6518,7 +5645,7 @@
           <a:cs typeface="+mn-cs"/>
         </a:defRPr>
       </a:lvl8pPr>
-      <a:lvl9pPr marL="4023360" algn="l" defTabSz="1005840" rtl="0" eaLnBrk="1" latinLnBrk="0" hangingPunct="1">
+      <a:lvl9pPr marL="4023360" algn="l" defTabSz="502920" rtl="0" eaLnBrk="1" latinLnBrk="0" hangingPunct="1">
         <a:defRPr sz="1980" kern="1200">
           <a:solidFill>
             <a:schemeClr val="tx1"/>
@@ -6536,6 +5663,40 @@
 <file path=ppt/slides/slide1.xml><?xml version="1.0" encoding="utf-8"?>
 <p:sld xmlns:a="http://schemas.openxmlformats.org/drawingml/2006/main" xmlns:r="http://schemas.openxmlformats.org/officeDocument/2006/relationships" xmlns:p="http://schemas.openxmlformats.org/presentationml/2006/main">
   <p:cSld>
+    <p:bg>
+      <p:bgPr>
+        <a:gradFill>
+          <a:gsLst>
+            <a:gs pos="0">
+              <a:schemeClr val="accent1">
+                <a:lumMod val="5000"/>
+                <a:lumOff val="95000"/>
+              </a:schemeClr>
+            </a:gs>
+            <a:gs pos="74000">
+              <a:schemeClr val="accent1">
+                <a:lumMod val="45000"/>
+                <a:lumOff val="55000"/>
+              </a:schemeClr>
+            </a:gs>
+            <a:gs pos="83000">
+              <a:schemeClr val="accent1">
+                <a:lumMod val="45000"/>
+                <a:lumOff val="55000"/>
+              </a:schemeClr>
+            </a:gs>
+            <a:gs pos="100000">
+              <a:schemeClr val="accent1">
+                <a:lumMod val="30000"/>
+                <a:lumOff val="70000"/>
+              </a:schemeClr>
+            </a:gs>
+          </a:gsLst>
+          <a:lin ang="5400000" scaled="1"/>
+        </a:gradFill>
+        <a:effectLst/>
+      </p:bgPr>
+    </p:bg>
     <p:spTree>
       <p:nvGrpSpPr>
         <p:cNvPr id="1" name=""/>
@@ -6670,7 +5831,7 @@
         <p:spPr>
           <a:xfrm>
             <a:off x="7122686" y="5109421"/>
-            <a:ext cx="2203450" cy="327660"/>
+            <a:ext cx="2203450" cy="509114"/>
           </a:xfrm>
           <a:prstGeom prst="rect">
             <a:avLst/>
@@ -6691,16 +5852,19 @@
               </a:spcBef>
             </a:pPr>
             <a:r>
-              <a:rPr lang="en-US" sz="1950" spc="5" dirty="0">
-                <a:solidFill>
-                  <a:srgbClr val="EF52A5"/>
-                </a:solidFill>
-                <a:latin typeface="Century Gothic"/>
-                <a:cs typeface="Century Gothic"/>
-              </a:rPr>
-              <a:t>Jay Patel</a:t>
-            </a:r>
-            <a:endParaRPr sz="1950" dirty="0">
+              <a:rPr lang="en-US" sz="3200" b="1" spc="5" dirty="0" err="1" smtClean="0">
+                <a:solidFill>
+                  <a:schemeClr val="bg1"/>
+                </a:solidFill>
+                <a:latin typeface="Century Gothic"/>
+                <a:cs typeface="Century Gothic"/>
+              </a:rPr>
+              <a:t>Riyazuddin</a:t>
+            </a:r>
+            <a:endParaRPr sz="3200" b="1" dirty="0">
+              <a:solidFill>
+                <a:schemeClr val="bg1"/>
+              </a:solidFill>
               <a:latin typeface="Century Gothic"/>
               <a:cs typeface="Century Gothic"/>
             </a:endParaRPr>
@@ -18819,9 +17983,9 @@
 </file>
 
 <file path=ppt/theme/theme1.xml><?xml version="1.0" encoding="utf-8"?>
-<a:theme xmlns:a="http://schemas.openxmlformats.org/drawingml/2006/main" name="Droplet">
+<a:theme xmlns:a="http://schemas.openxmlformats.org/drawingml/2006/main" name="Slice">
   <a:themeElements>
-    <a:clrScheme name="Droplet">
+    <a:clrScheme name="Slice">
       <a:dk1>
         <a:sysClr val="windowText" lastClr="000000"/>
       </a:dk1>
@@ -18829,83 +17993,48 @@
         <a:sysClr val="window" lastClr="FFFFFF"/>
       </a:lt1>
       <a:dk2>
-        <a:srgbClr val="27537E"/>
+        <a:srgbClr val="146194"/>
       </a:dk2>
       <a:lt2>
-        <a:srgbClr val="AABED7"/>
+        <a:srgbClr val="76DBF4"/>
       </a:lt2>
       <a:accent1>
-        <a:srgbClr val="E34B7A"/>
+        <a:srgbClr val="052F61"/>
       </a:accent1>
       <a:accent2>
-        <a:srgbClr val="AC339A"/>
+        <a:srgbClr val="A50E82"/>
       </a:accent2>
       <a:accent3>
-        <a:srgbClr val="6953B7"/>
+        <a:srgbClr val="14967C"/>
       </a:accent3>
       <a:accent4>
-        <a:srgbClr val="1D7EAB"/>
+        <a:srgbClr val="6A9E1F"/>
       </a:accent4>
       <a:accent5>
-        <a:srgbClr val="43AFD6"/>
+        <a:srgbClr val="E87D37"/>
       </a:accent5>
       <a:accent6>
-        <a:srgbClr val="DE85E1"/>
+        <a:srgbClr val="C62324"/>
       </a:accent6>
       <a:hlink>
-        <a:srgbClr val="ED87A6"/>
+        <a:srgbClr val="0D2E46"/>
       </a:hlink>
       <a:folHlink>
-        <a:srgbClr val="C99EAC"/>
+        <a:srgbClr val="356A95"/>
       </a:folHlink>
     </a:clrScheme>
-    <a:fontScheme name="Droplet">
+    <a:fontScheme name="Slice">
       <a:majorFont>
-        <a:latin typeface="Tw Cen MT" panose="020B0602020104020603"/>
+        <a:latin typeface="Century Gothic" panose="020B0502020202020204"/>
         <a:ea typeface=""/>
         <a:cs typeface=""/>
-        <a:font script="Jpan" typeface="ＭＳ Ｐゴシック"/>
-        <a:font script="Hang" typeface="맑은 고딕"/>
-        <a:font script="Hans" typeface="宋体"/>
-        <a:font script="Hant" typeface="新細明體"/>
-        <a:font script="Arab" typeface="Times New Roman"/>
-        <a:font script="Hebr" typeface="Times New Roman"/>
-        <a:font script="Thai" typeface="Angsana New"/>
-        <a:font script="Ethi" typeface="Nyala"/>
-        <a:font script="Beng" typeface="Vrinda"/>
-        <a:font script="Gujr" typeface="Shruti"/>
-        <a:font script="Khmr" typeface="MoolBoran"/>
-        <a:font script="Knda" typeface="Tunga"/>
-        <a:font script="Guru" typeface="Raavi"/>
-        <a:font script="Cans" typeface="Euphemia"/>
-        <a:font script="Cher" typeface="Plantagenet Cherokee"/>
-        <a:font script="Yiii" typeface="Microsoft Yi Baiti"/>
-        <a:font script="Tibt" typeface="Microsoft Himalaya"/>
-        <a:font script="Thaa" typeface="MV Boli"/>
-        <a:font script="Deva" typeface="Mangal"/>
-        <a:font script="Telu" typeface="Gautami"/>
-        <a:font script="Taml" typeface="Latha"/>
-        <a:font script="Syrc" typeface="Estrangelo Edessa"/>
-        <a:font script="Orya" typeface="Kalinga"/>
-        <a:font script="Mlym" typeface="Kartika"/>
-        <a:font script="Laoo" typeface="DokChampa"/>
-        <a:font script="Sinh" typeface="Iskoola Pota"/>
-        <a:font script="Mong" typeface="Mongolian Baiti"/>
-        <a:font script="Viet" typeface="Times New Roman"/>
-        <a:font script="Uigh" typeface="Microsoft Uighur"/>
-        <a:font script="Geor" typeface="Sylfaen"/>
-      </a:majorFont>
-      <a:minorFont>
-        <a:latin typeface="Tw Cen MT" panose="020B0602020104020603"/>
-        <a:ea typeface=""/>
-        <a:cs typeface=""/>
-        <a:font script="Jpan" typeface="ＭＳ Ｐゴシック"/>
-        <a:font script="Hang" typeface="맑은 고딕"/>
-        <a:font script="Hans" typeface="宋体"/>
-        <a:font script="Hant" typeface="新細明體"/>
-        <a:font script="Arab" typeface="Arial"/>
-        <a:font script="Hebr" typeface="Arial"/>
-        <a:font script="Thai" typeface="Cordia New"/>
+        <a:font script="Jpan" typeface="メイリオ"/>
+        <a:font script="Hang" typeface="HY중고딕"/>
+        <a:font script="Hans" typeface="幼圆"/>
+        <a:font script="Hant" typeface="微軟正黑體"/>
+        <a:font script="Arab" typeface="Tahoma"/>
+        <a:font script="Hebr" typeface="Gisha"/>
+        <a:font script="Thai" typeface="DilleniaUPC"/>
         <a:font script="Ethi" typeface="Nyala"/>
         <a:font script="Beng" typeface="Vrinda"/>
         <a:font script="Gujr" typeface="Shruti"/>
@@ -18926,45 +18055,84 @@
         <a:font script="Laoo" typeface="DokChampa"/>
         <a:font script="Sinh" typeface="Iskoola Pota"/>
         <a:font script="Mong" typeface="Mongolian Baiti"/>
-        <a:font script="Viet" typeface="Arial"/>
+        <a:font script="Viet" typeface="Tahoma"/>
+        <a:font script="Uigh" typeface="Microsoft Uighur"/>
+        <a:font script="Geor" typeface="Sylfaen"/>
+      </a:majorFont>
+      <a:minorFont>
+        <a:latin typeface="Century Gothic" panose="020B0502020202020204"/>
+        <a:ea typeface=""/>
+        <a:cs typeface=""/>
+        <a:font script="Jpan" typeface="メイリオ"/>
+        <a:font script="Hang" typeface="HY중고딕"/>
+        <a:font script="Hans" typeface="幼圆"/>
+        <a:font script="Hant" typeface="微軟正黑體"/>
+        <a:font script="Arab" typeface="Tahoma"/>
+        <a:font script="Hebr" typeface="Gisha"/>
+        <a:font script="Thai" typeface="DilleniaUPC"/>
+        <a:font script="Ethi" typeface="Nyala"/>
+        <a:font script="Beng" typeface="Vrinda"/>
+        <a:font script="Gujr" typeface="Shruti"/>
+        <a:font script="Khmr" typeface="DaunPenh"/>
+        <a:font script="Knda" typeface="Tunga"/>
+        <a:font script="Guru" typeface="Raavi"/>
+        <a:font script="Cans" typeface="Euphemia"/>
+        <a:font script="Cher" typeface="Plantagenet Cherokee"/>
+        <a:font script="Yiii" typeface="Microsoft Yi Baiti"/>
+        <a:font script="Tibt" typeface="Microsoft Himalaya"/>
+        <a:font script="Thaa" typeface="MV Boli"/>
+        <a:font script="Deva" typeface="Mangal"/>
+        <a:font script="Telu" typeface="Gautami"/>
+        <a:font script="Taml" typeface="Latha"/>
+        <a:font script="Syrc" typeface="Estrangelo Edessa"/>
+        <a:font script="Orya" typeface="Kalinga"/>
+        <a:font script="Mlym" typeface="Kartika"/>
+        <a:font script="Laoo" typeface="DokChampa"/>
+        <a:font script="Sinh" typeface="Iskoola Pota"/>
+        <a:font script="Mong" typeface="Mongolian Baiti"/>
+        <a:font script="Viet" typeface="Tahoma"/>
         <a:font script="Uigh" typeface="Microsoft Uighur"/>
         <a:font script="Geor" typeface="Sylfaen"/>
       </a:minorFont>
     </a:fontScheme>
-    <a:fmtScheme name="Droplet">
+    <a:fmtScheme name="Slice">
       <a:fillStyleLst>
         <a:solidFill>
           <a:schemeClr val="phClr"/>
-        </a:solidFill>
-        <a:solidFill>
-          <a:schemeClr val="phClr">
-            <a:tint val="69000"/>
-            <a:satMod val="105000"/>
-            <a:lumMod val="110000"/>
-          </a:schemeClr>
         </a:solidFill>
         <a:gradFill rotWithShape="1">
           <a:gsLst>
             <a:gs pos="0">
               <a:schemeClr val="phClr">
-                <a:tint val="94000"/>
-                <a:satMod val="100000"/>
-                <a:lumMod val="108000"/>
-              </a:schemeClr>
-            </a:gs>
-            <a:gs pos="50000">
-              <a:schemeClr val="phClr">
-                <a:tint val="98000"/>
-                <a:shade val="100000"/>
-                <a:satMod val="100000"/>
-                <a:lumMod val="100000"/>
+                <a:tint val="62000"/>
+                <a:hueMod val="94000"/>
+                <a:satMod val="140000"/>
+                <a:lumMod val="110000"/>
               </a:schemeClr>
             </a:gs>
             <a:gs pos="100000">
               <a:schemeClr val="phClr">
-                <a:shade val="72000"/>
-                <a:satMod val="120000"/>
-                <a:lumMod val="100000"/>
+                <a:tint val="84000"/>
+                <a:satMod val="160000"/>
+              </a:schemeClr>
+            </a:gs>
+          </a:gsLst>
+          <a:lin ang="5400000" scaled="0"/>
+        </a:gradFill>
+        <a:gradFill rotWithShape="1">
+          <a:gsLst>
+            <a:gs pos="0">
+              <a:schemeClr val="phClr">
+                <a:tint val="98000"/>
+                <a:hueMod val="94000"/>
+                <a:satMod val="130000"/>
+                <a:lumMod val="138000"/>
+              </a:schemeClr>
+            </a:gs>
+            <a:gs pos="100000">
+              <a:schemeClr val="phClr">
+                <a:shade val="94000"/>
+                <a:lumMod val="88000"/>
               </a:schemeClr>
             </a:gs>
           </a:gsLst>
@@ -18972,21 +18140,25 @@
         </a:gradFill>
       </a:fillStyleLst>
       <a:lnStyleLst>
-        <a:ln w="9525" cap="flat" cmpd="sng" algn="ctr">
+        <a:ln w="9525" cap="rnd" cmpd="sng" algn="ctr">
           <a:solidFill>
             <a:schemeClr val="phClr">
-              <a:shade val="60000"/>
+              <a:tint val="76000"/>
+              <a:alpha val="60000"/>
+              <a:hueMod val="94000"/>
             </a:schemeClr>
           </a:solidFill>
           <a:prstDash val="solid"/>
         </a:ln>
-        <a:ln w="15875" cap="flat" cmpd="sng" algn="ctr">
+        <a:ln w="12700" cap="rnd" cmpd="sng" algn="ctr">
           <a:solidFill>
-            <a:schemeClr val="phClr"/>
+            <a:schemeClr val="phClr">
+              <a:hueMod val="94000"/>
+            </a:schemeClr>
           </a:solidFill>
           <a:prstDash val="solid"/>
         </a:ln>
-        <a:ln w="22225" cap="flat" cmpd="sng" algn="ctr">
+        <a:ln w="28575" cap="rnd" cmpd="sng" algn="ctr">
           <a:solidFill>
             <a:schemeClr val="phClr"/>
           </a:solidFill>
@@ -18999,18 +18171,18 @@
         </a:effectStyle>
         <a:effectStyle>
           <a:effectLst>
-            <a:outerShdw blurRad="50800" dist="25400" dir="5400000" rotWithShape="0">
+            <a:innerShdw blurRad="25400" dist="12700" dir="13500000">
               <a:srgbClr val="000000">
-                <a:alpha val="28000"/>
+                <a:alpha val="45000"/>
               </a:srgbClr>
-            </a:outerShdw>
+            </a:innerShdw>
           </a:effectLst>
         </a:effectStyle>
         <a:effectStyle>
           <a:effectLst>
-            <a:outerShdw blurRad="63500" dist="25400" dir="5400000" algn="ctr" rotWithShape="0">
+            <a:outerShdw blurRad="50800" dist="38100" dir="5400000" rotWithShape="0">
               <a:srgbClr val="000000">
-                <a:alpha val="69000"/>
+                <a:alpha val="46000"/>
               </a:srgbClr>
             </a:outerShdw>
           </a:effectLst>
@@ -19018,9 +18190,7 @@
             <a:camera prst="orthographicFront">
               <a:rot lat="0" lon="0" rev="0"/>
             </a:camera>
-            <a:lightRig rig="balanced" dir="t">
-              <a:rot lat="0" lon="0" rev="1200000"/>
-            </a:lightRig>
+            <a:lightRig rig="threePt" dir="t"/>
           </a:scene3d>
           <a:sp3d prstMaterial="plastic">
             <a:bevelT w="25400" h="25400"/>
@@ -19033,41 +18203,45 @@
         </a:solidFill>
         <a:gradFill rotWithShape="1">
           <a:gsLst>
-            <a:gs pos="0">
+            <a:gs pos="10000">
               <a:schemeClr val="phClr">
-                <a:tint val="90000"/>
-                <a:lumMod val="110000"/>
+                <a:tint val="97000"/>
+                <a:hueMod val="92000"/>
+                <a:satMod val="169000"/>
+                <a:lumMod val="164000"/>
               </a:schemeClr>
             </a:gs>
             <a:gs pos="100000">
               <a:schemeClr val="phClr">
-                <a:shade val="64000"/>
-                <a:lumMod val="88000"/>
+                <a:shade val="96000"/>
+                <a:satMod val="120000"/>
+                <a:lumMod val="90000"/>
               </a:schemeClr>
             </a:gs>
           </a:gsLst>
-          <a:lin ang="5400000" scaled="0"/>
+          <a:lin ang="6120000" scaled="1"/>
         </a:gradFill>
         <a:gradFill rotWithShape="1">
           <a:gsLst>
             <a:gs pos="0">
               <a:schemeClr val="phClr">
-                <a:tint val="78000"/>
-                <a:shade val="100000"/>
-                <a:hueMod val="136000"/>
-                <a:satMod val="160000"/>
-                <a:lumMod val="105000"/>
+                <a:tint val="97000"/>
+                <a:hueMod val="92000"/>
+                <a:satMod val="169000"/>
+                <a:lumMod val="164000"/>
               </a:schemeClr>
             </a:gs>
             <a:gs pos="100000">
               <a:schemeClr val="phClr">
-                <a:shade val="92000"/>
-                <a:satMod val="170000"/>
-                <a:lumMod val="96000"/>
+                <a:shade val="96000"/>
+                <a:satMod val="120000"/>
+                <a:lumMod val="90000"/>
               </a:schemeClr>
             </a:gs>
           </a:gsLst>
-          <a:lin ang="5400000" scaled="0"/>
+          <a:path path="circle">
+            <a:fillToRect b="100000"/>
+          </a:path>
         </a:gradFill>
       </a:bgFillStyleLst>
     </a:fmtScheme>
@@ -19076,7 +18250,7 @@
   <a:extraClrSchemeLst/>
   <a:extLst>
     <a:ext uri="{05A4C25C-085E-4340-85A3-A5531E510DB2}">
-      <thm15:themeFamily xmlns:thm15="http://schemas.microsoft.com/office/thememl/2012/main" name="Droplet" id="{8984A317-299A-4E50-B45D-BFC9EDE2337A}" vid="{C71B277C-C29A-4BA0-A7BA-43502DF21AB3}"/>
+      <thm15:themeFamily xmlns:thm15="http://schemas.microsoft.com/office/thememl/2012/main" name="Slice" id="{0507925B-6AC9-4358-8E18-C330545D08F8}" vid="{13FEC7C6-62A9-40C4-99D2-581AACACAA2F}"/>
     </a:ext>
   </a:extLst>
 </a:theme>
